--- a/Courses/Software-Sciences/IT-Module-4-Problem-Solving-with-ICT/02-Sequential-Models/02-Sequential-Models.pptx
+++ b/Courses/Software-Sciences/IT-Module-4-Problem-Solving-with-ICT/02-Sequential-Models/02-Sequential-Models.pptx
@@ -5,10 +5,10 @@
     <p:sldMasterId id="2147483675" r:id="rId1"/>
   </p:sldMasterIdLst>
   <p:notesMasterIdLst>
-    <p:notesMasterId r:id="rId28"/>
+    <p:notesMasterId r:id="rId29"/>
   </p:notesMasterIdLst>
   <p:handoutMasterIdLst>
-    <p:handoutMasterId r:id="rId29"/>
+    <p:handoutMasterId r:id="rId30"/>
   </p:handoutMasterIdLst>
   <p:sldIdLst>
     <p:sldId id="503" r:id="rId2"/>
@@ -18,25 +18,26 @@
     <p:sldId id="634" r:id="rId6"/>
     <p:sldId id="610" r:id="rId7"/>
     <p:sldId id="635" r:id="rId8"/>
-    <p:sldId id="636" r:id="rId9"/>
-    <p:sldId id="641" r:id="rId10"/>
-    <p:sldId id="637" r:id="rId11"/>
-    <p:sldId id="642" r:id="rId12"/>
-    <p:sldId id="638" r:id="rId13"/>
-    <p:sldId id="639" r:id="rId14"/>
-    <p:sldId id="652" r:id="rId15"/>
-    <p:sldId id="640" r:id="rId16"/>
-    <p:sldId id="649" r:id="rId17"/>
-    <p:sldId id="643" r:id="rId18"/>
-    <p:sldId id="650" r:id="rId19"/>
-    <p:sldId id="644" r:id="rId20"/>
-    <p:sldId id="651" r:id="rId21"/>
-    <p:sldId id="645" r:id="rId22"/>
-    <p:sldId id="647" r:id="rId23"/>
-    <p:sldId id="648" r:id="rId24"/>
-    <p:sldId id="633" r:id="rId25"/>
-    <p:sldId id="504" r:id="rId26"/>
-    <p:sldId id="505" r:id="rId27"/>
+    <p:sldId id="653" r:id="rId9"/>
+    <p:sldId id="636" r:id="rId10"/>
+    <p:sldId id="641" r:id="rId11"/>
+    <p:sldId id="637" r:id="rId12"/>
+    <p:sldId id="642" r:id="rId13"/>
+    <p:sldId id="638" r:id="rId14"/>
+    <p:sldId id="639" r:id="rId15"/>
+    <p:sldId id="652" r:id="rId16"/>
+    <p:sldId id="640" r:id="rId17"/>
+    <p:sldId id="649" r:id="rId18"/>
+    <p:sldId id="643" r:id="rId19"/>
+    <p:sldId id="650" r:id="rId20"/>
+    <p:sldId id="644" r:id="rId21"/>
+    <p:sldId id="651" r:id="rId22"/>
+    <p:sldId id="645" r:id="rId23"/>
+    <p:sldId id="647" r:id="rId24"/>
+    <p:sldId id="648" r:id="rId25"/>
+    <p:sldId id="633" r:id="rId26"/>
+    <p:sldId id="504" r:id="rId27"/>
+    <p:sldId id="505" r:id="rId28"/>
   </p:sldIdLst>
   <p:sldSz cx="12192000" cy="6858000"/>
   <p:notesSz cx="6858000" cy="9144000"/>
@@ -155,6 +156,7 @@
           <p14:sldIdLst>
             <p14:sldId id="610"/>
             <p14:sldId id="635"/>
+            <p14:sldId id="653"/>
             <p14:sldId id="636"/>
             <p14:sldId id="641"/>
             <p14:sldId id="637"/>
@@ -326,7 +328,7 @@
           <a:p>
             <a:fld id="{4E087215-0C8F-4762-A664-737A353EC9A4}" type="datetimeFigureOut">
               <a:rPr lang="bg-BG" smtClean="0"/>
-              <a:t>25.06.25 г.</a:t>
+              <a:t>28.06.25 г.</a:t>
             </a:fld>
             <a:endParaRPr lang="bg-BG"/>
           </a:p>
@@ -522,7 +524,7 @@
           <a:p>
             <a:fld id="{72D84649-876A-46C9-8472-14CB09C070D8}" type="datetimeFigureOut">
               <a:rPr lang="en-US" smtClean="0"/>
-              <a:t>6/25/25</a:t>
+              <a:t>6/28/25</a:t>
             </a:fld>
             <a:endParaRPr lang="en-US"/>
           </a:p>
@@ -1170,7 +1172,7 @@
     </p:spTree>
     <p:extLst>
       <p:ext uri="{BB962C8B-B14F-4D97-AF65-F5344CB8AC3E}">
-        <p14:creationId xmlns:p14="http://schemas.microsoft.com/office/powerpoint/2010/main" val="2387134197"/>
+        <p14:creationId xmlns:p14="http://schemas.microsoft.com/office/powerpoint/2010/main" val="979097000"/>
       </p:ext>
     </p:extLst>
   </p:cSld>
@@ -1400,7 +1402,7 @@
     </p:spTree>
     <p:extLst>
       <p:ext uri="{BB962C8B-B14F-4D97-AF65-F5344CB8AC3E}">
-        <p14:creationId xmlns:p14="http://schemas.microsoft.com/office/powerpoint/2010/main" val="1471925483"/>
+        <p14:creationId xmlns:p14="http://schemas.microsoft.com/office/powerpoint/2010/main" val="2387134197"/>
       </p:ext>
     </p:extLst>
   </p:cSld>
@@ -1454,16 +1456,16 @@
           <a:bodyPr/>
           <a:lstStyle/>
           <a:p>
-            <a:endParaRPr lang="en-US" dirty="0"/>
+            <a:endParaRPr lang="en-US"/>
           </a:p>
         </p:txBody>
       </p:sp>
       <p:sp>
         <p:nvSpPr>
-          <p:cNvPr id="7" name="Slide Number Placeholder 5">
+          <p:cNvPr id="6" name="Slide Number Placeholder 5">
             <a:extLst>
               <a:ext uri="{FF2B5EF4-FFF2-40B4-BE49-F238E27FC236}">
-                <a16:creationId xmlns:a16="http://schemas.microsoft.com/office/drawing/2014/main" id="{BD88B0D8-949C-482D-990A-2DAB14AD4AD1}"/>
+                <a16:creationId xmlns:a16="http://schemas.microsoft.com/office/drawing/2014/main" id="{973EF363-177A-44DE-80E9-FC9248B7DCA2}"/>
               </a:ext>
             </a:extLst>
           </p:cNvPr>
@@ -1593,7 +1595,7 @@
           <p:cNvPr id="4" name="Footer Placeholder 3">
             <a:extLst>
               <a:ext uri="{FF2B5EF4-FFF2-40B4-BE49-F238E27FC236}">
-                <a16:creationId xmlns:a16="http://schemas.microsoft.com/office/drawing/2014/main" id="{58474633-D38D-4432-867B-70F325FA7016}"/>
+                <a16:creationId xmlns:a16="http://schemas.microsoft.com/office/drawing/2014/main" id="{8EE613EE-6697-4964-A067-C2136C00C834}"/>
               </a:ext>
             </a:extLst>
           </p:cNvPr>
@@ -1630,7 +1632,7 @@
     </p:spTree>
     <p:extLst>
       <p:ext uri="{BB962C8B-B14F-4D97-AF65-F5344CB8AC3E}">
-        <p14:creationId xmlns:p14="http://schemas.microsoft.com/office/powerpoint/2010/main" val="3295241353"/>
+        <p14:creationId xmlns:p14="http://schemas.microsoft.com/office/powerpoint/2010/main" val="1471925483"/>
       </p:ext>
     </p:extLst>
   </p:cSld>
@@ -1684,16 +1686,16 @@
           <a:bodyPr/>
           <a:lstStyle/>
           <a:p>
-            <a:endParaRPr lang="en-US"/>
+            <a:endParaRPr lang="en-US" dirty="0"/>
           </a:p>
         </p:txBody>
       </p:sp>
       <p:sp>
         <p:nvSpPr>
-          <p:cNvPr id="6" name="Slide Number Placeholder 5">
+          <p:cNvPr id="7" name="Slide Number Placeholder 5">
             <a:extLst>
               <a:ext uri="{FF2B5EF4-FFF2-40B4-BE49-F238E27FC236}">
-                <a16:creationId xmlns:a16="http://schemas.microsoft.com/office/drawing/2014/main" id="{973EF363-177A-44DE-80E9-FC9248B7DCA2}"/>
+                <a16:creationId xmlns:a16="http://schemas.microsoft.com/office/drawing/2014/main" id="{BD88B0D8-949C-482D-990A-2DAB14AD4AD1}"/>
               </a:ext>
             </a:extLst>
           </p:cNvPr>
@@ -1823,7 +1825,7 @@
           <p:cNvPr id="4" name="Footer Placeholder 3">
             <a:extLst>
               <a:ext uri="{FF2B5EF4-FFF2-40B4-BE49-F238E27FC236}">
-                <a16:creationId xmlns:a16="http://schemas.microsoft.com/office/drawing/2014/main" id="{8EE613EE-6697-4964-A067-C2136C00C834}"/>
+                <a16:creationId xmlns:a16="http://schemas.microsoft.com/office/drawing/2014/main" id="{58474633-D38D-4432-867B-70F325FA7016}"/>
               </a:ext>
             </a:extLst>
           </p:cNvPr>
@@ -1860,7 +1862,7 @@
     </p:spTree>
     <p:extLst>
       <p:ext uri="{BB962C8B-B14F-4D97-AF65-F5344CB8AC3E}">
-        <p14:creationId xmlns:p14="http://schemas.microsoft.com/office/powerpoint/2010/main" val="3914657907"/>
+        <p14:creationId xmlns:p14="http://schemas.microsoft.com/office/powerpoint/2010/main" val="3295241353"/>
       </p:ext>
     </p:extLst>
   </p:cSld>
@@ -2090,7 +2092,7 @@
     </p:spTree>
     <p:extLst>
       <p:ext uri="{BB962C8B-B14F-4D97-AF65-F5344CB8AC3E}">
-        <p14:creationId xmlns:p14="http://schemas.microsoft.com/office/powerpoint/2010/main" val="2709778050"/>
+        <p14:creationId xmlns:p14="http://schemas.microsoft.com/office/powerpoint/2010/main" val="3914657907"/>
       </p:ext>
     </p:extLst>
   </p:cSld>
@@ -2144,16 +2146,16 @@
           <a:bodyPr/>
           <a:lstStyle/>
           <a:p>
-            <a:endParaRPr lang="en-US" dirty="0"/>
+            <a:endParaRPr lang="en-US"/>
           </a:p>
         </p:txBody>
       </p:sp>
       <p:sp>
         <p:nvSpPr>
-          <p:cNvPr id="7" name="Slide Number Placeholder 5">
+          <p:cNvPr id="6" name="Slide Number Placeholder 5">
             <a:extLst>
               <a:ext uri="{FF2B5EF4-FFF2-40B4-BE49-F238E27FC236}">
-                <a16:creationId xmlns:a16="http://schemas.microsoft.com/office/drawing/2014/main" id="{E65F1CA9-65DC-416B-8882-B3A5E415CE67}"/>
+                <a16:creationId xmlns:a16="http://schemas.microsoft.com/office/drawing/2014/main" id="{973EF363-177A-44DE-80E9-FC9248B7DCA2}"/>
               </a:ext>
             </a:extLst>
           </p:cNvPr>
@@ -2272,7 +2274,7 @@
             <a:fld id="{3EBA5BD7-F043-4D1B-AA17-CD412FC534DE}" type="slidenum">
               <a:rPr lang="en-US" smtClean="0"/>
               <a:pPr/>
-              <a:t>24</a:t>
+              <a:t>16</a:t>
             </a:fld>
             <a:endParaRPr lang="en-US" dirty="0"/>
           </a:p>
@@ -2280,10 +2282,10 @@
       </p:sp>
       <p:sp>
         <p:nvSpPr>
-          <p:cNvPr id="5" name="Footer Placeholder 7">
+          <p:cNvPr id="4" name="Footer Placeholder 3">
             <a:extLst>
               <a:ext uri="{FF2B5EF4-FFF2-40B4-BE49-F238E27FC236}">
-                <a16:creationId xmlns:a16="http://schemas.microsoft.com/office/drawing/2014/main" id="{43FAF785-0C8D-730E-8E59-68198DC82CE0}"/>
+                <a16:creationId xmlns:a16="http://schemas.microsoft.com/office/drawing/2014/main" id="{8EE613EE-6697-4964-A067-C2136C00C834}"/>
               </a:ext>
             </a:extLst>
           </p:cNvPr>
@@ -2294,49 +2296,33 @@
             <p:ph type="ftr" sz="quarter" idx="4"/>
           </p:nvPr>
         </p:nvSpPr>
-        <p:spPr>
-          <a:xfrm>
-            <a:off x="-1" y="8892000"/>
-            <a:ext cx="6488999" cy="252000"/>
-          </a:xfrm>
-          <a:prstGeom prst="rect">
-            <a:avLst/>
-          </a:prstGeom>
-        </p:spPr>
+        <p:spPr/>
         <p:txBody>
-          <a:bodyPr vert="horz" lIns="91440" tIns="45720" rIns="91440" bIns="45720" rtlCol="0" anchor="b"/>
-          <a:lstStyle>
-            <a:lvl1pPr algn="l">
-              <a:defRPr sz="1100"/>
-            </a:lvl1pPr>
-          </a:lstStyle>
-          <a:p>
-            <a:r>
-              <a:rPr lang="bg-BG" sz="1100" dirty="0"/>
-              <a:t>Работна група </a:t>
-            </a:r>
-            <a:r>
-              <a:rPr lang="bg-BG" dirty="0"/>
-              <a:t>"Образование по програмиране и ИТ"</a:t>
-            </a:r>
-            <a:r>
-              <a:rPr lang="bg-BG" sz="1100" dirty="0"/>
-              <a:t>, с подкрепата на </a:t>
-            </a:r>
-            <a:r>
-              <a:rPr lang="en-US" sz="1100" dirty="0">
+          <a:bodyPr/>
+          <a:lstStyle/>
+          <a:p>
+            <a:r>
+              <a:rPr lang="en-US"/>
+              <a:t>© SoftUni – </a:t>
+            </a:r>
+            <a:r>
+              <a:rPr lang="en-US" u="sng">
                 <a:hlinkClick r:id="rId3"/>
               </a:rPr>
-              <a:t>SoftUni</a:t>
-            </a:r>
-            <a:endParaRPr lang="en-US" sz="1100" dirty="0"/>
+              <a:t>https://softuni.org</a:t>
+            </a:r>
+            <a:r>
+              <a:rPr lang="en-US"/>
+              <a:t>. Copyrighted document. Unauthorized copy or reproduction is not permitted.</a:t>
+            </a:r>
+            <a:endParaRPr lang="en-US" dirty="0"/>
           </a:p>
         </p:txBody>
       </p:sp>
     </p:spTree>
     <p:extLst>
       <p:ext uri="{BB962C8B-B14F-4D97-AF65-F5344CB8AC3E}">
-        <p14:creationId xmlns:p14="http://schemas.microsoft.com/office/powerpoint/2010/main" val="2689344733"/>
+        <p14:creationId xmlns:p14="http://schemas.microsoft.com/office/powerpoint/2010/main" val="2709778050"/>
       </p:ext>
     </p:extLst>
   </p:cSld>
@@ -2399,7 +2385,7 @@
           <p:cNvPr id="7" name="Slide Number Placeholder 5">
             <a:extLst>
               <a:ext uri="{FF2B5EF4-FFF2-40B4-BE49-F238E27FC236}">
-                <a16:creationId xmlns:a16="http://schemas.microsoft.com/office/drawing/2014/main" id="{5049B984-F964-47FF-8179-0A3007CE21CD}"/>
+                <a16:creationId xmlns:a16="http://schemas.microsoft.com/office/drawing/2014/main" id="{E65F1CA9-65DC-416B-8882-B3A5E415CE67}"/>
               </a:ext>
             </a:extLst>
           </p:cNvPr>
@@ -2526,10 +2512,10 @@
       </p:sp>
       <p:sp>
         <p:nvSpPr>
-          <p:cNvPr id="4" name="Footer Placeholder 3">
+          <p:cNvPr id="5" name="Footer Placeholder 7">
             <a:extLst>
               <a:ext uri="{FF2B5EF4-FFF2-40B4-BE49-F238E27FC236}">
-                <a16:creationId xmlns:a16="http://schemas.microsoft.com/office/drawing/2014/main" id="{8E059BE0-D868-413B-AAA1-1CC88D1F52C5}"/>
+                <a16:creationId xmlns:a16="http://schemas.microsoft.com/office/drawing/2014/main" id="{43FAF785-0C8D-730E-8E59-68198DC82CE0}"/>
               </a:ext>
             </a:extLst>
           </p:cNvPr>
@@ -2540,33 +2526,49 @@
             <p:ph type="ftr" sz="quarter" idx="4"/>
           </p:nvPr>
         </p:nvSpPr>
-        <p:spPr/>
+        <p:spPr>
+          <a:xfrm>
+            <a:off x="-1" y="8892000"/>
+            <a:ext cx="6488999" cy="252000"/>
+          </a:xfrm>
+          <a:prstGeom prst="rect">
+            <a:avLst/>
+          </a:prstGeom>
+        </p:spPr>
         <p:txBody>
-          <a:bodyPr/>
-          <a:lstStyle/>
-          <a:p>
-            <a:r>
-              <a:rPr lang="en-US"/>
-              <a:t>© SoftUni – </a:t>
-            </a:r>
-            <a:r>
-              <a:rPr lang="en-US" u="sng">
+          <a:bodyPr vert="horz" lIns="91440" tIns="45720" rIns="91440" bIns="45720" rtlCol="0" anchor="b"/>
+          <a:lstStyle>
+            <a:lvl1pPr algn="l">
+              <a:defRPr sz="1100"/>
+            </a:lvl1pPr>
+          </a:lstStyle>
+          <a:p>
+            <a:r>
+              <a:rPr lang="bg-BG" sz="1100" dirty="0"/>
+              <a:t>Работна група </a:t>
+            </a:r>
+            <a:r>
+              <a:rPr lang="bg-BG" dirty="0"/>
+              <a:t>"Образование по програмиране и ИТ"</a:t>
+            </a:r>
+            <a:r>
+              <a:rPr lang="bg-BG" sz="1100" dirty="0"/>
+              <a:t>, с подкрепата на </a:t>
+            </a:r>
+            <a:r>
+              <a:rPr lang="en-US" sz="1100" dirty="0">
                 <a:hlinkClick r:id="rId3"/>
               </a:rPr>
-              <a:t>https://softuni.org</a:t>
-            </a:r>
-            <a:r>
-              <a:rPr lang="en-US"/>
-              <a:t>. Copyrighted document. Unauthorized copy or reproduction is not permitted.</a:t>
-            </a:r>
-            <a:endParaRPr lang="en-US" dirty="0"/>
+              <a:t>SoftUni</a:t>
+            </a:r>
+            <a:endParaRPr lang="en-US" sz="1100" dirty="0"/>
           </a:p>
         </p:txBody>
       </p:sp>
     </p:spTree>
     <p:extLst>
       <p:ext uri="{BB962C8B-B14F-4D97-AF65-F5344CB8AC3E}">
-        <p14:creationId xmlns:p14="http://schemas.microsoft.com/office/powerpoint/2010/main" val="3466590374"/>
+        <p14:creationId xmlns:p14="http://schemas.microsoft.com/office/powerpoint/2010/main" val="2689344733"/>
       </p:ext>
     </p:extLst>
   </p:cSld>
@@ -2620,16 +2622,16 @@
           <a:bodyPr/>
           <a:lstStyle/>
           <a:p>
-            <a:endParaRPr lang="en-US"/>
+            <a:endParaRPr lang="en-US" dirty="0"/>
           </a:p>
         </p:txBody>
       </p:sp>
       <p:sp>
         <p:nvSpPr>
-          <p:cNvPr id="6" name="Slide Number Placeholder 5">
+          <p:cNvPr id="7" name="Slide Number Placeholder 5">
             <a:extLst>
               <a:ext uri="{FF2B5EF4-FFF2-40B4-BE49-F238E27FC236}">
-                <a16:creationId xmlns:a16="http://schemas.microsoft.com/office/drawing/2014/main" id="{6627548A-4D3C-449B-81A5-FA4BE4628490}"/>
+                <a16:creationId xmlns:a16="http://schemas.microsoft.com/office/drawing/2014/main" id="{5049B984-F964-47FF-8179-0A3007CE21CD}"/>
               </a:ext>
             </a:extLst>
           </p:cNvPr>
@@ -2749,6 +2751,236 @@
               <a:rPr lang="en-US" smtClean="0"/>
               <a:pPr/>
               <a:t>26</a:t>
+            </a:fld>
+            <a:endParaRPr lang="en-US" dirty="0"/>
+          </a:p>
+        </p:txBody>
+      </p:sp>
+      <p:sp>
+        <p:nvSpPr>
+          <p:cNvPr id="4" name="Footer Placeholder 3">
+            <a:extLst>
+              <a:ext uri="{FF2B5EF4-FFF2-40B4-BE49-F238E27FC236}">
+                <a16:creationId xmlns:a16="http://schemas.microsoft.com/office/drawing/2014/main" id="{8E059BE0-D868-413B-AAA1-1CC88D1F52C5}"/>
+              </a:ext>
+            </a:extLst>
+          </p:cNvPr>
+          <p:cNvSpPr>
+            <a:spLocks noGrp="1"/>
+          </p:cNvSpPr>
+          <p:nvPr>
+            <p:ph type="ftr" sz="quarter" idx="4"/>
+          </p:nvPr>
+        </p:nvSpPr>
+        <p:spPr/>
+        <p:txBody>
+          <a:bodyPr/>
+          <a:lstStyle/>
+          <a:p>
+            <a:r>
+              <a:rPr lang="en-US"/>
+              <a:t>© SoftUni – </a:t>
+            </a:r>
+            <a:r>
+              <a:rPr lang="en-US" u="sng">
+                <a:hlinkClick r:id="rId3"/>
+              </a:rPr>
+              <a:t>https://softuni.org</a:t>
+            </a:r>
+            <a:r>
+              <a:rPr lang="en-US"/>
+              <a:t>. Copyrighted document. Unauthorized copy or reproduction is not permitted.</a:t>
+            </a:r>
+            <a:endParaRPr lang="en-US" dirty="0"/>
+          </a:p>
+        </p:txBody>
+      </p:sp>
+    </p:spTree>
+    <p:extLst>
+      <p:ext uri="{BB962C8B-B14F-4D97-AF65-F5344CB8AC3E}">
+        <p14:creationId xmlns:p14="http://schemas.microsoft.com/office/powerpoint/2010/main" val="3466590374"/>
+      </p:ext>
+    </p:extLst>
+  </p:cSld>
+  <p:clrMapOvr>
+    <a:masterClrMapping/>
+  </p:clrMapOvr>
+</p:notes>
+</file>
+
+<file path=ppt/notesSlides/notesSlide18.xml><?xml version="1.0" encoding="utf-8"?>
+<p:notes xmlns:a="http://schemas.openxmlformats.org/drawingml/2006/main" xmlns:r="http://schemas.openxmlformats.org/officeDocument/2006/relationships" xmlns:p="http://schemas.openxmlformats.org/presentationml/2006/main">
+  <p:cSld>
+    <p:spTree>
+      <p:nvGrpSpPr>
+        <p:cNvPr id="1" name=""/>
+        <p:cNvGrpSpPr/>
+        <p:nvPr/>
+      </p:nvGrpSpPr>
+      <p:grpSpPr>
+        <a:xfrm>
+          <a:off x="0" y="0"/>
+          <a:ext cx="0" cy="0"/>
+          <a:chOff x="0" y="0"/>
+          <a:chExt cx="0" cy="0"/>
+        </a:xfrm>
+      </p:grpSpPr>
+      <p:sp>
+        <p:nvSpPr>
+          <p:cNvPr id="2" name="Slide Image Placeholder 1"/>
+          <p:cNvSpPr>
+            <a:spLocks noGrp="1" noRot="1" noChangeAspect="1"/>
+          </p:cNvSpPr>
+          <p:nvPr>
+            <p:ph type="sldImg"/>
+          </p:nvPr>
+        </p:nvSpPr>
+        <p:spPr/>
+      </p:sp>
+      <p:sp>
+        <p:nvSpPr>
+          <p:cNvPr id="3" name="Notes Placeholder 2"/>
+          <p:cNvSpPr>
+            <a:spLocks noGrp="1"/>
+          </p:cNvSpPr>
+          <p:nvPr>
+            <p:ph type="body" idx="1"/>
+          </p:nvPr>
+        </p:nvSpPr>
+        <p:spPr/>
+        <p:txBody>
+          <a:bodyPr/>
+          <a:lstStyle/>
+          <a:p>
+            <a:endParaRPr lang="en-US"/>
+          </a:p>
+        </p:txBody>
+      </p:sp>
+      <p:sp>
+        <p:nvSpPr>
+          <p:cNvPr id="6" name="Slide Number Placeholder 5">
+            <a:extLst>
+              <a:ext uri="{FF2B5EF4-FFF2-40B4-BE49-F238E27FC236}">
+                <a16:creationId xmlns:a16="http://schemas.microsoft.com/office/drawing/2014/main" id="{6627548A-4D3C-449B-81A5-FA4BE4628490}"/>
+              </a:ext>
+            </a:extLst>
+          </p:cNvPr>
+          <p:cNvSpPr txBox="1">
+            <a:spLocks/>
+          </p:cNvSpPr>
+          <p:nvPr/>
+        </p:nvSpPr>
+        <p:spPr>
+          <a:xfrm>
+            <a:off x="6488999" y="8847000"/>
+            <a:ext cx="367414" cy="297000"/>
+          </a:xfrm>
+          <a:prstGeom prst="rect">
+            <a:avLst/>
+          </a:prstGeom>
+        </p:spPr>
+        <p:txBody>
+          <a:bodyPr vert="horz" lIns="91440" tIns="45720" rIns="91440" bIns="45720" rtlCol="0" anchor="b"/>
+          <a:lstStyle>
+            <a:defPPr>
+              <a:defRPr lang="en-US"/>
+            </a:defPPr>
+            <a:lvl1pPr marL="0" algn="r" defTabSz="914400" rtl="0" eaLnBrk="1" latinLnBrk="0" hangingPunct="1">
+              <a:defRPr sz="1200" kern="1200">
+                <a:solidFill>
+                  <a:schemeClr val="tx1"/>
+                </a:solidFill>
+                <a:latin typeface="+mn-lt"/>
+                <a:ea typeface="+mn-ea"/>
+                <a:cs typeface="+mn-cs"/>
+              </a:defRPr>
+            </a:lvl1pPr>
+            <a:lvl2pPr marL="457200" algn="l" defTabSz="914400" rtl="0" eaLnBrk="1" latinLnBrk="0" hangingPunct="1">
+              <a:defRPr sz="1800" kern="1200">
+                <a:solidFill>
+                  <a:schemeClr val="tx1"/>
+                </a:solidFill>
+                <a:latin typeface="+mn-lt"/>
+                <a:ea typeface="+mn-ea"/>
+                <a:cs typeface="+mn-cs"/>
+              </a:defRPr>
+            </a:lvl2pPr>
+            <a:lvl3pPr marL="914400" algn="l" defTabSz="914400" rtl="0" eaLnBrk="1" latinLnBrk="0" hangingPunct="1">
+              <a:defRPr sz="1800" kern="1200">
+                <a:solidFill>
+                  <a:schemeClr val="tx1"/>
+                </a:solidFill>
+                <a:latin typeface="+mn-lt"/>
+                <a:ea typeface="+mn-ea"/>
+                <a:cs typeface="+mn-cs"/>
+              </a:defRPr>
+            </a:lvl3pPr>
+            <a:lvl4pPr marL="1371600" algn="l" defTabSz="914400" rtl="0" eaLnBrk="1" latinLnBrk="0" hangingPunct="1">
+              <a:defRPr sz="1800" kern="1200">
+                <a:solidFill>
+                  <a:schemeClr val="tx1"/>
+                </a:solidFill>
+                <a:latin typeface="+mn-lt"/>
+                <a:ea typeface="+mn-ea"/>
+                <a:cs typeface="+mn-cs"/>
+              </a:defRPr>
+            </a:lvl4pPr>
+            <a:lvl5pPr marL="1828800" algn="l" defTabSz="914400" rtl="0" eaLnBrk="1" latinLnBrk="0" hangingPunct="1">
+              <a:defRPr sz="1800" kern="1200">
+                <a:solidFill>
+                  <a:schemeClr val="tx1"/>
+                </a:solidFill>
+                <a:latin typeface="+mn-lt"/>
+                <a:ea typeface="+mn-ea"/>
+                <a:cs typeface="+mn-cs"/>
+              </a:defRPr>
+            </a:lvl5pPr>
+            <a:lvl6pPr marL="2286000" algn="l" defTabSz="914400" rtl="0" eaLnBrk="1" latinLnBrk="0" hangingPunct="1">
+              <a:defRPr sz="1800" kern="1200">
+                <a:solidFill>
+                  <a:schemeClr val="tx1"/>
+                </a:solidFill>
+                <a:latin typeface="+mn-lt"/>
+                <a:ea typeface="+mn-ea"/>
+                <a:cs typeface="+mn-cs"/>
+              </a:defRPr>
+            </a:lvl6pPr>
+            <a:lvl7pPr marL="2743200" algn="l" defTabSz="914400" rtl="0" eaLnBrk="1" latinLnBrk="0" hangingPunct="1">
+              <a:defRPr sz="1800" kern="1200">
+                <a:solidFill>
+                  <a:schemeClr val="tx1"/>
+                </a:solidFill>
+                <a:latin typeface="+mn-lt"/>
+                <a:ea typeface="+mn-ea"/>
+                <a:cs typeface="+mn-cs"/>
+              </a:defRPr>
+            </a:lvl7pPr>
+            <a:lvl8pPr marL="3200400" algn="l" defTabSz="914400" rtl="0" eaLnBrk="1" latinLnBrk="0" hangingPunct="1">
+              <a:defRPr sz="1800" kern="1200">
+                <a:solidFill>
+                  <a:schemeClr val="tx1"/>
+                </a:solidFill>
+                <a:latin typeface="+mn-lt"/>
+                <a:ea typeface="+mn-ea"/>
+                <a:cs typeface="+mn-cs"/>
+              </a:defRPr>
+            </a:lvl8pPr>
+            <a:lvl9pPr marL="3657600" algn="l" defTabSz="914400" rtl="0" eaLnBrk="1" latinLnBrk="0" hangingPunct="1">
+              <a:defRPr sz="1800" kern="1200">
+                <a:solidFill>
+                  <a:schemeClr val="tx1"/>
+                </a:solidFill>
+                <a:latin typeface="+mn-lt"/>
+                <a:ea typeface="+mn-ea"/>
+                <a:cs typeface="+mn-cs"/>
+              </a:defRPr>
+            </a:lvl9pPr>
+          </a:lstStyle>
+          <a:p>
+            <a:fld id="{3EBA5BD7-F043-4D1B-AA17-CD412FC534DE}" type="slidenum">
+              <a:rPr lang="en-US" smtClean="0"/>
+              <a:pPr/>
+              <a:t>27</a:t>
             </a:fld>
             <a:endParaRPr lang="en-US" dirty="0"/>
           </a:p>
@@ -4418,7 +4650,7 @@
     </p:spTree>
     <p:extLst>
       <p:ext uri="{BB962C8B-B14F-4D97-AF65-F5344CB8AC3E}">
-        <p14:creationId xmlns:p14="http://schemas.microsoft.com/office/powerpoint/2010/main" val="827816975"/>
+        <p14:creationId xmlns:p14="http://schemas.microsoft.com/office/powerpoint/2010/main" val="965603578"/>
       </p:ext>
     </p:extLst>
   </p:cSld>
@@ -4600,7 +4832,7 @@
             <a:fld id="{3EBA5BD7-F043-4D1B-AA17-CD412FC534DE}" type="slidenum">
               <a:rPr lang="en-US" smtClean="0"/>
               <a:pPr/>
-              <a:t>10</a:t>
+              <a:t>9</a:t>
             </a:fld>
             <a:endParaRPr lang="en-US" dirty="0"/>
           </a:p>
@@ -4648,7 +4880,7 @@
     </p:spTree>
     <p:extLst>
       <p:ext uri="{BB962C8B-B14F-4D97-AF65-F5344CB8AC3E}">
-        <p14:creationId xmlns:p14="http://schemas.microsoft.com/office/powerpoint/2010/main" val="979097000"/>
+        <p14:creationId xmlns:p14="http://schemas.microsoft.com/office/powerpoint/2010/main" val="827816975"/>
       </p:ext>
     </p:extLst>
   </p:cSld>
@@ -10036,6 +10268,566 @@
       </p:grpSpPr>
       <p:sp>
         <p:nvSpPr>
+          <p:cNvPr id="2" name="Slide Number Placeholder 1">
+            <a:extLst>
+              <a:ext uri="{FF2B5EF4-FFF2-40B4-BE49-F238E27FC236}">
+                <a16:creationId xmlns:a16="http://schemas.microsoft.com/office/drawing/2014/main" id="{506B2158-AD20-B89D-3B52-8E73F5398DE6}"/>
+              </a:ext>
+            </a:extLst>
+          </p:cNvPr>
+          <p:cNvSpPr>
+            <a:spLocks noGrp="1"/>
+          </p:cNvSpPr>
+          <p:nvPr>
+            <p:ph type="sldNum" sz="quarter" idx="5"/>
+          </p:nvPr>
+        </p:nvSpPr>
+        <p:spPr/>
+        <p:txBody>
+          <a:bodyPr/>
+          <a:lstStyle/>
+          <a:p>
+            <a:fld id="{2BF067CD-8E6B-4360-9AA8-C5DF2A48A6D1}" type="slidenum">
+              <a:rPr lang="en-US" noProof="0" smtClean="0"/>
+              <a:pPr/>
+              <a:t>10</a:t>
+            </a:fld>
+            <a:endParaRPr lang="en-US" noProof="0" dirty="0"/>
+          </a:p>
+        </p:txBody>
+      </p:sp>
+      <p:sp>
+        <p:nvSpPr>
+          <p:cNvPr id="3" name="Text Placeholder 2">
+            <a:extLst>
+              <a:ext uri="{FF2B5EF4-FFF2-40B4-BE49-F238E27FC236}">
+                <a16:creationId xmlns:a16="http://schemas.microsoft.com/office/drawing/2014/main" id="{EA6ED7D1-9209-79C9-75A9-DCEBE42B25B3}"/>
+              </a:ext>
+            </a:extLst>
+          </p:cNvPr>
+          <p:cNvSpPr>
+            <a:spLocks noGrp="1"/>
+          </p:cNvSpPr>
+          <p:nvPr>
+            <p:ph type="body" sz="quarter" idx="10"/>
+          </p:nvPr>
+        </p:nvSpPr>
+        <p:spPr/>
+        <p:txBody>
+          <a:bodyPr/>
+          <a:lstStyle/>
+          <a:p>
+            <a:pPr>
+              <a:buClr>
+                <a:schemeClr val="tx1"/>
+              </a:buClr>
+            </a:pPr>
+            <a:r>
+              <a:rPr lang="bg-BG" sz="3400" b="1" dirty="0">
+                <a:solidFill>
+                  <a:schemeClr val="bg1"/>
+                </a:solidFill>
+              </a:rPr>
+              <a:t>Разработване</a:t>
+            </a:r>
+            <a:r>
+              <a:rPr lang="en-US" sz="3400" b="1" dirty="0"/>
+              <a:t> (Execution/Development)</a:t>
+            </a:r>
+          </a:p>
+          <a:p>
+            <a:pPr lvl="1"/>
+            <a:r>
+              <a:rPr lang="bg-BG" sz="3200" dirty="0"/>
+              <a:t>Изпълнява се </a:t>
+            </a:r>
+            <a:r>
+              <a:rPr lang="bg-BG" sz="3200" b="1" dirty="0">
+                <a:solidFill>
+                  <a:schemeClr val="bg1"/>
+                </a:solidFill>
+              </a:rPr>
+              <a:t>разработката</a:t>
+            </a:r>
+            <a:r>
+              <a:rPr lang="bg-BG" sz="3200" dirty="0"/>
+              <a:t>, </a:t>
+            </a:r>
+            <a:r>
+              <a:rPr lang="bg-BG" sz="3200" b="1" dirty="0">
+                <a:solidFill>
+                  <a:schemeClr val="bg1"/>
+                </a:solidFill>
+              </a:rPr>
+              <a:t>тестването</a:t>
+            </a:r>
+            <a:r>
+              <a:rPr lang="bg-BG" sz="3200" dirty="0"/>
+              <a:t> и </a:t>
+            </a:r>
+            <a:r>
+              <a:rPr lang="bg-BG" sz="3200" b="1" dirty="0">
+                <a:solidFill>
+                  <a:schemeClr val="bg1"/>
+                </a:solidFill>
+              </a:rPr>
+              <a:t>интеграцията</a:t>
+            </a:r>
+          </a:p>
+          <a:p>
+            <a:pPr lvl="1"/>
+            <a:r>
+              <a:rPr lang="bg-BG" sz="3200" b="1" dirty="0"/>
+              <a:t>Пример</a:t>
+            </a:r>
+            <a:r>
+              <a:rPr lang="en-US" sz="3200" b="1" dirty="0"/>
+              <a:t>: </a:t>
+            </a:r>
+            <a:r>
+              <a:rPr lang="bg-BG" sz="3200" dirty="0"/>
+              <a:t>Екипът от разработчици програмира системата, следвайки техническите спецификации</a:t>
+            </a:r>
+          </a:p>
+          <a:p>
+            <a:pPr>
+              <a:buClr>
+                <a:schemeClr val="tx1"/>
+              </a:buClr>
+            </a:pPr>
+            <a:r>
+              <a:rPr lang="bg-BG" sz="3400" b="1" dirty="0">
+                <a:solidFill>
+                  <a:schemeClr val="bg1"/>
+                </a:solidFill>
+              </a:rPr>
+              <a:t>Приключване</a:t>
+            </a:r>
+            <a:r>
+              <a:rPr lang="bg-BG" sz="3400" b="1" dirty="0"/>
+              <a:t> </a:t>
+            </a:r>
+            <a:r>
+              <a:rPr lang="en-US" sz="3400" b="1" dirty="0"/>
+              <a:t>(Closure)</a:t>
+            </a:r>
+          </a:p>
+          <a:p>
+            <a:pPr lvl="1"/>
+            <a:r>
+              <a:rPr lang="bg-BG" sz="3200" b="1" dirty="0">
+                <a:solidFill>
+                  <a:schemeClr val="bg1"/>
+                </a:solidFill>
+              </a:rPr>
+              <a:t>Финализиране</a:t>
+            </a:r>
+            <a:r>
+              <a:rPr lang="bg-BG" sz="3200" dirty="0"/>
+              <a:t> и </a:t>
+            </a:r>
+            <a:r>
+              <a:rPr lang="bg-BG" sz="3200" b="1" dirty="0">
+                <a:solidFill>
+                  <a:schemeClr val="bg1"/>
+                </a:solidFill>
+              </a:rPr>
+              <a:t>предаване</a:t>
+            </a:r>
+            <a:r>
+              <a:rPr lang="bg-BG" sz="3200" dirty="0"/>
+              <a:t> на </a:t>
+            </a:r>
+            <a:r>
+              <a:rPr lang="bg-BG" sz="3200" b="1" dirty="0"/>
+              <a:t>продукта</a:t>
+            </a:r>
+            <a:r>
+              <a:rPr lang="bg-BG" sz="3200" dirty="0"/>
+              <a:t> на </a:t>
+            </a:r>
+            <a:r>
+              <a:rPr lang="bg-BG" sz="3200" b="1" dirty="0"/>
+              <a:t>клиента</a:t>
+            </a:r>
+          </a:p>
+          <a:p>
+            <a:pPr lvl="1"/>
+            <a:r>
+              <a:rPr lang="bg-BG" sz="3200" b="1" dirty="0"/>
+              <a:t>Пример:</a:t>
+            </a:r>
+            <a:r>
+              <a:rPr lang="en-US" sz="3200" b="1" dirty="0"/>
+              <a:t> </a:t>
+            </a:r>
+            <a:r>
+              <a:rPr lang="bg-BG" sz="3200" dirty="0"/>
+              <a:t>Софтуерът е завършен, клиентът го одобрява и преминава към поддръжка</a:t>
+            </a:r>
+            <a:endParaRPr lang="bg-BG" sz="3000" dirty="0"/>
+          </a:p>
+          <a:p>
+            <a:endParaRPr lang="en-BG" dirty="0"/>
+          </a:p>
+        </p:txBody>
+      </p:sp>
+      <p:sp>
+        <p:nvSpPr>
+          <p:cNvPr id="4" name="Title 3">
+            <a:extLst>
+              <a:ext uri="{FF2B5EF4-FFF2-40B4-BE49-F238E27FC236}">
+                <a16:creationId xmlns:a16="http://schemas.microsoft.com/office/drawing/2014/main" id="{36C3D8D5-C5AD-152C-A473-FF36BDC2F938}"/>
+              </a:ext>
+            </a:extLst>
+          </p:cNvPr>
+          <p:cNvSpPr>
+            <a:spLocks noGrp="1"/>
+          </p:cNvSpPr>
+          <p:nvPr>
+            <p:ph type="title"/>
+          </p:nvPr>
+        </p:nvSpPr>
+        <p:spPr/>
+        <p:txBody>
+          <a:bodyPr/>
+          <a:lstStyle/>
+          <a:p>
+            <a:r>
+              <a:rPr lang="bg-BG" dirty="0"/>
+              <a:t>Етапи на </a:t>
+            </a:r>
+            <a:r>
+              <a:rPr lang="en-US" dirty="0"/>
+              <a:t>Waterfall </a:t>
+            </a:r>
+            <a:r>
+              <a:rPr lang="bg-BG" dirty="0"/>
+              <a:t>модела </a:t>
+            </a:r>
+            <a:r>
+              <a:rPr lang="en-US" dirty="0"/>
+              <a:t>(2)</a:t>
+            </a:r>
+            <a:endParaRPr lang="en-BG" dirty="0"/>
+          </a:p>
+        </p:txBody>
+      </p:sp>
+    </p:spTree>
+    <p:extLst>
+      <p:ext uri="{BB962C8B-B14F-4D97-AF65-F5344CB8AC3E}">
+        <p14:creationId xmlns:p14="http://schemas.microsoft.com/office/powerpoint/2010/main" val="2262443910"/>
+      </p:ext>
+    </p:extLst>
+  </p:cSld>
+  <p:clrMapOvr>
+    <a:masterClrMapping/>
+  </p:clrMapOvr>
+  <mc:AlternateContent xmlns:mc="http://schemas.openxmlformats.org/markup-compatibility/2006" xmlns:p14="http://schemas.microsoft.com/office/powerpoint/2010/main">
+    <mc:Choice Requires="p14">
+      <p:transition spd="slow" p14:dur="2000" advClick="0" advTm="5000"/>
+    </mc:Choice>
+    <mc:Fallback xmlns="">
+      <p:transition spd="slow" advClick="0" advTm="5000"/>
+    </mc:Fallback>
+  </mc:AlternateContent>
+  <p:timing>
+    <p:tnLst>
+      <p:par>
+        <p:cTn id="1" dur="indefinite" restart="never" nodeType="tmRoot">
+          <p:childTnLst>
+            <p:seq concurrent="1" nextAc="seek">
+              <p:cTn id="2" dur="indefinite" nodeType="mainSeq">
+                <p:childTnLst>
+                  <p:par>
+                    <p:cTn id="3" fill="hold">
+                      <p:stCondLst>
+                        <p:cond delay="indefinite"/>
+                      </p:stCondLst>
+                      <p:childTnLst>
+                        <p:par>
+                          <p:cTn id="4" fill="hold">
+                            <p:stCondLst>
+                              <p:cond delay="0"/>
+                            </p:stCondLst>
+                            <p:childTnLst>
+                              <p:par>
+                                <p:cTn id="5" presetID="1" presetClass="entr" presetSubtype="0" fill="hold" nodeType="clickEffect">
+                                  <p:stCondLst>
+                                    <p:cond delay="0"/>
+                                  </p:stCondLst>
+                                  <p:childTnLst>
+                                    <p:set>
+                                      <p:cBhvr>
+                                        <p:cTn id="6" dur="1" fill="hold">
+                                          <p:stCondLst>
+                                            <p:cond delay="0"/>
+                                          </p:stCondLst>
+                                        </p:cTn>
+                                        <p:tgtEl>
+                                          <p:spTgt spid="3">
+                                            <p:txEl>
+                                              <p:pRg st="1" end="1"/>
+                                            </p:txEl>
+                                          </p:spTgt>
+                                        </p:tgtEl>
+                                        <p:attrNameLst>
+                                          <p:attrName>style.visibility</p:attrName>
+                                        </p:attrNameLst>
+                                      </p:cBhvr>
+                                      <p:to>
+                                        <p:strVal val="visible"/>
+                                      </p:to>
+                                    </p:set>
+                                  </p:childTnLst>
+                                </p:cTn>
+                              </p:par>
+                            </p:childTnLst>
+                          </p:cTn>
+                        </p:par>
+                      </p:childTnLst>
+                    </p:cTn>
+                  </p:par>
+                  <p:par>
+                    <p:cTn id="7" fill="hold">
+                      <p:stCondLst>
+                        <p:cond delay="indefinite"/>
+                      </p:stCondLst>
+                      <p:childTnLst>
+                        <p:par>
+                          <p:cTn id="8" fill="hold">
+                            <p:stCondLst>
+                              <p:cond delay="0"/>
+                            </p:stCondLst>
+                            <p:childTnLst>
+                              <p:par>
+                                <p:cTn id="9" presetID="1" presetClass="entr" presetSubtype="0" fill="hold" nodeType="clickEffect">
+                                  <p:stCondLst>
+                                    <p:cond delay="0"/>
+                                  </p:stCondLst>
+                                  <p:childTnLst>
+                                    <p:set>
+                                      <p:cBhvr>
+                                        <p:cTn id="10" dur="1" fill="hold">
+                                          <p:stCondLst>
+                                            <p:cond delay="0"/>
+                                          </p:stCondLst>
+                                        </p:cTn>
+                                        <p:tgtEl>
+                                          <p:spTgt spid="3">
+                                            <p:txEl>
+                                              <p:pRg st="2" end="2"/>
+                                            </p:txEl>
+                                          </p:spTgt>
+                                        </p:tgtEl>
+                                        <p:attrNameLst>
+                                          <p:attrName>style.visibility</p:attrName>
+                                        </p:attrNameLst>
+                                      </p:cBhvr>
+                                      <p:to>
+                                        <p:strVal val="visible"/>
+                                      </p:to>
+                                    </p:set>
+                                  </p:childTnLst>
+                                </p:cTn>
+                              </p:par>
+                            </p:childTnLst>
+                          </p:cTn>
+                        </p:par>
+                      </p:childTnLst>
+                    </p:cTn>
+                  </p:par>
+                  <p:par>
+                    <p:cTn id="11" fill="hold">
+                      <p:stCondLst>
+                        <p:cond delay="indefinite"/>
+                      </p:stCondLst>
+                      <p:childTnLst>
+                        <p:par>
+                          <p:cTn id="12" fill="hold">
+                            <p:stCondLst>
+                              <p:cond delay="0"/>
+                            </p:stCondLst>
+                            <p:childTnLst>
+                              <p:par>
+                                <p:cTn id="13" presetID="1" presetClass="entr" presetSubtype="0" fill="hold" nodeType="clickEffect">
+                                  <p:stCondLst>
+                                    <p:cond delay="0"/>
+                                  </p:stCondLst>
+                                  <p:childTnLst>
+                                    <p:set>
+                                      <p:cBhvr>
+                                        <p:cTn id="14" dur="1" fill="hold">
+                                          <p:stCondLst>
+                                            <p:cond delay="0"/>
+                                          </p:stCondLst>
+                                        </p:cTn>
+                                        <p:tgtEl>
+                                          <p:spTgt spid="3">
+                                            <p:txEl>
+                                              <p:pRg st="3" end="3"/>
+                                            </p:txEl>
+                                          </p:spTgt>
+                                        </p:tgtEl>
+                                        <p:attrNameLst>
+                                          <p:attrName>style.visibility</p:attrName>
+                                        </p:attrNameLst>
+                                      </p:cBhvr>
+                                      <p:to>
+                                        <p:strVal val="visible"/>
+                                      </p:to>
+                                    </p:set>
+                                  </p:childTnLst>
+                                </p:cTn>
+                              </p:par>
+                            </p:childTnLst>
+                          </p:cTn>
+                        </p:par>
+                      </p:childTnLst>
+                    </p:cTn>
+                  </p:par>
+                  <p:par>
+                    <p:cTn id="15" fill="hold">
+                      <p:stCondLst>
+                        <p:cond delay="indefinite"/>
+                      </p:stCondLst>
+                      <p:childTnLst>
+                        <p:par>
+                          <p:cTn id="16" fill="hold">
+                            <p:stCondLst>
+                              <p:cond delay="0"/>
+                            </p:stCondLst>
+                            <p:childTnLst>
+                              <p:par>
+                                <p:cTn id="17" presetID="1" presetClass="entr" presetSubtype="0" fill="hold" nodeType="clickEffect">
+                                  <p:stCondLst>
+                                    <p:cond delay="0"/>
+                                  </p:stCondLst>
+                                  <p:childTnLst>
+                                    <p:set>
+                                      <p:cBhvr>
+                                        <p:cTn id="18" dur="1" fill="hold">
+                                          <p:stCondLst>
+                                            <p:cond delay="0"/>
+                                          </p:stCondLst>
+                                        </p:cTn>
+                                        <p:tgtEl>
+                                          <p:spTgt spid="3">
+                                            <p:txEl>
+                                              <p:pRg st="4" end="4"/>
+                                            </p:txEl>
+                                          </p:spTgt>
+                                        </p:tgtEl>
+                                        <p:attrNameLst>
+                                          <p:attrName>style.visibility</p:attrName>
+                                        </p:attrNameLst>
+                                      </p:cBhvr>
+                                      <p:to>
+                                        <p:strVal val="visible"/>
+                                      </p:to>
+                                    </p:set>
+                                  </p:childTnLst>
+                                </p:cTn>
+                              </p:par>
+                            </p:childTnLst>
+                          </p:cTn>
+                        </p:par>
+                      </p:childTnLst>
+                    </p:cTn>
+                  </p:par>
+                  <p:par>
+                    <p:cTn id="19" fill="hold">
+                      <p:stCondLst>
+                        <p:cond delay="indefinite"/>
+                      </p:stCondLst>
+                      <p:childTnLst>
+                        <p:par>
+                          <p:cTn id="20" fill="hold">
+                            <p:stCondLst>
+                              <p:cond delay="0"/>
+                            </p:stCondLst>
+                            <p:childTnLst>
+                              <p:par>
+                                <p:cTn id="21" presetID="1" presetClass="entr" presetSubtype="0" fill="hold" nodeType="clickEffect">
+                                  <p:stCondLst>
+                                    <p:cond delay="0"/>
+                                  </p:stCondLst>
+                                  <p:childTnLst>
+                                    <p:set>
+                                      <p:cBhvr>
+                                        <p:cTn id="22" dur="1" fill="hold">
+                                          <p:stCondLst>
+                                            <p:cond delay="0"/>
+                                          </p:stCondLst>
+                                        </p:cTn>
+                                        <p:tgtEl>
+                                          <p:spTgt spid="3">
+                                            <p:txEl>
+                                              <p:pRg st="5" end="5"/>
+                                            </p:txEl>
+                                          </p:spTgt>
+                                        </p:tgtEl>
+                                        <p:attrNameLst>
+                                          <p:attrName>style.visibility</p:attrName>
+                                        </p:attrNameLst>
+                                      </p:cBhvr>
+                                      <p:to>
+                                        <p:strVal val="visible"/>
+                                      </p:to>
+                                    </p:set>
+                                  </p:childTnLst>
+                                </p:cTn>
+                              </p:par>
+                            </p:childTnLst>
+                          </p:cTn>
+                        </p:par>
+                      </p:childTnLst>
+                    </p:cTn>
+                  </p:par>
+                </p:childTnLst>
+              </p:cTn>
+              <p:prevCondLst>
+                <p:cond evt="onPrev" delay="0">
+                  <p:tgtEl>
+                    <p:sldTgt/>
+                  </p:tgtEl>
+                </p:cond>
+              </p:prevCondLst>
+              <p:nextCondLst>
+                <p:cond evt="onNext" delay="0">
+                  <p:tgtEl>
+                    <p:sldTgt/>
+                  </p:tgtEl>
+                </p:cond>
+              </p:nextCondLst>
+            </p:seq>
+          </p:childTnLst>
+        </p:cTn>
+      </p:par>
+    </p:tnLst>
+  </p:timing>
+</p:sld>
+</file>
+
+<file path=ppt/slides/slide11.xml><?xml version="1.0" encoding="utf-8"?>
+<p:sld xmlns:a="http://schemas.openxmlformats.org/drawingml/2006/main" xmlns:r="http://schemas.openxmlformats.org/officeDocument/2006/relationships" xmlns:p="http://schemas.openxmlformats.org/presentationml/2006/main">
+  <p:cSld>
+    <p:spTree>
+      <p:nvGrpSpPr>
+        <p:cNvPr id="1" name=""/>
+        <p:cNvGrpSpPr/>
+        <p:nvPr/>
+      </p:nvGrpSpPr>
+      <p:grpSpPr>
+        <a:xfrm>
+          <a:off x="0" y="0"/>
+          <a:ext cx="0" cy="0"/>
+          <a:chOff x="0" y="0"/>
+          <a:chExt cx="0" cy="0"/>
+        </a:xfrm>
+      </p:grpSpPr>
+      <p:sp>
+        <p:nvSpPr>
           <p:cNvPr id="9" name="Slide Number">
             <a:extLst>
               <a:ext uri="{FF2B5EF4-FFF2-40B4-BE49-F238E27FC236}">
@@ -10067,7 +10859,7 @@
             <a:fld id="{2BF067CD-8E6B-4360-9AA8-C5DF2A48A6D1}" type="slidenum">
               <a:rPr lang="en-US" smtClean="0"/>
               <a:pPr/>
-              <a:t>10</a:t>
+              <a:t>11</a:t>
             </a:fld>
             <a:endParaRPr lang="en-US" dirty="0"/>
           </a:p>
@@ -10572,7 +11364,7 @@
 </p:sld>
 </file>
 
-<file path=ppt/slides/slide11.xml><?xml version="1.0" encoding="utf-8"?>
+<file path=ppt/slides/slide12.xml><?xml version="1.0" encoding="utf-8"?>
 <p:sld xmlns:a="http://schemas.openxmlformats.org/drawingml/2006/main" xmlns:r="http://schemas.openxmlformats.org/officeDocument/2006/relationships" xmlns:p="http://schemas.openxmlformats.org/presentationml/2006/main">
   <p:cSld>
     <p:spTree>
@@ -10622,7 +11414,7 @@
             <a:fld id="{2BF067CD-8E6B-4360-9AA8-C5DF2A48A6D1}" type="slidenum">
               <a:rPr lang="en-US" smtClean="0"/>
               <a:pPr/>
-              <a:t>11</a:t>
+              <a:t>12</a:t>
             </a:fld>
             <a:endParaRPr lang="en-US" dirty="0"/>
           </a:p>
@@ -11030,7 +11822,7 @@
 </p:sld>
 </file>
 
-<file path=ppt/slides/slide12.xml><?xml version="1.0" encoding="utf-8"?>
+<file path=ppt/slides/slide13.xml><?xml version="1.0" encoding="utf-8"?>
 <p:sld xmlns:a="http://schemas.openxmlformats.org/drawingml/2006/main" xmlns:r="http://schemas.openxmlformats.org/officeDocument/2006/relationships" xmlns:p="http://schemas.openxmlformats.org/presentationml/2006/main">
   <p:cSld>
     <p:spTree>
@@ -11075,7 +11867,7 @@
             <a:fld id="{2BF067CD-8E6B-4360-9AA8-C5DF2A48A6D1}" type="slidenum">
               <a:rPr lang="en-US" smtClean="0"/>
               <a:pPr/>
-              <a:t>12</a:t>
+              <a:t>13</a:t>
             </a:fld>
             <a:endParaRPr lang="en-US" dirty="0"/>
           </a:p>
@@ -11705,7 +12497,7 @@
 </p:sld>
 </file>
 
-<file path=ppt/slides/slide13.xml><?xml version="1.0" encoding="utf-8"?>
+<file path=ppt/slides/slide14.xml><?xml version="1.0" encoding="utf-8"?>
 <p:sld xmlns:a="http://schemas.openxmlformats.org/drawingml/2006/main" xmlns:r="http://schemas.openxmlformats.org/officeDocument/2006/relationships" xmlns:p="http://schemas.openxmlformats.org/presentationml/2006/main">
   <p:cSld>
     <p:spTree>
@@ -11855,7 +12647,7 @@
 </p:sld>
 </file>
 
-<file path=ppt/slides/slide14.xml><?xml version="1.0" encoding="utf-8"?>
+<file path=ppt/slides/slide15.xml><?xml version="1.0" encoding="utf-8"?>
 <p:sld xmlns:a="http://schemas.openxmlformats.org/drawingml/2006/main" xmlns:r="http://schemas.openxmlformats.org/officeDocument/2006/relationships" xmlns:p="http://schemas.openxmlformats.org/presentationml/2006/main">
   <p:cSld>
     <p:spTree>
@@ -11905,7 +12697,7 @@
             <a:fld id="{2BF067CD-8E6B-4360-9AA8-C5DF2A48A6D1}" type="slidenum">
               <a:rPr lang="en-US" smtClean="0"/>
               <a:pPr/>
-              <a:t>14</a:t>
+              <a:t>15</a:t>
             </a:fld>
             <a:endParaRPr lang="en-US" dirty="0"/>
           </a:p>
@@ -12503,7 +13295,7 @@
 </p:sld>
 </file>
 
-<file path=ppt/slides/slide15.xml><?xml version="1.0" encoding="utf-8"?>
+<file path=ppt/slides/slide16.xml><?xml version="1.0" encoding="utf-8"?>
 <p:sld xmlns:a="http://schemas.openxmlformats.org/drawingml/2006/main" xmlns:r="http://schemas.openxmlformats.org/officeDocument/2006/relationships" xmlns:p="http://schemas.openxmlformats.org/presentationml/2006/main">
   <p:cSld>
     <p:spTree>
@@ -12553,7 +13345,7 @@
             <a:fld id="{2BF067CD-8E6B-4360-9AA8-C5DF2A48A6D1}" type="slidenum">
               <a:rPr lang="en-US" smtClean="0"/>
               <a:pPr/>
-              <a:t>15</a:t>
+              <a:t>16</a:t>
             </a:fld>
             <a:endParaRPr lang="en-US" dirty="0"/>
           </a:p>
@@ -12815,7 +13607,7 @@
 </p:sld>
 </file>
 
-<file path=ppt/slides/slide16.xml><?xml version="1.0" encoding="utf-8"?>
+<file path=ppt/slides/slide17.xml><?xml version="1.0" encoding="utf-8"?>
 <p:sld xmlns:a="http://schemas.openxmlformats.org/drawingml/2006/main" xmlns:r="http://schemas.openxmlformats.org/officeDocument/2006/relationships" xmlns:p="http://schemas.openxmlformats.org/presentationml/2006/main">
   <p:cSld>
     <p:spTree>
@@ -12856,7 +13648,7 @@
             <a:fld id="{2BF067CD-8E6B-4360-9AA8-C5DF2A48A6D1}" type="slidenum">
               <a:rPr lang="en-US" noProof="0" smtClean="0"/>
               <a:pPr/>
-              <a:t>16</a:t>
+              <a:t>17</a:t>
             </a:fld>
             <a:endParaRPr lang="en-US" noProof="0" dirty="0"/>
           </a:p>
@@ -13384,7 +14176,7 @@
 </p:sld>
 </file>
 
-<file path=ppt/slides/slide17.xml><?xml version="1.0" encoding="utf-8"?>
+<file path=ppt/slides/slide18.xml><?xml version="1.0" encoding="utf-8"?>
 <p:sld xmlns:a="http://schemas.openxmlformats.org/drawingml/2006/main" xmlns:r="http://schemas.openxmlformats.org/officeDocument/2006/relationships" xmlns:p="http://schemas.openxmlformats.org/presentationml/2006/main">
   <p:cSld>
     <p:spTree>
@@ -13425,7 +14217,7 @@
             <a:fld id="{2BF067CD-8E6B-4360-9AA8-C5DF2A48A6D1}" type="slidenum">
               <a:rPr lang="en-US" noProof="0" smtClean="0"/>
               <a:pPr/>
-              <a:t>17</a:t>
+              <a:t>18</a:t>
             </a:fld>
             <a:endParaRPr lang="en-US" noProof="0" dirty="0"/>
           </a:p>
@@ -13935,7 +14727,7 @@
 </p:sld>
 </file>
 
-<file path=ppt/slides/slide18.xml><?xml version="1.0" encoding="utf-8"?>
+<file path=ppt/slides/slide19.xml><?xml version="1.0" encoding="utf-8"?>
 <p:sld xmlns:a="http://schemas.openxmlformats.org/drawingml/2006/main" xmlns:r="http://schemas.openxmlformats.org/officeDocument/2006/relationships" xmlns:p="http://schemas.openxmlformats.org/presentationml/2006/main">
   <p:cSld>
     <p:spTree>
@@ -13976,7 +14768,7 @@
             <a:fld id="{2BF067CD-8E6B-4360-9AA8-C5DF2A48A6D1}" type="slidenum">
               <a:rPr lang="en-US" noProof="0" smtClean="0"/>
               <a:pPr/>
-              <a:t>18</a:t>
+              <a:t>19</a:t>
             </a:fld>
             <a:endParaRPr lang="en-US" noProof="0" dirty="0"/>
           </a:p>
@@ -14339,569 +15131,6 @@
     </p:tnLst>
     <p:bldLst>
       <p:bldP spid="11" grpId="0" animBg="1"/>
-    </p:bldLst>
-  </p:timing>
-</p:sld>
-</file>
-
-<file path=ppt/slides/slide19.xml><?xml version="1.0" encoding="utf-8"?>
-<p:sld xmlns:a="http://schemas.openxmlformats.org/drawingml/2006/main" xmlns:r="http://schemas.openxmlformats.org/officeDocument/2006/relationships" xmlns:p="http://schemas.openxmlformats.org/presentationml/2006/main">
-  <p:cSld>
-    <p:spTree>
-      <p:nvGrpSpPr>
-        <p:cNvPr id="1" name=""/>
-        <p:cNvGrpSpPr/>
-        <p:nvPr/>
-      </p:nvGrpSpPr>
-      <p:grpSpPr>
-        <a:xfrm>
-          <a:off x="0" y="0"/>
-          <a:ext cx="0" cy="0"/>
-          <a:chOff x="0" y="0"/>
-          <a:chExt cx="0" cy="0"/>
-        </a:xfrm>
-      </p:grpSpPr>
-      <p:sp>
-        <p:nvSpPr>
-          <p:cNvPr id="2" name="Slide Number Placeholder 1">
-            <a:extLst>
-              <a:ext uri="{FF2B5EF4-FFF2-40B4-BE49-F238E27FC236}">
-                <a16:creationId xmlns:a16="http://schemas.microsoft.com/office/drawing/2014/main" id="{12F80D23-A424-3BBA-DC17-DF06A64F1ECE}"/>
-              </a:ext>
-            </a:extLst>
-          </p:cNvPr>
-          <p:cNvSpPr>
-            <a:spLocks noGrp="1"/>
-          </p:cNvSpPr>
-          <p:nvPr>
-            <p:ph type="sldNum" sz="quarter" idx="5"/>
-          </p:nvPr>
-        </p:nvSpPr>
-        <p:spPr/>
-        <p:txBody>
-          <a:bodyPr/>
-          <a:lstStyle/>
-          <a:p>
-            <a:fld id="{2BF067CD-8E6B-4360-9AA8-C5DF2A48A6D1}" type="slidenum">
-              <a:rPr lang="en-US" noProof="0" smtClean="0"/>
-              <a:pPr/>
-              <a:t>19</a:t>
-            </a:fld>
-            <a:endParaRPr lang="en-US" noProof="0" dirty="0"/>
-          </a:p>
-        </p:txBody>
-      </p:sp>
-      <p:sp>
-        <p:nvSpPr>
-          <p:cNvPr id="3" name="Text Placeholder 2">
-            <a:extLst>
-              <a:ext uri="{FF2B5EF4-FFF2-40B4-BE49-F238E27FC236}">
-                <a16:creationId xmlns:a16="http://schemas.microsoft.com/office/drawing/2014/main" id="{DD9BC1F1-D07A-E3A1-3917-A652E5A3C806}"/>
-              </a:ext>
-            </a:extLst>
-          </p:cNvPr>
-          <p:cNvSpPr>
-            <a:spLocks noGrp="1"/>
-          </p:cNvSpPr>
-          <p:nvPr>
-            <p:ph type="body" sz="quarter" idx="10"/>
-          </p:nvPr>
-        </p:nvSpPr>
-        <p:spPr/>
-        <p:txBody>
-          <a:bodyPr>
-            <a:normAutofit/>
-          </a:bodyPr>
-          <a:lstStyle/>
-          <a:p>
-            <a:r>
-              <a:rPr lang="bg-BG" sz="3200" dirty="0"/>
-              <a:t>Добавяме още една </a:t>
-            </a:r>
-            <a:r>
-              <a:rPr lang="bg-BG" sz="3200" b="1" dirty="0">
-                <a:solidFill>
-                  <a:schemeClr val="bg1"/>
-                </a:solidFill>
-              </a:rPr>
-              <a:t>секция</a:t>
-            </a:r>
-            <a:r>
-              <a:rPr lang="bg-BG" sz="3200" dirty="0"/>
-              <a:t> за </a:t>
-            </a:r>
-            <a:r>
-              <a:rPr lang="bg-BG" sz="3200" b="1" dirty="0"/>
-              <a:t>етапа</a:t>
-            </a:r>
-            <a:r>
-              <a:rPr lang="bg-BG" sz="3200" dirty="0"/>
-              <a:t> на </a:t>
-            </a:r>
-            <a:r>
-              <a:rPr lang="bg-BG" sz="3200" b="1" dirty="0"/>
-              <a:t>приключване</a:t>
-            </a:r>
-          </a:p>
-          <a:p>
-            <a:r>
-              <a:rPr lang="bg-BG" sz="3200" dirty="0"/>
-              <a:t>Кликаме върху </a:t>
-            </a:r>
-            <a:r>
-              <a:rPr lang="en-US" sz="3200" b="1" dirty="0"/>
-              <a:t>[</a:t>
-            </a:r>
-            <a:r>
-              <a:rPr lang="en-US" sz="3200" b="1" dirty="0">
-                <a:solidFill>
-                  <a:schemeClr val="bg1"/>
-                </a:solidFill>
-              </a:rPr>
-              <a:t>Add section</a:t>
-            </a:r>
-            <a:r>
-              <a:rPr lang="en-US" sz="3200" b="1" dirty="0"/>
-              <a:t>]</a:t>
-            </a:r>
-            <a:r>
-              <a:rPr lang="bg-BG" sz="3200" b="1" dirty="0"/>
-              <a:t> </a:t>
-            </a:r>
-            <a:r>
-              <a:rPr lang="bg-BG" sz="3200" dirty="0"/>
-              <a:t>и задаваме </a:t>
-            </a:r>
-            <a:r>
-              <a:rPr lang="bg-BG" sz="3200" b="1" dirty="0"/>
-              <a:t>име</a:t>
-            </a:r>
-            <a:r>
-              <a:rPr lang="bg-BG" sz="3200" dirty="0"/>
-              <a:t> </a:t>
-            </a:r>
-            <a:r>
-              <a:rPr lang="en-US" sz="3200" dirty="0"/>
-              <a:t>"</a:t>
-            </a:r>
-            <a:r>
-              <a:rPr lang="bg-BG" sz="3200" b="1" dirty="0">
-                <a:solidFill>
-                  <a:schemeClr val="bg1"/>
-                </a:solidFill>
-              </a:rPr>
-              <a:t>Приключване</a:t>
-            </a:r>
-            <a:r>
-              <a:rPr lang="en-US" sz="3200" b="1" dirty="0"/>
-              <a:t>"</a:t>
-            </a:r>
-            <a:endParaRPr lang="bg-BG" sz="3200" b="1" dirty="0"/>
-          </a:p>
-        </p:txBody>
-      </p:sp>
-      <p:sp>
-        <p:nvSpPr>
-          <p:cNvPr id="4" name="Title 3">
-            <a:extLst>
-              <a:ext uri="{FF2B5EF4-FFF2-40B4-BE49-F238E27FC236}">
-                <a16:creationId xmlns:a16="http://schemas.microsoft.com/office/drawing/2014/main" id="{1119440C-1B02-0263-30BE-1DB3DDE9E53C}"/>
-              </a:ext>
-            </a:extLst>
-          </p:cNvPr>
-          <p:cNvSpPr>
-            <a:spLocks noGrp="1"/>
-          </p:cNvSpPr>
-          <p:nvPr>
-            <p:ph type="title"/>
-          </p:nvPr>
-        </p:nvSpPr>
-        <p:spPr/>
-        <p:txBody>
-          <a:bodyPr/>
-          <a:lstStyle/>
-          <a:p>
-            <a:r>
-              <a:rPr lang="bg-BG" dirty="0"/>
-              <a:t>Добавяне на секция</a:t>
-            </a:r>
-            <a:endParaRPr lang="en-BG" dirty="0"/>
-          </a:p>
-        </p:txBody>
-      </p:sp>
-      <p:pic>
-        <p:nvPicPr>
-          <p:cNvPr id="6" name="Picture 5">
-            <a:extLst>
-              <a:ext uri="{FF2B5EF4-FFF2-40B4-BE49-F238E27FC236}">
-                <a16:creationId xmlns:a16="http://schemas.microsoft.com/office/drawing/2014/main" id="{4137C44E-1BA1-1475-6DD4-56534B274AF6}"/>
-              </a:ext>
-            </a:extLst>
-          </p:cNvPr>
-          <p:cNvPicPr>
-            <a:picLocks noChangeAspect="1"/>
-          </p:cNvPicPr>
-          <p:nvPr/>
-        </p:nvPicPr>
-        <p:blipFill>
-          <a:blip r:embed="rId2">
-            <a:extLst>
-              <a:ext uri="{28A0092B-C50C-407E-A947-70E740481C1C}">
-                <a14:useLocalDpi xmlns:a14="http://schemas.microsoft.com/office/drawing/2010/main" val="0"/>
-              </a:ext>
-            </a:extLst>
-          </a:blip>
-          <a:stretch>
-            <a:fillRect/>
-          </a:stretch>
-        </p:blipFill>
-        <p:spPr>
-          <a:xfrm>
-            <a:off x="291000" y="2511355"/>
-            <a:ext cx="4372030" cy="4020044"/>
-          </a:xfrm>
-          <a:prstGeom prst="rect">
-            <a:avLst/>
-          </a:prstGeom>
-          <a:ln>
-            <a:solidFill>
-              <a:schemeClr val="bg2">
-                <a:lumMod val="75000"/>
-              </a:schemeClr>
-            </a:solidFill>
-          </a:ln>
-        </p:spPr>
-      </p:pic>
-      <p:pic>
-        <p:nvPicPr>
-          <p:cNvPr id="8" name="Picture 7">
-            <a:extLst>
-              <a:ext uri="{FF2B5EF4-FFF2-40B4-BE49-F238E27FC236}">
-                <a16:creationId xmlns:a16="http://schemas.microsoft.com/office/drawing/2014/main" id="{37CF353F-F132-39C2-FCEE-AAB114CC4188}"/>
-              </a:ext>
-            </a:extLst>
-          </p:cNvPr>
-          <p:cNvPicPr>
-            <a:picLocks noChangeAspect="1"/>
-          </p:cNvPicPr>
-          <p:nvPr/>
-        </p:nvPicPr>
-        <p:blipFill>
-          <a:blip r:embed="rId3">
-            <a:extLst>
-              <a:ext uri="{28A0092B-C50C-407E-A947-70E740481C1C}">
-                <a14:useLocalDpi xmlns:a14="http://schemas.microsoft.com/office/drawing/2010/main" val="0"/>
-              </a:ext>
-            </a:extLst>
-          </a:blip>
-          <a:stretch>
-            <a:fillRect/>
-          </a:stretch>
-        </p:blipFill>
-        <p:spPr>
-          <a:xfrm>
-            <a:off x="5568970" y="2443742"/>
-            <a:ext cx="6332030" cy="4087657"/>
-          </a:xfrm>
-          <a:prstGeom prst="rect">
-            <a:avLst/>
-          </a:prstGeom>
-          <a:ln>
-            <a:solidFill>
-              <a:schemeClr val="bg2">
-                <a:lumMod val="75000"/>
-              </a:schemeClr>
-            </a:solidFill>
-          </a:ln>
-        </p:spPr>
-      </p:pic>
-      <p:sp>
-        <p:nvSpPr>
-          <p:cNvPr id="9" name="Arrow: Right 10">
-            <a:extLst>
-              <a:ext uri="{FF2B5EF4-FFF2-40B4-BE49-F238E27FC236}">
-                <a16:creationId xmlns:a16="http://schemas.microsoft.com/office/drawing/2014/main" id="{DB3D6EAB-9E1A-BBD9-064F-8402BB7FF3A7}"/>
-              </a:ext>
-            </a:extLst>
-          </p:cNvPr>
-          <p:cNvSpPr/>
-          <p:nvPr/>
-        </p:nvSpPr>
-        <p:spPr>
-          <a:xfrm>
-            <a:off x="4663030" y="4138106"/>
-            <a:ext cx="1024441" cy="698928"/>
-          </a:xfrm>
-          <a:prstGeom prst="rightArrow">
-            <a:avLst/>
-          </a:prstGeom>
-          <a:solidFill>
-            <a:schemeClr val="tx1"/>
-          </a:solidFill>
-          <a:ln>
-            <a:solidFill>
-              <a:schemeClr val="tx1"/>
-            </a:solidFill>
-          </a:ln>
-        </p:spPr>
-        <p:style>
-          <a:lnRef idx="2">
-            <a:schemeClr val="accent1">
-              <a:shade val="50000"/>
-            </a:schemeClr>
-          </a:lnRef>
-          <a:fillRef idx="1">
-            <a:schemeClr val="accent1"/>
-          </a:fillRef>
-          <a:effectRef idx="0">
-            <a:schemeClr val="accent1"/>
-          </a:effectRef>
-          <a:fontRef idx="minor">
-            <a:schemeClr val="lt1"/>
-          </a:fontRef>
-        </p:style>
-        <p:txBody>
-          <a:bodyPr rtlCol="0" anchor="ctr"/>
-          <a:lstStyle/>
-          <a:p>
-            <a:pPr algn="ctr"/>
-            <a:endParaRPr lang="en-US" sz="2799"/>
-          </a:p>
-        </p:txBody>
-      </p:sp>
-    </p:spTree>
-    <p:extLst>
-      <p:ext uri="{BB962C8B-B14F-4D97-AF65-F5344CB8AC3E}">
-        <p14:creationId xmlns:p14="http://schemas.microsoft.com/office/powerpoint/2010/main" val="4153607583"/>
-      </p:ext>
-    </p:extLst>
-  </p:cSld>
-  <p:clrMapOvr>
-    <a:masterClrMapping/>
-  </p:clrMapOvr>
-  <mc:AlternateContent xmlns:mc="http://schemas.openxmlformats.org/markup-compatibility/2006" xmlns:p14="http://schemas.microsoft.com/office/powerpoint/2010/main">
-    <mc:Choice Requires="p14">
-      <p:transition spd="slow" p14:dur="2000" advClick="0" advTm="5000"/>
-    </mc:Choice>
-    <mc:Fallback xmlns="">
-      <p:transition spd="slow" advClick="0" advTm="5000"/>
-    </mc:Fallback>
-  </mc:AlternateContent>
-  <p:timing>
-    <p:tnLst>
-      <p:par>
-        <p:cTn id="1" dur="indefinite" restart="never" nodeType="tmRoot">
-          <p:childTnLst>
-            <p:seq concurrent="1" nextAc="seek">
-              <p:cTn id="2" dur="indefinite" nodeType="mainSeq">
-                <p:childTnLst>
-                  <p:par>
-                    <p:cTn id="3" fill="hold">
-                      <p:stCondLst>
-                        <p:cond delay="indefinite"/>
-                      </p:stCondLst>
-                      <p:childTnLst>
-                        <p:par>
-                          <p:cTn id="4" fill="hold">
-                            <p:stCondLst>
-                              <p:cond delay="0"/>
-                            </p:stCondLst>
-                            <p:childTnLst>
-                              <p:par>
-                                <p:cTn id="5" presetID="1" presetClass="entr" presetSubtype="0" fill="hold" nodeType="clickEffect">
-                                  <p:stCondLst>
-                                    <p:cond delay="0"/>
-                                  </p:stCondLst>
-                                  <p:childTnLst>
-                                    <p:set>
-                                      <p:cBhvr>
-                                        <p:cTn id="6" dur="1" fill="hold">
-                                          <p:stCondLst>
-                                            <p:cond delay="0"/>
-                                          </p:stCondLst>
-                                        </p:cTn>
-                                        <p:tgtEl>
-                                          <p:spTgt spid="6"/>
-                                        </p:tgtEl>
-                                        <p:attrNameLst>
-                                          <p:attrName>style.visibility</p:attrName>
-                                        </p:attrNameLst>
-                                      </p:cBhvr>
-                                      <p:to>
-                                        <p:strVal val="visible"/>
-                                      </p:to>
-                                    </p:set>
-                                  </p:childTnLst>
-                                </p:cTn>
-                              </p:par>
-                            </p:childTnLst>
-                          </p:cTn>
-                        </p:par>
-                      </p:childTnLst>
-                    </p:cTn>
-                  </p:par>
-                  <p:par>
-                    <p:cTn id="7" fill="hold">
-                      <p:stCondLst>
-                        <p:cond delay="indefinite"/>
-                      </p:stCondLst>
-                      <p:childTnLst>
-                        <p:par>
-                          <p:cTn id="8" fill="hold">
-                            <p:stCondLst>
-                              <p:cond delay="0"/>
-                            </p:stCondLst>
-                            <p:childTnLst>
-                              <p:par>
-                                <p:cTn id="9" presetID="1" presetClass="entr" presetSubtype="0" fill="hold" nodeType="clickEffect">
-                                  <p:stCondLst>
-                                    <p:cond delay="0"/>
-                                  </p:stCondLst>
-                                  <p:childTnLst>
-                                    <p:set>
-                                      <p:cBhvr>
-                                        <p:cTn id="10" dur="1" fill="hold">
-                                          <p:stCondLst>
-                                            <p:cond delay="0"/>
-                                          </p:stCondLst>
-                                        </p:cTn>
-                                        <p:tgtEl>
-                                          <p:spTgt spid="3">
-                                            <p:txEl>
-                                              <p:pRg st="1" end="1"/>
-                                            </p:txEl>
-                                          </p:spTgt>
-                                        </p:tgtEl>
-                                        <p:attrNameLst>
-                                          <p:attrName>style.visibility</p:attrName>
-                                        </p:attrNameLst>
-                                      </p:cBhvr>
-                                      <p:to>
-                                        <p:strVal val="visible"/>
-                                      </p:to>
-                                    </p:set>
-                                  </p:childTnLst>
-                                </p:cTn>
-                              </p:par>
-                            </p:childTnLst>
-                          </p:cTn>
-                        </p:par>
-                      </p:childTnLst>
-                    </p:cTn>
-                  </p:par>
-                  <p:par>
-                    <p:cTn id="11" fill="hold">
-                      <p:stCondLst>
-                        <p:cond delay="indefinite"/>
-                      </p:stCondLst>
-                      <p:childTnLst>
-                        <p:par>
-                          <p:cTn id="12" fill="hold">
-                            <p:stCondLst>
-                              <p:cond delay="0"/>
-                            </p:stCondLst>
-                            <p:childTnLst>
-                              <p:par>
-                                <p:cTn id="13" presetID="1" presetClass="entr" presetSubtype="0" fill="hold" grpId="0" nodeType="clickEffect">
-                                  <p:stCondLst>
-                                    <p:cond delay="0"/>
-                                  </p:stCondLst>
-                                  <p:childTnLst>
-                                    <p:set>
-                                      <p:cBhvr>
-                                        <p:cTn id="14" dur="1" fill="hold">
-                                          <p:stCondLst>
-                                            <p:cond delay="0"/>
-                                          </p:stCondLst>
-                                        </p:cTn>
-                                        <p:tgtEl>
-                                          <p:spTgt spid="9"/>
-                                        </p:tgtEl>
-                                        <p:attrNameLst>
-                                          <p:attrName>style.visibility</p:attrName>
-                                        </p:attrNameLst>
-                                      </p:cBhvr>
-                                      <p:to>
-                                        <p:strVal val="visible"/>
-                                      </p:to>
-                                    </p:set>
-                                  </p:childTnLst>
-                                </p:cTn>
-                              </p:par>
-                            </p:childTnLst>
-                          </p:cTn>
-                        </p:par>
-                      </p:childTnLst>
-                    </p:cTn>
-                  </p:par>
-                  <p:par>
-                    <p:cTn id="15" fill="hold">
-                      <p:stCondLst>
-                        <p:cond delay="indefinite"/>
-                      </p:stCondLst>
-                      <p:childTnLst>
-                        <p:par>
-                          <p:cTn id="16" fill="hold">
-                            <p:stCondLst>
-                              <p:cond delay="0"/>
-                            </p:stCondLst>
-                            <p:childTnLst>
-                              <p:par>
-                                <p:cTn id="17" presetID="1" presetClass="entr" presetSubtype="0" fill="hold" nodeType="clickEffect">
-                                  <p:stCondLst>
-                                    <p:cond delay="0"/>
-                                  </p:stCondLst>
-                                  <p:childTnLst>
-                                    <p:set>
-                                      <p:cBhvr>
-                                        <p:cTn id="18" dur="1" fill="hold">
-                                          <p:stCondLst>
-                                            <p:cond delay="0"/>
-                                          </p:stCondLst>
-                                        </p:cTn>
-                                        <p:tgtEl>
-                                          <p:spTgt spid="8"/>
-                                        </p:tgtEl>
-                                        <p:attrNameLst>
-                                          <p:attrName>style.visibility</p:attrName>
-                                        </p:attrNameLst>
-                                      </p:cBhvr>
-                                      <p:to>
-                                        <p:strVal val="visible"/>
-                                      </p:to>
-                                    </p:set>
-                                  </p:childTnLst>
-                                </p:cTn>
-                              </p:par>
-                            </p:childTnLst>
-                          </p:cTn>
-                        </p:par>
-                      </p:childTnLst>
-                    </p:cTn>
-                  </p:par>
-                </p:childTnLst>
-              </p:cTn>
-              <p:prevCondLst>
-                <p:cond evt="onPrev" delay="0">
-                  <p:tgtEl>
-                    <p:sldTgt/>
-                  </p:tgtEl>
-                </p:cond>
-              </p:prevCondLst>
-              <p:nextCondLst>
-                <p:cond evt="onNext" delay="0">
-                  <p:tgtEl>
-                    <p:sldTgt/>
-                  </p:tgtEl>
-                </p:cond>
-              </p:nextCondLst>
-            </p:seq>
-          </p:childTnLst>
-        </p:cTn>
-      </p:par>
-    </p:tnLst>
-    <p:bldLst>
-      <p:bldP spid="9" grpId="0" animBg="1"/>
     </p:bldLst>
   </p:timing>
 </p:sld>
@@ -15581,31 +15810,69 @@
           <a:p>
             <a:r>
               <a:rPr lang="bg-BG" sz="3200" dirty="0"/>
+              <a:t>Добавяме още една </a:t>
+            </a:r>
+            <a:r>
+              <a:rPr lang="bg-BG" sz="3200" b="1" dirty="0">
+                <a:solidFill>
+                  <a:schemeClr val="bg1"/>
+                </a:solidFill>
+              </a:rPr>
+              <a:t>секция</a:t>
+            </a:r>
+            <a:r>
+              <a:rPr lang="bg-BG" sz="3200" dirty="0"/>
+              <a:t> за </a:t>
+            </a:r>
+            <a:r>
+              <a:rPr lang="bg-BG" sz="3200" b="1" dirty="0"/>
+              <a:t>етапа</a:t>
+            </a:r>
+            <a:r>
+              <a:rPr lang="bg-BG" sz="3200" dirty="0"/>
+              <a:t> на </a:t>
+            </a:r>
+            <a:r>
+              <a:rPr lang="bg-BG" sz="3200" b="1" dirty="0"/>
+              <a:t>приключване</a:t>
+            </a:r>
+          </a:p>
+          <a:p>
+            <a:r>
+              <a:rPr lang="bg-BG" sz="3200" dirty="0"/>
               <a:t>Кликаме върху </a:t>
             </a:r>
             <a:r>
+              <a:rPr lang="en-US" sz="3200" b="1" dirty="0"/>
+              <a:t>[</a:t>
+            </a:r>
+            <a:r>
+              <a:rPr lang="en-US" sz="3200" b="1" dirty="0">
+                <a:solidFill>
+                  <a:schemeClr val="bg1"/>
+                </a:solidFill>
+              </a:rPr>
+              <a:t>Add section</a:t>
+            </a:r>
+            <a:r>
+              <a:rPr lang="en-US" sz="3200" b="1" dirty="0"/>
+              <a:t>]</a:t>
+            </a:r>
+            <a:r>
               <a:rPr lang="bg-BG" sz="3200" b="1" dirty="0"/>
-              <a:t>борда</a:t>
+              <a:t> </a:t>
             </a:r>
             <a:r>
               <a:rPr lang="bg-BG" sz="3200" dirty="0"/>
-              <a:t> в секцията </a:t>
+              <a:t>и задаваме </a:t>
             </a:r>
             <a:r>
               <a:rPr lang="bg-BG" sz="3200" b="1" dirty="0"/>
-              <a:t>Планиране</a:t>
+              <a:t>име</a:t>
             </a:r>
             <a:r>
               <a:rPr lang="bg-BG" sz="3200" dirty="0"/>
-              <a:t> и задаваме име на </a:t>
-            </a:r>
-            <a:r>
-              <a:rPr lang="bg-BG" sz="3200" b="1" dirty="0"/>
-              <a:t>задачата</a:t>
-            </a:r>
-            <a:r>
-              <a:rPr lang="bg-BG" sz="3200" dirty="0"/>
-              <a:t>, например </a:t>
+              <a:t> </a:t>
             </a:r>
             <a:r>
               <a:rPr lang="en-US" sz="3200" dirty="0"/>
@@ -15617,57 +15884,13 @@
                   <a:schemeClr val="bg1"/>
                 </a:solidFill>
               </a:rPr>
-              <a:t>Избор на технологии</a:t>
+              <a:t>Приключване</a:t>
             </a:r>
             <a:r>
               <a:rPr lang="en-US" sz="3200" b="1" dirty="0"/>
               <a:t>"</a:t>
             </a:r>
-          </a:p>
-          <a:p>
-            <a:r>
-              <a:rPr lang="bg-BG" sz="3200" dirty="0"/>
-              <a:t>Кликаме върху </a:t>
-            </a:r>
-            <a:r>
-              <a:rPr lang="bg-BG" sz="3200" b="1" dirty="0"/>
-              <a:t>новата задача </a:t>
-            </a:r>
-            <a:r>
-              <a:rPr lang="en-US" sz="3000" dirty="0">
-                <a:sym typeface="Wingdings" panose="05000000000000000000" pitchFamily="2" charset="2"/>
-              </a:rPr>
-              <a:t></a:t>
-            </a:r>
-            <a:r>
-              <a:rPr lang="en-US" sz="3200" dirty="0"/>
-              <a:t> </a:t>
-            </a:r>
-            <a:r>
-              <a:rPr lang="bg-BG" sz="3200" dirty="0"/>
-              <a:t>отваря</a:t>
-            </a:r>
-            <a:r>
-              <a:rPr lang="en-US" sz="3200" dirty="0"/>
-              <a:t> </a:t>
-            </a:r>
-            <a:r>
-              <a:rPr lang="bg-BG" sz="3200" dirty="0"/>
-              <a:t>ни се прозорец, в който може да я </a:t>
-            </a:r>
-            <a:r>
-              <a:rPr lang="bg-BG" sz="3200" b="1" dirty="0">
-                <a:solidFill>
-                  <a:schemeClr val="bg1"/>
-                </a:solidFill>
-              </a:rPr>
-              <a:t>редактираме</a:t>
-            </a:r>
-            <a:endParaRPr lang="en-BG" sz="3200" b="1" dirty="0">
-              <a:solidFill>
-                <a:schemeClr val="bg1"/>
-              </a:solidFill>
-            </a:endParaRPr>
+            <a:endParaRPr lang="bg-BG" sz="3200" b="1" dirty="0"/>
           </a:p>
         </p:txBody>
       </p:sp>
@@ -15694,7 +15917,7 @@
           <a:p>
             <a:r>
               <a:rPr lang="bg-BG" dirty="0"/>
-              <a:t>Добавяне на задача</a:t>
+              <a:t>Добавяне на секция</a:t>
             </a:r>
             <a:endParaRPr lang="en-BG" dirty="0"/>
           </a:p>
@@ -15705,7 +15928,7 @@
           <p:cNvPr id="6" name="Picture 5">
             <a:extLst>
               <a:ext uri="{FF2B5EF4-FFF2-40B4-BE49-F238E27FC236}">
-                <a16:creationId xmlns:a16="http://schemas.microsoft.com/office/drawing/2014/main" id="{3378878F-8D2D-3661-C466-2F5AC48B2C4D}"/>
+                <a16:creationId xmlns:a16="http://schemas.microsoft.com/office/drawing/2014/main" id="{4137C44E-1BA1-1475-6DD4-56534B274AF6}"/>
               </a:ext>
             </a:extLst>
           </p:cNvPr>
@@ -15728,8 +15951,8 @@
         </p:blipFill>
         <p:spPr>
           <a:xfrm>
-            <a:off x="171065" y="4464000"/>
-            <a:ext cx="5154417" cy="702875"/>
+            <a:off x="291000" y="2511355"/>
+            <a:ext cx="4372030" cy="4020044"/>
           </a:xfrm>
           <a:prstGeom prst="rect">
             <a:avLst/>
@@ -15748,7 +15971,7 @@
           <p:cNvPr id="8" name="Picture 7">
             <a:extLst>
               <a:ext uri="{FF2B5EF4-FFF2-40B4-BE49-F238E27FC236}">
-                <a16:creationId xmlns:a16="http://schemas.microsoft.com/office/drawing/2014/main" id="{9DFCEF18-0776-D1A7-49D4-495E808B748D}"/>
+                <a16:creationId xmlns:a16="http://schemas.microsoft.com/office/drawing/2014/main" id="{37CF353F-F132-39C2-FCEE-AAB114CC4188}"/>
               </a:ext>
             </a:extLst>
           </p:cNvPr>
@@ -15771,8 +15994,8 @@
         </p:blipFill>
         <p:spPr>
           <a:xfrm>
-            <a:off x="6012255" y="3017521"/>
-            <a:ext cx="5740775" cy="3707370"/>
+            <a:off x="5568970" y="2443742"/>
+            <a:ext cx="6332030" cy="4087657"/>
           </a:xfrm>
           <a:prstGeom prst="rect">
             <a:avLst/>
@@ -15791,7 +16014,7 @@
           <p:cNvPr id="9" name="Arrow: Right 10">
             <a:extLst>
               <a:ext uri="{FF2B5EF4-FFF2-40B4-BE49-F238E27FC236}">
-                <a16:creationId xmlns:a16="http://schemas.microsoft.com/office/drawing/2014/main" id="{A4BAB0D5-35A3-DB44-A09E-C1FEAA7D1CF5}"/>
+                <a16:creationId xmlns:a16="http://schemas.microsoft.com/office/drawing/2014/main" id="{DB3D6EAB-9E1A-BBD9-064F-8402BB7FF3A7}"/>
               </a:ext>
             </a:extLst>
           </p:cNvPr>
@@ -15800,7 +16023,7 @@
         </p:nvSpPr>
         <p:spPr>
           <a:xfrm>
-            <a:off x="5169974" y="4467947"/>
+            <a:off x="4663030" y="4138106"/>
             <a:ext cx="1024441" cy="698928"/>
           </a:xfrm>
           <a:prstGeom prst="rightArrow">
@@ -15843,7 +16066,7 @@
     </p:spTree>
     <p:extLst>
       <p:ext uri="{BB962C8B-B14F-4D97-AF65-F5344CB8AC3E}">
-        <p14:creationId xmlns:p14="http://schemas.microsoft.com/office/powerpoint/2010/main" val="3623936213"/>
+        <p14:creationId xmlns:p14="http://schemas.microsoft.com/office/powerpoint/2010/main" val="4153607583"/>
       </p:ext>
     </p:extLst>
   </p:cSld>
@@ -16120,6 +16343,575 @@
               <a:rPr lang="en-US" noProof="0" smtClean="0"/>
               <a:pPr/>
               <a:t>21</a:t>
+            </a:fld>
+            <a:endParaRPr lang="en-US" noProof="0" dirty="0"/>
+          </a:p>
+        </p:txBody>
+      </p:sp>
+      <p:sp>
+        <p:nvSpPr>
+          <p:cNvPr id="3" name="Text Placeholder 2">
+            <a:extLst>
+              <a:ext uri="{FF2B5EF4-FFF2-40B4-BE49-F238E27FC236}">
+                <a16:creationId xmlns:a16="http://schemas.microsoft.com/office/drawing/2014/main" id="{DD9BC1F1-D07A-E3A1-3917-A652E5A3C806}"/>
+              </a:ext>
+            </a:extLst>
+          </p:cNvPr>
+          <p:cNvSpPr>
+            <a:spLocks noGrp="1"/>
+          </p:cNvSpPr>
+          <p:nvPr>
+            <p:ph type="body" sz="quarter" idx="10"/>
+          </p:nvPr>
+        </p:nvSpPr>
+        <p:spPr/>
+        <p:txBody>
+          <a:bodyPr>
+            <a:normAutofit/>
+          </a:bodyPr>
+          <a:lstStyle/>
+          <a:p>
+            <a:r>
+              <a:rPr lang="bg-BG" sz="3200" dirty="0"/>
+              <a:t>Кликаме върху </a:t>
+            </a:r>
+            <a:r>
+              <a:rPr lang="bg-BG" sz="3200" b="1" dirty="0"/>
+              <a:t>борда</a:t>
+            </a:r>
+            <a:r>
+              <a:rPr lang="bg-BG" sz="3200" dirty="0"/>
+              <a:t> в секцията </a:t>
+            </a:r>
+            <a:r>
+              <a:rPr lang="bg-BG" sz="3200" b="1" dirty="0"/>
+              <a:t>Планиране</a:t>
+            </a:r>
+            <a:r>
+              <a:rPr lang="bg-BG" sz="3200" dirty="0"/>
+              <a:t> и задаваме име на </a:t>
+            </a:r>
+            <a:r>
+              <a:rPr lang="bg-BG" sz="3200" b="1" dirty="0"/>
+              <a:t>задачата</a:t>
+            </a:r>
+            <a:r>
+              <a:rPr lang="bg-BG" sz="3200" dirty="0"/>
+              <a:t>, например </a:t>
+            </a:r>
+            <a:r>
+              <a:rPr lang="en-US" sz="3200" dirty="0"/>
+              <a:t>"</a:t>
+            </a:r>
+            <a:r>
+              <a:rPr lang="bg-BG" sz="3200" b="1" dirty="0">
+                <a:solidFill>
+                  <a:schemeClr val="bg1"/>
+                </a:solidFill>
+              </a:rPr>
+              <a:t>Избор на технологии</a:t>
+            </a:r>
+            <a:r>
+              <a:rPr lang="en-US" sz="3200" b="1" dirty="0"/>
+              <a:t>"</a:t>
+            </a:r>
+          </a:p>
+          <a:p>
+            <a:r>
+              <a:rPr lang="bg-BG" sz="3200" dirty="0"/>
+              <a:t>Кликаме върху </a:t>
+            </a:r>
+            <a:r>
+              <a:rPr lang="bg-BG" sz="3200" b="1" dirty="0"/>
+              <a:t>новата задача </a:t>
+            </a:r>
+            <a:r>
+              <a:rPr lang="en-US" sz="3000" dirty="0">
+                <a:sym typeface="Wingdings" panose="05000000000000000000" pitchFamily="2" charset="2"/>
+              </a:rPr>
+              <a:t></a:t>
+            </a:r>
+            <a:r>
+              <a:rPr lang="en-US" sz="3200" dirty="0"/>
+              <a:t> </a:t>
+            </a:r>
+            <a:r>
+              <a:rPr lang="bg-BG" sz="3200" dirty="0"/>
+              <a:t>отваря</a:t>
+            </a:r>
+            <a:r>
+              <a:rPr lang="en-US" sz="3200" dirty="0"/>
+              <a:t> </a:t>
+            </a:r>
+            <a:r>
+              <a:rPr lang="bg-BG" sz="3200" dirty="0"/>
+              <a:t>ни се прозорец, в който може да я </a:t>
+            </a:r>
+            <a:r>
+              <a:rPr lang="bg-BG" sz="3200" b="1" dirty="0">
+                <a:solidFill>
+                  <a:schemeClr val="bg1"/>
+                </a:solidFill>
+              </a:rPr>
+              <a:t>редактираме</a:t>
+            </a:r>
+            <a:endParaRPr lang="en-BG" sz="3200" b="1" dirty="0">
+              <a:solidFill>
+                <a:schemeClr val="bg1"/>
+              </a:solidFill>
+            </a:endParaRPr>
+          </a:p>
+        </p:txBody>
+      </p:sp>
+      <p:sp>
+        <p:nvSpPr>
+          <p:cNvPr id="4" name="Title 3">
+            <a:extLst>
+              <a:ext uri="{FF2B5EF4-FFF2-40B4-BE49-F238E27FC236}">
+                <a16:creationId xmlns:a16="http://schemas.microsoft.com/office/drawing/2014/main" id="{1119440C-1B02-0263-30BE-1DB3DDE9E53C}"/>
+              </a:ext>
+            </a:extLst>
+          </p:cNvPr>
+          <p:cNvSpPr>
+            <a:spLocks noGrp="1"/>
+          </p:cNvSpPr>
+          <p:nvPr>
+            <p:ph type="title"/>
+          </p:nvPr>
+        </p:nvSpPr>
+        <p:spPr/>
+        <p:txBody>
+          <a:bodyPr/>
+          <a:lstStyle/>
+          <a:p>
+            <a:r>
+              <a:rPr lang="bg-BG" dirty="0"/>
+              <a:t>Добавяне на задача</a:t>
+            </a:r>
+            <a:endParaRPr lang="en-BG" dirty="0"/>
+          </a:p>
+        </p:txBody>
+      </p:sp>
+      <p:pic>
+        <p:nvPicPr>
+          <p:cNvPr id="6" name="Picture 5">
+            <a:extLst>
+              <a:ext uri="{FF2B5EF4-FFF2-40B4-BE49-F238E27FC236}">
+                <a16:creationId xmlns:a16="http://schemas.microsoft.com/office/drawing/2014/main" id="{3378878F-8D2D-3661-C466-2F5AC48B2C4D}"/>
+              </a:ext>
+            </a:extLst>
+          </p:cNvPr>
+          <p:cNvPicPr>
+            <a:picLocks noChangeAspect="1"/>
+          </p:cNvPicPr>
+          <p:nvPr/>
+        </p:nvPicPr>
+        <p:blipFill>
+          <a:blip r:embed="rId2">
+            <a:extLst>
+              <a:ext uri="{28A0092B-C50C-407E-A947-70E740481C1C}">
+                <a14:useLocalDpi xmlns:a14="http://schemas.microsoft.com/office/drawing/2010/main" val="0"/>
+              </a:ext>
+            </a:extLst>
+          </a:blip>
+          <a:stretch>
+            <a:fillRect/>
+          </a:stretch>
+        </p:blipFill>
+        <p:spPr>
+          <a:xfrm>
+            <a:off x="171065" y="4464000"/>
+            <a:ext cx="5154417" cy="702875"/>
+          </a:xfrm>
+          <a:prstGeom prst="rect">
+            <a:avLst/>
+          </a:prstGeom>
+          <a:ln>
+            <a:solidFill>
+              <a:schemeClr val="bg2">
+                <a:lumMod val="75000"/>
+              </a:schemeClr>
+            </a:solidFill>
+          </a:ln>
+        </p:spPr>
+      </p:pic>
+      <p:pic>
+        <p:nvPicPr>
+          <p:cNvPr id="8" name="Picture 7">
+            <a:extLst>
+              <a:ext uri="{FF2B5EF4-FFF2-40B4-BE49-F238E27FC236}">
+                <a16:creationId xmlns:a16="http://schemas.microsoft.com/office/drawing/2014/main" id="{9DFCEF18-0776-D1A7-49D4-495E808B748D}"/>
+              </a:ext>
+            </a:extLst>
+          </p:cNvPr>
+          <p:cNvPicPr>
+            <a:picLocks noChangeAspect="1"/>
+          </p:cNvPicPr>
+          <p:nvPr/>
+        </p:nvPicPr>
+        <p:blipFill>
+          <a:blip r:embed="rId3">
+            <a:extLst>
+              <a:ext uri="{28A0092B-C50C-407E-A947-70E740481C1C}">
+                <a14:useLocalDpi xmlns:a14="http://schemas.microsoft.com/office/drawing/2010/main" val="0"/>
+              </a:ext>
+            </a:extLst>
+          </a:blip>
+          <a:stretch>
+            <a:fillRect/>
+          </a:stretch>
+        </p:blipFill>
+        <p:spPr>
+          <a:xfrm>
+            <a:off x="6012255" y="3017521"/>
+            <a:ext cx="5740775" cy="3707370"/>
+          </a:xfrm>
+          <a:prstGeom prst="rect">
+            <a:avLst/>
+          </a:prstGeom>
+          <a:ln>
+            <a:solidFill>
+              <a:schemeClr val="bg2">
+                <a:lumMod val="75000"/>
+              </a:schemeClr>
+            </a:solidFill>
+          </a:ln>
+        </p:spPr>
+      </p:pic>
+      <p:sp>
+        <p:nvSpPr>
+          <p:cNvPr id="9" name="Arrow: Right 10">
+            <a:extLst>
+              <a:ext uri="{FF2B5EF4-FFF2-40B4-BE49-F238E27FC236}">
+                <a16:creationId xmlns:a16="http://schemas.microsoft.com/office/drawing/2014/main" id="{A4BAB0D5-35A3-DB44-A09E-C1FEAA7D1CF5}"/>
+              </a:ext>
+            </a:extLst>
+          </p:cNvPr>
+          <p:cNvSpPr/>
+          <p:nvPr/>
+        </p:nvSpPr>
+        <p:spPr>
+          <a:xfrm>
+            <a:off x="5169974" y="4467947"/>
+            <a:ext cx="1024441" cy="698928"/>
+          </a:xfrm>
+          <a:prstGeom prst="rightArrow">
+            <a:avLst/>
+          </a:prstGeom>
+          <a:solidFill>
+            <a:schemeClr val="tx1"/>
+          </a:solidFill>
+          <a:ln>
+            <a:solidFill>
+              <a:schemeClr val="tx1"/>
+            </a:solidFill>
+          </a:ln>
+        </p:spPr>
+        <p:style>
+          <a:lnRef idx="2">
+            <a:schemeClr val="accent1">
+              <a:shade val="50000"/>
+            </a:schemeClr>
+          </a:lnRef>
+          <a:fillRef idx="1">
+            <a:schemeClr val="accent1"/>
+          </a:fillRef>
+          <a:effectRef idx="0">
+            <a:schemeClr val="accent1"/>
+          </a:effectRef>
+          <a:fontRef idx="minor">
+            <a:schemeClr val="lt1"/>
+          </a:fontRef>
+        </p:style>
+        <p:txBody>
+          <a:bodyPr rtlCol="0" anchor="ctr"/>
+          <a:lstStyle/>
+          <a:p>
+            <a:pPr algn="ctr"/>
+            <a:endParaRPr lang="en-US" sz="2799"/>
+          </a:p>
+        </p:txBody>
+      </p:sp>
+    </p:spTree>
+    <p:extLst>
+      <p:ext uri="{BB962C8B-B14F-4D97-AF65-F5344CB8AC3E}">
+        <p14:creationId xmlns:p14="http://schemas.microsoft.com/office/powerpoint/2010/main" val="3623936213"/>
+      </p:ext>
+    </p:extLst>
+  </p:cSld>
+  <p:clrMapOvr>
+    <a:masterClrMapping/>
+  </p:clrMapOvr>
+  <mc:AlternateContent xmlns:mc="http://schemas.openxmlformats.org/markup-compatibility/2006" xmlns:p14="http://schemas.microsoft.com/office/powerpoint/2010/main">
+    <mc:Choice Requires="p14">
+      <p:transition spd="slow" p14:dur="2000" advClick="0" advTm="5000"/>
+    </mc:Choice>
+    <mc:Fallback xmlns="">
+      <p:transition spd="slow" advClick="0" advTm="5000"/>
+    </mc:Fallback>
+  </mc:AlternateContent>
+  <p:timing>
+    <p:tnLst>
+      <p:par>
+        <p:cTn id="1" dur="indefinite" restart="never" nodeType="tmRoot">
+          <p:childTnLst>
+            <p:seq concurrent="1" nextAc="seek">
+              <p:cTn id="2" dur="indefinite" nodeType="mainSeq">
+                <p:childTnLst>
+                  <p:par>
+                    <p:cTn id="3" fill="hold">
+                      <p:stCondLst>
+                        <p:cond delay="indefinite"/>
+                      </p:stCondLst>
+                      <p:childTnLst>
+                        <p:par>
+                          <p:cTn id="4" fill="hold">
+                            <p:stCondLst>
+                              <p:cond delay="0"/>
+                            </p:stCondLst>
+                            <p:childTnLst>
+                              <p:par>
+                                <p:cTn id="5" presetID="1" presetClass="entr" presetSubtype="0" fill="hold" nodeType="clickEffect">
+                                  <p:stCondLst>
+                                    <p:cond delay="0"/>
+                                  </p:stCondLst>
+                                  <p:childTnLst>
+                                    <p:set>
+                                      <p:cBhvr>
+                                        <p:cTn id="6" dur="1" fill="hold">
+                                          <p:stCondLst>
+                                            <p:cond delay="0"/>
+                                          </p:stCondLst>
+                                        </p:cTn>
+                                        <p:tgtEl>
+                                          <p:spTgt spid="6"/>
+                                        </p:tgtEl>
+                                        <p:attrNameLst>
+                                          <p:attrName>style.visibility</p:attrName>
+                                        </p:attrNameLst>
+                                      </p:cBhvr>
+                                      <p:to>
+                                        <p:strVal val="visible"/>
+                                      </p:to>
+                                    </p:set>
+                                  </p:childTnLst>
+                                </p:cTn>
+                              </p:par>
+                            </p:childTnLst>
+                          </p:cTn>
+                        </p:par>
+                      </p:childTnLst>
+                    </p:cTn>
+                  </p:par>
+                  <p:par>
+                    <p:cTn id="7" fill="hold">
+                      <p:stCondLst>
+                        <p:cond delay="indefinite"/>
+                      </p:stCondLst>
+                      <p:childTnLst>
+                        <p:par>
+                          <p:cTn id="8" fill="hold">
+                            <p:stCondLst>
+                              <p:cond delay="0"/>
+                            </p:stCondLst>
+                            <p:childTnLst>
+                              <p:par>
+                                <p:cTn id="9" presetID="1" presetClass="entr" presetSubtype="0" fill="hold" nodeType="clickEffect">
+                                  <p:stCondLst>
+                                    <p:cond delay="0"/>
+                                  </p:stCondLst>
+                                  <p:childTnLst>
+                                    <p:set>
+                                      <p:cBhvr>
+                                        <p:cTn id="10" dur="1" fill="hold">
+                                          <p:stCondLst>
+                                            <p:cond delay="0"/>
+                                          </p:stCondLst>
+                                        </p:cTn>
+                                        <p:tgtEl>
+                                          <p:spTgt spid="3">
+                                            <p:txEl>
+                                              <p:pRg st="1" end="1"/>
+                                            </p:txEl>
+                                          </p:spTgt>
+                                        </p:tgtEl>
+                                        <p:attrNameLst>
+                                          <p:attrName>style.visibility</p:attrName>
+                                        </p:attrNameLst>
+                                      </p:cBhvr>
+                                      <p:to>
+                                        <p:strVal val="visible"/>
+                                      </p:to>
+                                    </p:set>
+                                  </p:childTnLst>
+                                </p:cTn>
+                              </p:par>
+                            </p:childTnLst>
+                          </p:cTn>
+                        </p:par>
+                      </p:childTnLst>
+                    </p:cTn>
+                  </p:par>
+                  <p:par>
+                    <p:cTn id="11" fill="hold">
+                      <p:stCondLst>
+                        <p:cond delay="indefinite"/>
+                      </p:stCondLst>
+                      <p:childTnLst>
+                        <p:par>
+                          <p:cTn id="12" fill="hold">
+                            <p:stCondLst>
+                              <p:cond delay="0"/>
+                            </p:stCondLst>
+                            <p:childTnLst>
+                              <p:par>
+                                <p:cTn id="13" presetID="1" presetClass="entr" presetSubtype="0" fill="hold" grpId="0" nodeType="clickEffect">
+                                  <p:stCondLst>
+                                    <p:cond delay="0"/>
+                                  </p:stCondLst>
+                                  <p:childTnLst>
+                                    <p:set>
+                                      <p:cBhvr>
+                                        <p:cTn id="14" dur="1" fill="hold">
+                                          <p:stCondLst>
+                                            <p:cond delay="0"/>
+                                          </p:stCondLst>
+                                        </p:cTn>
+                                        <p:tgtEl>
+                                          <p:spTgt spid="9"/>
+                                        </p:tgtEl>
+                                        <p:attrNameLst>
+                                          <p:attrName>style.visibility</p:attrName>
+                                        </p:attrNameLst>
+                                      </p:cBhvr>
+                                      <p:to>
+                                        <p:strVal val="visible"/>
+                                      </p:to>
+                                    </p:set>
+                                  </p:childTnLst>
+                                </p:cTn>
+                              </p:par>
+                            </p:childTnLst>
+                          </p:cTn>
+                        </p:par>
+                      </p:childTnLst>
+                    </p:cTn>
+                  </p:par>
+                  <p:par>
+                    <p:cTn id="15" fill="hold">
+                      <p:stCondLst>
+                        <p:cond delay="indefinite"/>
+                      </p:stCondLst>
+                      <p:childTnLst>
+                        <p:par>
+                          <p:cTn id="16" fill="hold">
+                            <p:stCondLst>
+                              <p:cond delay="0"/>
+                            </p:stCondLst>
+                            <p:childTnLst>
+                              <p:par>
+                                <p:cTn id="17" presetID="1" presetClass="entr" presetSubtype="0" fill="hold" nodeType="clickEffect">
+                                  <p:stCondLst>
+                                    <p:cond delay="0"/>
+                                  </p:stCondLst>
+                                  <p:childTnLst>
+                                    <p:set>
+                                      <p:cBhvr>
+                                        <p:cTn id="18" dur="1" fill="hold">
+                                          <p:stCondLst>
+                                            <p:cond delay="0"/>
+                                          </p:stCondLst>
+                                        </p:cTn>
+                                        <p:tgtEl>
+                                          <p:spTgt spid="8"/>
+                                        </p:tgtEl>
+                                        <p:attrNameLst>
+                                          <p:attrName>style.visibility</p:attrName>
+                                        </p:attrNameLst>
+                                      </p:cBhvr>
+                                      <p:to>
+                                        <p:strVal val="visible"/>
+                                      </p:to>
+                                    </p:set>
+                                  </p:childTnLst>
+                                </p:cTn>
+                              </p:par>
+                            </p:childTnLst>
+                          </p:cTn>
+                        </p:par>
+                      </p:childTnLst>
+                    </p:cTn>
+                  </p:par>
+                </p:childTnLst>
+              </p:cTn>
+              <p:prevCondLst>
+                <p:cond evt="onPrev" delay="0">
+                  <p:tgtEl>
+                    <p:sldTgt/>
+                  </p:tgtEl>
+                </p:cond>
+              </p:prevCondLst>
+              <p:nextCondLst>
+                <p:cond evt="onNext" delay="0">
+                  <p:tgtEl>
+                    <p:sldTgt/>
+                  </p:tgtEl>
+                </p:cond>
+              </p:nextCondLst>
+            </p:seq>
+          </p:childTnLst>
+        </p:cTn>
+      </p:par>
+    </p:tnLst>
+    <p:bldLst>
+      <p:bldP spid="9" grpId="0" animBg="1"/>
+    </p:bldLst>
+  </p:timing>
+</p:sld>
+</file>
+
+<file path=ppt/slides/slide22.xml><?xml version="1.0" encoding="utf-8"?>
+<p:sld xmlns:a="http://schemas.openxmlformats.org/drawingml/2006/main" xmlns:r="http://schemas.openxmlformats.org/officeDocument/2006/relationships" xmlns:p="http://schemas.openxmlformats.org/presentationml/2006/main">
+  <p:cSld>
+    <p:spTree>
+      <p:nvGrpSpPr>
+        <p:cNvPr id="1" name=""/>
+        <p:cNvGrpSpPr/>
+        <p:nvPr/>
+      </p:nvGrpSpPr>
+      <p:grpSpPr>
+        <a:xfrm>
+          <a:off x="0" y="0"/>
+          <a:ext cx="0" cy="0"/>
+          <a:chOff x="0" y="0"/>
+          <a:chExt cx="0" cy="0"/>
+        </a:xfrm>
+      </p:grpSpPr>
+      <p:sp>
+        <p:nvSpPr>
+          <p:cNvPr id="2" name="Slide Number Placeholder 1">
+            <a:extLst>
+              <a:ext uri="{FF2B5EF4-FFF2-40B4-BE49-F238E27FC236}">
+                <a16:creationId xmlns:a16="http://schemas.microsoft.com/office/drawing/2014/main" id="{12F80D23-A424-3BBA-DC17-DF06A64F1ECE}"/>
+              </a:ext>
+            </a:extLst>
+          </p:cNvPr>
+          <p:cNvSpPr>
+            <a:spLocks noGrp="1"/>
+          </p:cNvSpPr>
+          <p:nvPr>
+            <p:ph type="sldNum" sz="quarter" idx="5"/>
+          </p:nvPr>
+        </p:nvSpPr>
+        <p:spPr/>
+        <p:txBody>
+          <a:bodyPr/>
+          <a:lstStyle/>
+          <a:p>
+            <a:fld id="{2BF067CD-8E6B-4360-9AA8-C5DF2A48A6D1}" type="slidenum">
+              <a:rPr lang="en-US" noProof="0" smtClean="0"/>
+              <a:pPr/>
+              <a:t>22</a:t>
             </a:fld>
             <a:endParaRPr lang="en-US" noProof="0" dirty="0"/>
           </a:p>
@@ -16953,7 +17745,7 @@
 </p:sld>
 </file>
 
-<file path=ppt/slides/slide22.xml><?xml version="1.0" encoding="utf-8"?>
+<file path=ppt/slides/slide23.xml><?xml version="1.0" encoding="utf-8"?>
 <p:sld xmlns:a="http://schemas.openxmlformats.org/drawingml/2006/main" xmlns:r="http://schemas.openxmlformats.org/officeDocument/2006/relationships" xmlns:p="http://schemas.openxmlformats.org/presentationml/2006/main">
   <p:cSld>
     <p:spTree>
@@ -16994,7 +17786,7 @@
             <a:fld id="{2BF067CD-8E6B-4360-9AA8-C5DF2A48A6D1}" type="slidenum">
               <a:rPr lang="en-US" noProof="0" smtClean="0"/>
               <a:pPr/>
-              <a:t>22</a:t>
+              <a:t>23</a:t>
             </a:fld>
             <a:endParaRPr lang="en-US" noProof="0" dirty="0"/>
           </a:p>
@@ -17309,7 +18101,7 @@
 </p:sld>
 </file>
 
-<file path=ppt/slides/slide23.xml><?xml version="1.0" encoding="utf-8"?>
+<file path=ppt/slides/slide24.xml><?xml version="1.0" encoding="utf-8"?>
 <p:sld xmlns:a="http://schemas.openxmlformats.org/drawingml/2006/main" xmlns:r="http://schemas.openxmlformats.org/officeDocument/2006/relationships" xmlns:p="http://schemas.openxmlformats.org/presentationml/2006/main">
   <p:cSld>
     <p:spTree>
@@ -17350,7 +18142,7 @@
             <a:fld id="{2BF067CD-8E6B-4360-9AA8-C5DF2A48A6D1}" type="slidenum">
               <a:rPr lang="en-US" noProof="0" smtClean="0"/>
               <a:pPr/>
-              <a:t>23</a:t>
+              <a:t>24</a:t>
             </a:fld>
             <a:endParaRPr lang="en-US" noProof="0" dirty="0"/>
           </a:p>
@@ -17448,7 +18240,7 @@
 </p:sld>
 </file>
 
-<file path=ppt/slides/slide24.xml><?xml version="1.0" encoding="utf-8"?>
+<file path=ppt/slides/slide25.xml><?xml version="1.0" encoding="utf-8"?>
 <p:sld xmlns:a="http://schemas.openxmlformats.org/drawingml/2006/main" xmlns:r="http://schemas.openxmlformats.org/officeDocument/2006/relationships" xmlns:p="http://schemas.openxmlformats.org/presentationml/2006/main">
   <p:cSld>
     <p:spTree>
@@ -18160,7 +18952,7 @@
             <a:fld id="{2BF067CD-8E6B-4360-9AA8-C5DF2A48A6D1}" type="slidenum">
               <a:rPr lang="en-US" noProof="0" smtClean="0"/>
               <a:pPr/>
-              <a:t>24</a:t>
+              <a:t>25</a:t>
             </a:fld>
             <a:endParaRPr lang="en-US" noProof="0" dirty="0"/>
           </a:p>
@@ -18511,7 +19303,7 @@
 </p:sld>
 </file>
 
-<file path=ppt/slides/slide25.xml><?xml version="1.0" encoding="utf-8"?>
+<file path=ppt/slides/slide26.xml><?xml version="1.0" encoding="utf-8"?>
 <p:sld xmlns:a="http://schemas.openxmlformats.org/drawingml/2006/main" xmlns:r="http://schemas.openxmlformats.org/officeDocument/2006/relationships" xmlns:p="http://schemas.openxmlformats.org/presentationml/2006/main">
   <p:cSld>
     <p:spTree>
@@ -18701,7 +19493,7 @@
 </p:sld>
 </file>
 
-<file path=ppt/slides/slide26.xml><?xml version="1.0" encoding="utf-8"?>
+<file path=ppt/slides/slide27.xml><?xml version="1.0" encoding="utf-8"?>
 <p:sld xmlns:a="http://schemas.openxmlformats.org/drawingml/2006/main" xmlns:r="http://schemas.openxmlformats.org/officeDocument/2006/relationships" xmlns:p="http://schemas.openxmlformats.org/presentationml/2006/main" show="0">
   <p:cSld>
     <p:spTree>
@@ -18754,7 +19546,7 @@
             <a:fld id="{2BF067CD-8E6B-4360-9AA8-C5DF2A48A6D1}" type="slidenum">
               <a:rPr lang="en-US" smtClean="0"/>
               <a:pPr/>
-              <a:t>26</a:t>
+              <a:t>27</a:t>
             </a:fld>
             <a:endParaRPr lang="en-US" dirty="0"/>
           </a:p>
@@ -20409,14 +21201,13 @@
               </a:ext>
             </a:extLst>
           </a:blip>
-          <a:stretch>
-            <a:fillRect/>
-          </a:stretch>
+          <a:srcRect/>
+          <a:stretch/>
         </p:blipFill>
         <p:spPr>
           <a:xfrm>
-            <a:off x="4521000" y="1809000"/>
-            <a:ext cx="3150000" cy="1832652"/>
+            <a:off x="4789771" y="1584000"/>
+            <a:ext cx="2612458" cy="2175147"/>
           </a:xfrm>
           <a:prstGeom prst="rect">
             <a:avLst/>
@@ -20519,7 +21310,7 @@
         <p:spPr>
           <a:xfrm>
             <a:off x="190402" y="1196125"/>
-            <a:ext cx="6940598" cy="5528766"/>
+            <a:ext cx="6220598" cy="5528766"/>
           </a:xfrm>
         </p:spPr>
         <p:txBody>
@@ -20707,14 +21498,13 @@
               </a:ext>
             </a:extLst>
           </a:blip>
-          <a:stretch>
-            <a:fillRect/>
-          </a:stretch>
+          <a:srcRect/>
+          <a:stretch/>
         </p:blipFill>
         <p:spPr>
           <a:xfrm>
-            <a:off x="6361209" y="1935508"/>
-            <a:ext cx="5562233" cy="4050000"/>
+            <a:off x="6096000" y="1449000"/>
+            <a:ext cx="5769881" cy="4804035"/>
           </a:xfrm>
           <a:prstGeom prst="rect">
             <a:avLst/>
@@ -20970,6 +21760,445 @@
               <a:rPr lang="en-US" smtClean="0"/>
               <a:pPr/>
               <a:t>8</a:t>
+            </a:fld>
+            <a:endParaRPr lang="en-US" dirty="0"/>
+          </a:p>
+        </p:txBody>
+      </p:sp>
+      <p:sp>
+        <p:nvSpPr>
+          <p:cNvPr id="7" name="Slide Body Text">
+            <a:extLst>
+              <a:ext uri="{FF2B5EF4-FFF2-40B4-BE49-F238E27FC236}">
+                <a16:creationId xmlns:a16="http://schemas.microsoft.com/office/drawing/2014/main" id="{320B2856-CE5E-4934-BD1C-1D81E68E529A}"/>
+              </a:ext>
+            </a:extLst>
+          </p:cNvPr>
+          <p:cNvSpPr>
+            <a:spLocks noGrp="1"/>
+          </p:cNvSpPr>
+          <p:nvPr>
+            <p:ph type="body" sz="quarter" idx="10"/>
+          </p:nvPr>
+        </p:nvSpPr>
+        <p:spPr>
+          <a:xfrm>
+            <a:off x="190402" y="1196125"/>
+            <a:ext cx="11800598" cy="5528766"/>
+          </a:xfrm>
+        </p:spPr>
+        <p:txBody>
+          <a:bodyPr>
+            <a:normAutofit/>
+          </a:bodyPr>
+          <a:lstStyle/>
+          <a:p>
+            <a:pPr>
+              <a:buClr>
+                <a:schemeClr val="tx1"/>
+              </a:buClr>
+            </a:pPr>
+            <a:r>
+              <a:rPr lang="bg-BG" sz="3400" dirty="0"/>
+              <a:t>Един от </a:t>
+            </a:r>
+            <a:r>
+              <a:rPr lang="bg-BG" sz="3400" b="1" dirty="0">
+                <a:solidFill>
+                  <a:schemeClr val="bg1"/>
+                </a:solidFill>
+              </a:rPr>
+              <a:t>най-ранните</a:t>
+            </a:r>
+            <a:r>
+              <a:rPr lang="bg-BG" sz="3400" b="1" dirty="0"/>
+              <a:t> </a:t>
+            </a:r>
+            <a:r>
+              <a:rPr lang="bg-BG" sz="3400" dirty="0"/>
+              <a:t>модели</a:t>
+            </a:r>
+            <a:r>
+              <a:rPr lang="bg-BG" sz="3400" b="1" dirty="0"/>
+              <a:t> </a:t>
+            </a:r>
+            <a:r>
+              <a:rPr lang="bg-BG" sz="3400" dirty="0"/>
+              <a:t>за разработка на </a:t>
+            </a:r>
+            <a:r>
+              <a:rPr lang="bg-BG" sz="3400" b="1" dirty="0"/>
+              <a:t>софтуерни продукти</a:t>
+            </a:r>
+          </a:p>
+          <a:p>
+            <a:pPr>
+              <a:buClr>
+                <a:schemeClr val="tx1"/>
+              </a:buClr>
+            </a:pPr>
+            <a:r>
+              <a:rPr lang="bg-BG" sz="3400" dirty="0"/>
+              <a:t>Следва </a:t>
+            </a:r>
+            <a:r>
+              <a:rPr lang="bg-BG" sz="3400" b="1" dirty="0"/>
+              <a:t>етапите</a:t>
+            </a:r>
+            <a:r>
+              <a:rPr lang="bg-BG" sz="3400" dirty="0"/>
+              <a:t> на </a:t>
+            </a:r>
+            <a:r>
+              <a:rPr lang="bg-BG" sz="3400" b="1" dirty="0">
+                <a:solidFill>
+                  <a:schemeClr val="bg1"/>
+                </a:solidFill>
+              </a:rPr>
+              <a:t>жизнения цикъл </a:t>
+            </a:r>
+            <a:r>
+              <a:rPr lang="bg-BG" sz="3400" dirty="0"/>
+              <a:t>на </a:t>
+            </a:r>
+            <a:r>
+              <a:rPr lang="bg-BG" sz="3400" b="1" dirty="0"/>
+              <a:t>софтуера</a:t>
+            </a:r>
+            <a:endParaRPr lang="en-US" sz="3400" b="1" dirty="0"/>
+          </a:p>
+          <a:p>
+            <a:pPr>
+              <a:buClr>
+                <a:schemeClr val="tx1"/>
+              </a:buClr>
+            </a:pPr>
+            <a:r>
+              <a:rPr lang="bg-BG" sz="3400" dirty="0"/>
+              <a:t>Всеки етап започва </a:t>
+            </a:r>
+            <a:r>
+              <a:rPr lang="bg-BG" sz="3400" b="1" dirty="0"/>
+              <a:t>след приключването </a:t>
+            </a:r>
+            <a:r>
+              <a:rPr lang="bg-BG" sz="3400" dirty="0"/>
+              <a:t>на </a:t>
+            </a:r>
+            <a:r>
+              <a:rPr lang="bg-BG" sz="3400" b="1" dirty="0"/>
+              <a:t>преходния</a:t>
+            </a:r>
+          </a:p>
+          <a:p>
+            <a:pPr>
+              <a:buClr>
+                <a:schemeClr val="tx1"/>
+              </a:buClr>
+            </a:pPr>
+            <a:r>
+              <a:rPr lang="bg-BG" sz="3400" dirty="0"/>
+              <a:t>Подходящ е за проекти с </a:t>
+            </a:r>
+            <a:r>
+              <a:rPr lang="bg-BG" sz="3400" b="1" dirty="0"/>
+              <a:t>фиксирани изисквания</a:t>
+            </a:r>
+          </a:p>
+        </p:txBody>
+      </p:sp>
+      <p:sp>
+        <p:nvSpPr>
+          <p:cNvPr id="4" name="Slide Title"/>
+          <p:cNvSpPr>
+            <a:spLocks noGrp="1"/>
+          </p:cNvSpPr>
+          <p:nvPr>
+            <p:ph type="title"/>
+          </p:nvPr>
+        </p:nvSpPr>
+        <p:spPr>
+          <a:xfrm>
+            <a:off x="190406" y="100750"/>
+            <a:ext cx="10270594" cy="882654"/>
+          </a:xfrm>
+        </p:spPr>
+        <p:txBody>
+          <a:bodyPr/>
+          <a:lstStyle/>
+          <a:p>
+            <a:r>
+              <a:rPr lang="en-US" dirty="0"/>
+              <a:t>Waterfall </a:t>
+            </a:r>
+            <a:r>
+              <a:rPr lang="bg-BG" dirty="0"/>
+              <a:t>модел </a:t>
+            </a:r>
+            <a:r>
+              <a:rPr lang="en-US" dirty="0"/>
+              <a:t>(</a:t>
+            </a:r>
+            <a:r>
+              <a:rPr lang="bg-BG" dirty="0"/>
+              <a:t>Каскаден модел</a:t>
+            </a:r>
+            <a:r>
+              <a:rPr lang="en-US" dirty="0"/>
+              <a:t>)</a:t>
+            </a:r>
+          </a:p>
+        </p:txBody>
+      </p:sp>
+    </p:spTree>
+    <p:extLst>
+      <p:ext uri="{BB962C8B-B14F-4D97-AF65-F5344CB8AC3E}">
+        <p14:creationId xmlns:p14="http://schemas.microsoft.com/office/powerpoint/2010/main" val="2500210218"/>
+      </p:ext>
+    </p:extLst>
+  </p:cSld>
+  <p:clrMapOvr>
+    <a:masterClrMapping/>
+  </p:clrMapOvr>
+  <mc:AlternateContent xmlns:mc="http://schemas.openxmlformats.org/markup-compatibility/2006">
+    <mc:Choice xmlns:p14="http://schemas.microsoft.com/office/powerpoint/2010/main" Requires="p14">
+      <p:transition spd="slow" p14:dur="2000" advClick="0" advTm="5000"/>
+    </mc:Choice>
+    <mc:Fallback>
+      <p:transition spd="slow" advClick="0" advTm="5000"/>
+    </mc:Fallback>
+  </mc:AlternateContent>
+  <p:timing>
+    <p:tnLst>
+      <p:par>
+        <p:cTn id="1" dur="indefinite" restart="never" nodeType="tmRoot">
+          <p:childTnLst>
+            <p:seq concurrent="1" nextAc="seek">
+              <p:cTn id="2" dur="indefinite" nodeType="mainSeq">
+                <p:childTnLst>
+                  <p:par>
+                    <p:cTn id="3" fill="hold">
+                      <p:stCondLst>
+                        <p:cond delay="indefinite"/>
+                      </p:stCondLst>
+                      <p:childTnLst>
+                        <p:par>
+                          <p:cTn id="4" fill="hold">
+                            <p:stCondLst>
+                              <p:cond delay="0"/>
+                            </p:stCondLst>
+                            <p:childTnLst>
+                              <p:par>
+                                <p:cTn id="5" presetID="1" presetClass="entr" presetSubtype="0" fill="hold" nodeType="clickEffect">
+                                  <p:stCondLst>
+                                    <p:cond delay="0"/>
+                                  </p:stCondLst>
+                                  <p:childTnLst>
+                                    <p:set>
+                                      <p:cBhvr>
+                                        <p:cTn id="6" dur="1" fill="hold">
+                                          <p:stCondLst>
+                                            <p:cond delay="0"/>
+                                          </p:stCondLst>
+                                        </p:cTn>
+                                        <p:tgtEl>
+                                          <p:spTgt spid="7">
+                                            <p:txEl>
+                                              <p:pRg st="1" end="1"/>
+                                            </p:txEl>
+                                          </p:spTgt>
+                                        </p:tgtEl>
+                                        <p:attrNameLst>
+                                          <p:attrName>style.visibility</p:attrName>
+                                        </p:attrNameLst>
+                                      </p:cBhvr>
+                                      <p:to>
+                                        <p:strVal val="visible"/>
+                                      </p:to>
+                                    </p:set>
+                                  </p:childTnLst>
+                                </p:cTn>
+                              </p:par>
+                            </p:childTnLst>
+                          </p:cTn>
+                        </p:par>
+                      </p:childTnLst>
+                    </p:cTn>
+                  </p:par>
+                  <p:par>
+                    <p:cTn id="7" fill="hold">
+                      <p:stCondLst>
+                        <p:cond delay="indefinite"/>
+                      </p:stCondLst>
+                      <p:childTnLst>
+                        <p:par>
+                          <p:cTn id="8" fill="hold">
+                            <p:stCondLst>
+                              <p:cond delay="0"/>
+                            </p:stCondLst>
+                            <p:childTnLst>
+                              <p:par>
+                                <p:cTn id="9" presetID="1" presetClass="entr" presetSubtype="0" fill="hold" nodeType="clickEffect">
+                                  <p:stCondLst>
+                                    <p:cond delay="0"/>
+                                  </p:stCondLst>
+                                  <p:childTnLst>
+                                    <p:set>
+                                      <p:cBhvr>
+                                        <p:cTn id="10" dur="1" fill="hold">
+                                          <p:stCondLst>
+                                            <p:cond delay="0"/>
+                                          </p:stCondLst>
+                                        </p:cTn>
+                                        <p:tgtEl>
+                                          <p:spTgt spid="7">
+                                            <p:txEl>
+                                              <p:pRg st="2" end="2"/>
+                                            </p:txEl>
+                                          </p:spTgt>
+                                        </p:tgtEl>
+                                        <p:attrNameLst>
+                                          <p:attrName>style.visibility</p:attrName>
+                                        </p:attrNameLst>
+                                      </p:cBhvr>
+                                      <p:to>
+                                        <p:strVal val="visible"/>
+                                      </p:to>
+                                    </p:set>
+                                  </p:childTnLst>
+                                </p:cTn>
+                              </p:par>
+                            </p:childTnLst>
+                          </p:cTn>
+                        </p:par>
+                      </p:childTnLst>
+                    </p:cTn>
+                  </p:par>
+                  <p:par>
+                    <p:cTn id="11" fill="hold">
+                      <p:stCondLst>
+                        <p:cond delay="indefinite"/>
+                      </p:stCondLst>
+                      <p:childTnLst>
+                        <p:par>
+                          <p:cTn id="12" fill="hold">
+                            <p:stCondLst>
+                              <p:cond delay="0"/>
+                            </p:stCondLst>
+                            <p:childTnLst>
+                              <p:par>
+                                <p:cTn id="13" presetID="1" presetClass="entr" presetSubtype="0" fill="hold" nodeType="clickEffect">
+                                  <p:stCondLst>
+                                    <p:cond delay="0"/>
+                                  </p:stCondLst>
+                                  <p:childTnLst>
+                                    <p:set>
+                                      <p:cBhvr>
+                                        <p:cTn id="14" dur="1" fill="hold">
+                                          <p:stCondLst>
+                                            <p:cond delay="0"/>
+                                          </p:stCondLst>
+                                        </p:cTn>
+                                        <p:tgtEl>
+                                          <p:spTgt spid="7">
+                                            <p:txEl>
+                                              <p:pRg st="3" end="3"/>
+                                            </p:txEl>
+                                          </p:spTgt>
+                                        </p:tgtEl>
+                                        <p:attrNameLst>
+                                          <p:attrName>style.visibility</p:attrName>
+                                        </p:attrNameLst>
+                                      </p:cBhvr>
+                                      <p:to>
+                                        <p:strVal val="visible"/>
+                                      </p:to>
+                                    </p:set>
+                                  </p:childTnLst>
+                                </p:cTn>
+                              </p:par>
+                            </p:childTnLst>
+                          </p:cTn>
+                        </p:par>
+                      </p:childTnLst>
+                    </p:cTn>
+                  </p:par>
+                </p:childTnLst>
+              </p:cTn>
+              <p:prevCondLst>
+                <p:cond evt="onPrev" delay="0">
+                  <p:tgtEl>
+                    <p:sldTgt/>
+                  </p:tgtEl>
+                </p:cond>
+              </p:prevCondLst>
+              <p:nextCondLst>
+                <p:cond evt="onNext" delay="0">
+                  <p:tgtEl>
+                    <p:sldTgt/>
+                  </p:tgtEl>
+                </p:cond>
+              </p:nextCondLst>
+            </p:seq>
+          </p:childTnLst>
+        </p:cTn>
+      </p:par>
+    </p:tnLst>
+  </p:timing>
+</p:sld>
+</file>
+
+<file path=ppt/slides/slide9.xml><?xml version="1.0" encoding="utf-8"?>
+<p:sld xmlns:a="http://schemas.openxmlformats.org/drawingml/2006/main" xmlns:r="http://schemas.openxmlformats.org/officeDocument/2006/relationships" xmlns:p="http://schemas.openxmlformats.org/presentationml/2006/main">
+  <p:cSld>
+    <p:spTree>
+      <p:nvGrpSpPr>
+        <p:cNvPr id="1" name=""/>
+        <p:cNvGrpSpPr/>
+        <p:nvPr/>
+      </p:nvGrpSpPr>
+      <p:grpSpPr>
+        <a:xfrm>
+          <a:off x="0" y="0"/>
+          <a:ext cx="0" cy="0"/>
+          <a:chOff x="0" y="0"/>
+          <a:chExt cx="0" cy="0"/>
+        </a:xfrm>
+      </p:grpSpPr>
+      <p:sp>
+        <p:nvSpPr>
+          <p:cNvPr id="9" name="Slide Number">
+            <a:extLst>
+              <a:ext uri="{FF2B5EF4-FFF2-40B4-BE49-F238E27FC236}">
+                <a16:creationId xmlns:a16="http://schemas.microsoft.com/office/drawing/2014/main" id="{8891F045-A272-4231-985A-53063F832AC8}"/>
+              </a:ext>
+            </a:extLst>
+          </p:cNvPr>
+          <p:cNvSpPr>
+            <a:spLocks noGrp="1"/>
+          </p:cNvSpPr>
+          <p:nvPr>
+            <p:ph type="sldNum" sz="quarter" idx="5"/>
+          </p:nvPr>
+        </p:nvSpPr>
+        <p:spPr>
+          <a:xfrm>
+            <a:off x="11753030" y="6507000"/>
+            <a:ext cx="367414" cy="297000"/>
+          </a:xfrm>
+        </p:spPr>
+        <p:txBody>
+          <a:bodyPr vert="horz" lIns="91440" tIns="45720" rIns="91440" bIns="45720" rtlCol="0" anchor="b"/>
+          <a:lstStyle>
+            <a:lvl1pPr algn="r">
+              <a:defRPr sz="1000"/>
+            </a:lvl1pPr>
+          </a:lstStyle>
+          <a:p>
+            <a:fld id="{2BF067CD-8E6B-4360-9AA8-C5DF2A48A6D1}" type="slidenum">
+              <a:rPr lang="en-US" smtClean="0"/>
+              <a:pPr/>
+              <a:t>9</a:t>
             </a:fld>
             <a:endParaRPr lang="en-US" dirty="0"/>
           </a:p>
@@ -21469,566 +22698,6 @@
                                         </p:cTn>
                                         <p:tgtEl>
                                           <p:spTgt spid="7">
-                                            <p:txEl>
-                                              <p:pRg st="5" end="5"/>
-                                            </p:txEl>
-                                          </p:spTgt>
-                                        </p:tgtEl>
-                                        <p:attrNameLst>
-                                          <p:attrName>style.visibility</p:attrName>
-                                        </p:attrNameLst>
-                                      </p:cBhvr>
-                                      <p:to>
-                                        <p:strVal val="visible"/>
-                                      </p:to>
-                                    </p:set>
-                                  </p:childTnLst>
-                                </p:cTn>
-                              </p:par>
-                            </p:childTnLst>
-                          </p:cTn>
-                        </p:par>
-                      </p:childTnLst>
-                    </p:cTn>
-                  </p:par>
-                </p:childTnLst>
-              </p:cTn>
-              <p:prevCondLst>
-                <p:cond evt="onPrev" delay="0">
-                  <p:tgtEl>
-                    <p:sldTgt/>
-                  </p:tgtEl>
-                </p:cond>
-              </p:prevCondLst>
-              <p:nextCondLst>
-                <p:cond evt="onNext" delay="0">
-                  <p:tgtEl>
-                    <p:sldTgt/>
-                  </p:tgtEl>
-                </p:cond>
-              </p:nextCondLst>
-            </p:seq>
-          </p:childTnLst>
-        </p:cTn>
-      </p:par>
-    </p:tnLst>
-  </p:timing>
-</p:sld>
-</file>
-
-<file path=ppt/slides/slide9.xml><?xml version="1.0" encoding="utf-8"?>
-<p:sld xmlns:a="http://schemas.openxmlformats.org/drawingml/2006/main" xmlns:r="http://schemas.openxmlformats.org/officeDocument/2006/relationships" xmlns:p="http://schemas.openxmlformats.org/presentationml/2006/main">
-  <p:cSld>
-    <p:spTree>
-      <p:nvGrpSpPr>
-        <p:cNvPr id="1" name=""/>
-        <p:cNvGrpSpPr/>
-        <p:nvPr/>
-      </p:nvGrpSpPr>
-      <p:grpSpPr>
-        <a:xfrm>
-          <a:off x="0" y="0"/>
-          <a:ext cx="0" cy="0"/>
-          <a:chOff x="0" y="0"/>
-          <a:chExt cx="0" cy="0"/>
-        </a:xfrm>
-      </p:grpSpPr>
-      <p:sp>
-        <p:nvSpPr>
-          <p:cNvPr id="2" name="Slide Number Placeholder 1">
-            <a:extLst>
-              <a:ext uri="{FF2B5EF4-FFF2-40B4-BE49-F238E27FC236}">
-                <a16:creationId xmlns:a16="http://schemas.microsoft.com/office/drawing/2014/main" id="{506B2158-AD20-B89D-3B52-8E73F5398DE6}"/>
-              </a:ext>
-            </a:extLst>
-          </p:cNvPr>
-          <p:cNvSpPr>
-            <a:spLocks noGrp="1"/>
-          </p:cNvSpPr>
-          <p:nvPr>
-            <p:ph type="sldNum" sz="quarter" idx="5"/>
-          </p:nvPr>
-        </p:nvSpPr>
-        <p:spPr/>
-        <p:txBody>
-          <a:bodyPr/>
-          <a:lstStyle/>
-          <a:p>
-            <a:fld id="{2BF067CD-8E6B-4360-9AA8-C5DF2A48A6D1}" type="slidenum">
-              <a:rPr lang="en-US" noProof="0" smtClean="0"/>
-              <a:pPr/>
-              <a:t>9</a:t>
-            </a:fld>
-            <a:endParaRPr lang="en-US" noProof="0" dirty="0"/>
-          </a:p>
-        </p:txBody>
-      </p:sp>
-      <p:sp>
-        <p:nvSpPr>
-          <p:cNvPr id="3" name="Text Placeholder 2">
-            <a:extLst>
-              <a:ext uri="{FF2B5EF4-FFF2-40B4-BE49-F238E27FC236}">
-                <a16:creationId xmlns:a16="http://schemas.microsoft.com/office/drawing/2014/main" id="{EA6ED7D1-9209-79C9-75A9-DCEBE42B25B3}"/>
-              </a:ext>
-            </a:extLst>
-          </p:cNvPr>
-          <p:cNvSpPr>
-            <a:spLocks noGrp="1"/>
-          </p:cNvSpPr>
-          <p:nvPr>
-            <p:ph type="body" sz="quarter" idx="10"/>
-          </p:nvPr>
-        </p:nvSpPr>
-        <p:spPr/>
-        <p:txBody>
-          <a:bodyPr/>
-          <a:lstStyle/>
-          <a:p>
-            <a:pPr>
-              <a:buClr>
-                <a:schemeClr val="tx1"/>
-              </a:buClr>
-            </a:pPr>
-            <a:r>
-              <a:rPr lang="bg-BG" sz="3400" b="1" dirty="0">
-                <a:solidFill>
-                  <a:schemeClr val="bg1"/>
-                </a:solidFill>
-              </a:rPr>
-              <a:t>Разработване</a:t>
-            </a:r>
-            <a:r>
-              <a:rPr lang="en-US" sz="3400" b="1" dirty="0"/>
-              <a:t> (Execution/Development)</a:t>
-            </a:r>
-          </a:p>
-          <a:p>
-            <a:pPr lvl="1"/>
-            <a:r>
-              <a:rPr lang="bg-BG" sz="3200" dirty="0"/>
-              <a:t>Изпълнява се </a:t>
-            </a:r>
-            <a:r>
-              <a:rPr lang="bg-BG" sz="3200" b="1" dirty="0">
-                <a:solidFill>
-                  <a:schemeClr val="bg1"/>
-                </a:solidFill>
-              </a:rPr>
-              <a:t>разработката</a:t>
-            </a:r>
-            <a:r>
-              <a:rPr lang="bg-BG" sz="3200" dirty="0"/>
-              <a:t>, </a:t>
-            </a:r>
-            <a:r>
-              <a:rPr lang="bg-BG" sz="3200" b="1" dirty="0">
-                <a:solidFill>
-                  <a:schemeClr val="bg1"/>
-                </a:solidFill>
-              </a:rPr>
-              <a:t>тестването</a:t>
-            </a:r>
-            <a:r>
-              <a:rPr lang="bg-BG" sz="3200" dirty="0"/>
-              <a:t> и </a:t>
-            </a:r>
-            <a:r>
-              <a:rPr lang="bg-BG" sz="3200" b="1" dirty="0">
-                <a:solidFill>
-                  <a:schemeClr val="bg1"/>
-                </a:solidFill>
-              </a:rPr>
-              <a:t>интеграцията</a:t>
-            </a:r>
-          </a:p>
-          <a:p>
-            <a:pPr lvl="1"/>
-            <a:r>
-              <a:rPr lang="bg-BG" sz="3200" b="1" dirty="0"/>
-              <a:t>Пример</a:t>
-            </a:r>
-            <a:r>
-              <a:rPr lang="en-US" sz="3200" b="1" dirty="0"/>
-              <a:t>: </a:t>
-            </a:r>
-            <a:r>
-              <a:rPr lang="bg-BG" sz="3200" dirty="0"/>
-              <a:t>Екипът от разработчици програмира системата, следвайки техническите спецификации</a:t>
-            </a:r>
-          </a:p>
-          <a:p>
-            <a:pPr>
-              <a:buClr>
-                <a:schemeClr val="tx1"/>
-              </a:buClr>
-            </a:pPr>
-            <a:r>
-              <a:rPr lang="bg-BG" sz="3400" b="1" dirty="0">
-                <a:solidFill>
-                  <a:schemeClr val="bg1"/>
-                </a:solidFill>
-              </a:rPr>
-              <a:t>Приключване</a:t>
-            </a:r>
-            <a:r>
-              <a:rPr lang="bg-BG" sz="3400" b="1" dirty="0"/>
-              <a:t> </a:t>
-            </a:r>
-            <a:r>
-              <a:rPr lang="en-US" sz="3400" b="1" dirty="0"/>
-              <a:t>(Closure)</a:t>
-            </a:r>
-          </a:p>
-          <a:p>
-            <a:pPr lvl="1"/>
-            <a:r>
-              <a:rPr lang="bg-BG" sz="3200" b="1" dirty="0">
-                <a:solidFill>
-                  <a:schemeClr val="bg1"/>
-                </a:solidFill>
-              </a:rPr>
-              <a:t>Финализиране</a:t>
-            </a:r>
-            <a:r>
-              <a:rPr lang="bg-BG" sz="3200" dirty="0"/>
-              <a:t> и </a:t>
-            </a:r>
-            <a:r>
-              <a:rPr lang="bg-BG" sz="3200" b="1" dirty="0">
-                <a:solidFill>
-                  <a:schemeClr val="bg1"/>
-                </a:solidFill>
-              </a:rPr>
-              <a:t>предаване</a:t>
-            </a:r>
-            <a:r>
-              <a:rPr lang="bg-BG" sz="3200" dirty="0"/>
-              <a:t> на </a:t>
-            </a:r>
-            <a:r>
-              <a:rPr lang="bg-BG" sz="3200" b="1" dirty="0"/>
-              <a:t>продукта</a:t>
-            </a:r>
-            <a:r>
-              <a:rPr lang="bg-BG" sz="3200" dirty="0"/>
-              <a:t> на </a:t>
-            </a:r>
-            <a:r>
-              <a:rPr lang="bg-BG" sz="3200" b="1" dirty="0"/>
-              <a:t>клиента</a:t>
-            </a:r>
-          </a:p>
-          <a:p>
-            <a:pPr lvl="1"/>
-            <a:r>
-              <a:rPr lang="bg-BG" sz="3200" b="1" dirty="0"/>
-              <a:t>Пример:</a:t>
-            </a:r>
-            <a:r>
-              <a:rPr lang="en-US" sz="3200" b="1" dirty="0"/>
-              <a:t> </a:t>
-            </a:r>
-            <a:r>
-              <a:rPr lang="bg-BG" sz="3200" dirty="0"/>
-              <a:t>Софтуерът е завършен, клиентът го одобрява и преминава към поддръжка</a:t>
-            </a:r>
-            <a:endParaRPr lang="bg-BG" sz="3000" dirty="0"/>
-          </a:p>
-          <a:p>
-            <a:endParaRPr lang="en-BG" dirty="0"/>
-          </a:p>
-        </p:txBody>
-      </p:sp>
-      <p:sp>
-        <p:nvSpPr>
-          <p:cNvPr id="4" name="Title 3">
-            <a:extLst>
-              <a:ext uri="{FF2B5EF4-FFF2-40B4-BE49-F238E27FC236}">
-                <a16:creationId xmlns:a16="http://schemas.microsoft.com/office/drawing/2014/main" id="{36C3D8D5-C5AD-152C-A473-FF36BDC2F938}"/>
-              </a:ext>
-            </a:extLst>
-          </p:cNvPr>
-          <p:cNvSpPr>
-            <a:spLocks noGrp="1"/>
-          </p:cNvSpPr>
-          <p:nvPr>
-            <p:ph type="title"/>
-          </p:nvPr>
-        </p:nvSpPr>
-        <p:spPr/>
-        <p:txBody>
-          <a:bodyPr/>
-          <a:lstStyle/>
-          <a:p>
-            <a:r>
-              <a:rPr lang="bg-BG" dirty="0"/>
-              <a:t>Етапи на </a:t>
-            </a:r>
-            <a:r>
-              <a:rPr lang="en-US" dirty="0"/>
-              <a:t>Waterfall </a:t>
-            </a:r>
-            <a:r>
-              <a:rPr lang="bg-BG" dirty="0"/>
-              <a:t>модела </a:t>
-            </a:r>
-            <a:r>
-              <a:rPr lang="en-US" dirty="0"/>
-              <a:t>(2)</a:t>
-            </a:r>
-            <a:endParaRPr lang="en-BG" dirty="0"/>
-          </a:p>
-        </p:txBody>
-      </p:sp>
-    </p:spTree>
-    <p:extLst>
-      <p:ext uri="{BB962C8B-B14F-4D97-AF65-F5344CB8AC3E}">
-        <p14:creationId xmlns:p14="http://schemas.microsoft.com/office/powerpoint/2010/main" val="2262443910"/>
-      </p:ext>
-    </p:extLst>
-  </p:cSld>
-  <p:clrMapOvr>
-    <a:masterClrMapping/>
-  </p:clrMapOvr>
-  <mc:AlternateContent xmlns:mc="http://schemas.openxmlformats.org/markup-compatibility/2006" xmlns:p14="http://schemas.microsoft.com/office/powerpoint/2010/main">
-    <mc:Choice Requires="p14">
-      <p:transition spd="slow" p14:dur="2000" advClick="0" advTm="5000"/>
-    </mc:Choice>
-    <mc:Fallback xmlns="">
-      <p:transition spd="slow" advClick="0" advTm="5000"/>
-    </mc:Fallback>
-  </mc:AlternateContent>
-  <p:timing>
-    <p:tnLst>
-      <p:par>
-        <p:cTn id="1" dur="indefinite" restart="never" nodeType="tmRoot">
-          <p:childTnLst>
-            <p:seq concurrent="1" nextAc="seek">
-              <p:cTn id="2" dur="indefinite" nodeType="mainSeq">
-                <p:childTnLst>
-                  <p:par>
-                    <p:cTn id="3" fill="hold">
-                      <p:stCondLst>
-                        <p:cond delay="indefinite"/>
-                      </p:stCondLst>
-                      <p:childTnLst>
-                        <p:par>
-                          <p:cTn id="4" fill="hold">
-                            <p:stCondLst>
-                              <p:cond delay="0"/>
-                            </p:stCondLst>
-                            <p:childTnLst>
-                              <p:par>
-                                <p:cTn id="5" presetID="1" presetClass="entr" presetSubtype="0" fill="hold" nodeType="clickEffect">
-                                  <p:stCondLst>
-                                    <p:cond delay="0"/>
-                                  </p:stCondLst>
-                                  <p:childTnLst>
-                                    <p:set>
-                                      <p:cBhvr>
-                                        <p:cTn id="6" dur="1" fill="hold">
-                                          <p:stCondLst>
-                                            <p:cond delay="0"/>
-                                          </p:stCondLst>
-                                        </p:cTn>
-                                        <p:tgtEl>
-                                          <p:spTgt spid="3">
-                                            <p:txEl>
-                                              <p:pRg st="1" end="1"/>
-                                            </p:txEl>
-                                          </p:spTgt>
-                                        </p:tgtEl>
-                                        <p:attrNameLst>
-                                          <p:attrName>style.visibility</p:attrName>
-                                        </p:attrNameLst>
-                                      </p:cBhvr>
-                                      <p:to>
-                                        <p:strVal val="visible"/>
-                                      </p:to>
-                                    </p:set>
-                                  </p:childTnLst>
-                                </p:cTn>
-                              </p:par>
-                            </p:childTnLst>
-                          </p:cTn>
-                        </p:par>
-                      </p:childTnLst>
-                    </p:cTn>
-                  </p:par>
-                  <p:par>
-                    <p:cTn id="7" fill="hold">
-                      <p:stCondLst>
-                        <p:cond delay="indefinite"/>
-                      </p:stCondLst>
-                      <p:childTnLst>
-                        <p:par>
-                          <p:cTn id="8" fill="hold">
-                            <p:stCondLst>
-                              <p:cond delay="0"/>
-                            </p:stCondLst>
-                            <p:childTnLst>
-                              <p:par>
-                                <p:cTn id="9" presetID="1" presetClass="entr" presetSubtype="0" fill="hold" nodeType="clickEffect">
-                                  <p:stCondLst>
-                                    <p:cond delay="0"/>
-                                  </p:stCondLst>
-                                  <p:childTnLst>
-                                    <p:set>
-                                      <p:cBhvr>
-                                        <p:cTn id="10" dur="1" fill="hold">
-                                          <p:stCondLst>
-                                            <p:cond delay="0"/>
-                                          </p:stCondLst>
-                                        </p:cTn>
-                                        <p:tgtEl>
-                                          <p:spTgt spid="3">
-                                            <p:txEl>
-                                              <p:pRg st="2" end="2"/>
-                                            </p:txEl>
-                                          </p:spTgt>
-                                        </p:tgtEl>
-                                        <p:attrNameLst>
-                                          <p:attrName>style.visibility</p:attrName>
-                                        </p:attrNameLst>
-                                      </p:cBhvr>
-                                      <p:to>
-                                        <p:strVal val="visible"/>
-                                      </p:to>
-                                    </p:set>
-                                  </p:childTnLst>
-                                </p:cTn>
-                              </p:par>
-                            </p:childTnLst>
-                          </p:cTn>
-                        </p:par>
-                      </p:childTnLst>
-                    </p:cTn>
-                  </p:par>
-                  <p:par>
-                    <p:cTn id="11" fill="hold">
-                      <p:stCondLst>
-                        <p:cond delay="indefinite"/>
-                      </p:stCondLst>
-                      <p:childTnLst>
-                        <p:par>
-                          <p:cTn id="12" fill="hold">
-                            <p:stCondLst>
-                              <p:cond delay="0"/>
-                            </p:stCondLst>
-                            <p:childTnLst>
-                              <p:par>
-                                <p:cTn id="13" presetID="1" presetClass="entr" presetSubtype="0" fill="hold" nodeType="clickEffect">
-                                  <p:stCondLst>
-                                    <p:cond delay="0"/>
-                                  </p:stCondLst>
-                                  <p:childTnLst>
-                                    <p:set>
-                                      <p:cBhvr>
-                                        <p:cTn id="14" dur="1" fill="hold">
-                                          <p:stCondLst>
-                                            <p:cond delay="0"/>
-                                          </p:stCondLst>
-                                        </p:cTn>
-                                        <p:tgtEl>
-                                          <p:spTgt spid="3">
-                                            <p:txEl>
-                                              <p:pRg st="3" end="3"/>
-                                            </p:txEl>
-                                          </p:spTgt>
-                                        </p:tgtEl>
-                                        <p:attrNameLst>
-                                          <p:attrName>style.visibility</p:attrName>
-                                        </p:attrNameLst>
-                                      </p:cBhvr>
-                                      <p:to>
-                                        <p:strVal val="visible"/>
-                                      </p:to>
-                                    </p:set>
-                                  </p:childTnLst>
-                                </p:cTn>
-                              </p:par>
-                            </p:childTnLst>
-                          </p:cTn>
-                        </p:par>
-                      </p:childTnLst>
-                    </p:cTn>
-                  </p:par>
-                  <p:par>
-                    <p:cTn id="15" fill="hold">
-                      <p:stCondLst>
-                        <p:cond delay="indefinite"/>
-                      </p:stCondLst>
-                      <p:childTnLst>
-                        <p:par>
-                          <p:cTn id="16" fill="hold">
-                            <p:stCondLst>
-                              <p:cond delay="0"/>
-                            </p:stCondLst>
-                            <p:childTnLst>
-                              <p:par>
-                                <p:cTn id="17" presetID="1" presetClass="entr" presetSubtype="0" fill="hold" nodeType="clickEffect">
-                                  <p:stCondLst>
-                                    <p:cond delay="0"/>
-                                  </p:stCondLst>
-                                  <p:childTnLst>
-                                    <p:set>
-                                      <p:cBhvr>
-                                        <p:cTn id="18" dur="1" fill="hold">
-                                          <p:stCondLst>
-                                            <p:cond delay="0"/>
-                                          </p:stCondLst>
-                                        </p:cTn>
-                                        <p:tgtEl>
-                                          <p:spTgt spid="3">
-                                            <p:txEl>
-                                              <p:pRg st="4" end="4"/>
-                                            </p:txEl>
-                                          </p:spTgt>
-                                        </p:tgtEl>
-                                        <p:attrNameLst>
-                                          <p:attrName>style.visibility</p:attrName>
-                                        </p:attrNameLst>
-                                      </p:cBhvr>
-                                      <p:to>
-                                        <p:strVal val="visible"/>
-                                      </p:to>
-                                    </p:set>
-                                  </p:childTnLst>
-                                </p:cTn>
-                              </p:par>
-                            </p:childTnLst>
-                          </p:cTn>
-                        </p:par>
-                      </p:childTnLst>
-                    </p:cTn>
-                  </p:par>
-                  <p:par>
-                    <p:cTn id="19" fill="hold">
-                      <p:stCondLst>
-                        <p:cond delay="indefinite"/>
-                      </p:stCondLst>
-                      <p:childTnLst>
-                        <p:par>
-                          <p:cTn id="20" fill="hold">
-                            <p:stCondLst>
-                              <p:cond delay="0"/>
-                            </p:stCondLst>
-                            <p:childTnLst>
-                              <p:par>
-                                <p:cTn id="21" presetID="1" presetClass="entr" presetSubtype="0" fill="hold" nodeType="clickEffect">
-                                  <p:stCondLst>
-                                    <p:cond delay="0"/>
-                                  </p:stCondLst>
-                                  <p:childTnLst>
-                                    <p:set>
-                                      <p:cBhvr>
-                                        <p:cTn id="22" dur="1" fill="hold">
-                                          <p:stCondLst>
-                                            <p:cond delay="0"/>
-                                          </p:stCondLst>
-                                        </p:cTn>
-                                        <p:tgtEl>
-                                          <p:spTgt spid="3">
                                             <p:txEl>
                                               <p:pRg st="5" end="5"/>
                                             </p:txEl>

--- a/Courses/Software-Sciences/IT-Module-4-Problem-Solving-with-ICT/02-Sequential-Models/02-Sequential-Models.pptx
+++ b/Courses/Software-Sciences/IT-Module-4-Problem-Solving-with-ICT/02-Sequential-Models/02-Sequential-Models.pptx
@@ -5,10 +5,10 @@
     <p:sldMasterId id="2147483675" r:id="rId1"/>
   </p:sldMasterIdLst>
   <p:notesMasterIdLst>
-    <p:notesMasterId r:id="rId29"/>
+    <p:notesMasterId r:id="rId30"/>
   </p:notesMasterIdLst>
   <p:handoutMasterIdLst>
-    <p:handoutMasterId r:id="rId30"/>
+    <p:handoutMasterId r:id="rId31"/>
   </p:handoutMasterIdLst>
   <p:sldIdLst>
     <p:sldId id="503" r:id="rId2"/>
@@ -23,21 +23,22 @@
     <p:sldId id="641" r:id="rId11"/>
     <p:sldId id="637" r:id="rId12"/>
     <p:sldId id="642" r:id="rId13"/>
-    <p:sldId id="638" r:id="rId14"/>
-    <p:sldId id="639" r:id="rId15"/>
-    <p:sldId id="652" r:id="rId16"/>
-    <p:sldId id="640" r:id="rId17"/>
-    <p:sldId id="649" r:id="rId18"/>
-    <p:sldId id="643" r:id="rId19"/>
-    <p:sldId id="650" r:id="rId20"/>
-    <p:sldId id="644" r:id="rId21"/>
-    <p:sldId id="651" r:id="rId22"/>
-    <p:sldId id="645" r:id="rId23"/>
-    <p:sldId id="647" r:id="rId24"/>
-    <p:sldId id="648" r:id="rId25"/>
-    <p:sldId id="633" r:id="rId26"/>
-    <p:sldId id="504" r:id="rId27"/>
-    <p:sldId id="505" r:id="rId28"/>
+    <p:sldId id="761" r:id="rId14"/>
+    <p:sldId id="638" r:id="rId15"/>
+    <p:sldId id="639" r:id="rId16"/>
+    <p:sldId id="652" r:id="rId17"/>
+    <p:sldId id="640" r:id="rId18"/>
+    <p:sldId id="649" r:id="rId19"/>
+    <p:sldId id="643" r:id="rId20"/>
+    <p:sldId id="650" r:id="rId21"/>
+    <p:sldId id="644" r:id="rId22"/>
+    <p:sldId id="651" r:id="rId23"/>
+    <p:sldId id="645" r:id="rId24"/>
+    <p:sldId id="647" r:id="rId25"/>
+    <p:sldId id="648" r:id="rId26"/>
+    <p:sldId id="633" r:id="rId27"/>
+    <p:sldId id="504" r:id="rId28"/>
+    <p:sldId id="505" r:id="rId29"/>
   </p:sldIdLst>
   <p:sldSz cx="12192000" cy="6858000"/>
   <p:notesSz cx="6858000" cy="9144000"/>
@@ -161,6 +162,7 @@
             <p14:sldId id="641"/>
             <p14:sldId id="637"/>
             <p14:sldId id="642"/>
+            <p14:sldId id="761"/>
             <p14:sldId id="638"/>
           </p14:sldIdLst>
         </p14:section>
@@ -328,7 +330,7 @@
           <a:p>
             <a:fld id="{4E087215-0C8F-4762-A664-737A353EC9A4}" type="datetimeFigureOut">
               <a:rPr lang="bg-BG" smtClean="0"/>
-              <a:t>28.06.25 г.</a:t>
+              <a:t>2.09.25 г.</a:t>
             </a:fld>
             <a:endParaRPr lang="bg-BG"/>
           </a:p>
@@ -524,7 +526,7 @@
           <a:p>
             <a:fld id="{72D84649-876A-46C9-8472-14CB09C070D8}" type="datetimeFigureOut">
               <a:rPr lang="en-US" smtClean="0"/>
-              <a:t>6/28/25</a:t>
+              <a:t>9/2/25</a:t>
             </a:fld>
             <a:endParaRPr lang="en-US"/>
           </a:p>
@@ -1584,7 +1586,7 @@
             <a:fld id="{3EBA5BD7-F043-4D1B-AA17-CD412FC534DE}" type="slidenum">
               <a:rPr lang="en-US" smtClean="0"/>
               <a:pPr/>
-              <a:t>13</a:t>
+              <a:t>14</a:t>
             </a:fld>
             <a:endParaRPr lang="en-US" dirty="0"/>
           </a:p>
@@ -1814,7 +1816,7 @@
             <a:fld id="{3EBA5BD7-F043-4D1B-AA17-CD412FC534DE}" type="slidenum">
               <a:rPr lang="en-US" smtClean="0"/>
               <a:pPr/>
-              <a:t>14</a:t>
+              <a:t>15</a:t>
             </a:fld>
             <a:endParaRPr lang="en-US" dirty="0"/>
           </a:p>
@@ -2044,7 +2046,7 @@
             <a:fld id="{3EBA5BD7-F043-4D1B-AA17-CD412FC534DE}" type="slidenum">
               <a:rPr lang="en-US" smtClean="0"/>
               <a:pPr/>
-              <a:t>15</a:t>
+              <a:t>16</a:t>
             </a:fld>
             <a:endParaRPr lang="en-US" dirty="0"/>
           </a:p>
@@ -2274,7 +2276,7 @@
             <a:fld id="{3EBA5BD7-F043-4D1B-AA17-CD412FC534DE}" type="slidenum">
               <a:rPr lang="en-US" smtClean="0"/>
               <a:pPr/>
-              <a:t>16</a:t>
+              <a:t>17</a:t>
             </a:fld>
             <a:endParaRPr lang="en-US" dirty="0"/>
           </a:p>
@@ -2504,7 +2506,7 @@
             <a:fld id="{3EBA5BD7-F043-4D1B-AA17-CD412FC534DE}" type="slidenum">
               <a:rPr lang="en-US" smtClean="0"/>
               <a:pPr/>
-              <a:t>25</a:t>
+              <a:t>26</a:t>
             </a:fld>
             <a:endParaRPr lang="en-US" dirty="0"/>
           </a:p>
@@ -2750,7 +2752,7 @@
             <a:fld id="{3EBA5BD7-F043-4D1B-AA17-CD412FC534DE}" type="slidenum">
               <a:rPr lang="en-US" smtClean="0"/>
               <a:pPr/>
-              <a:t>26</a:t>
+              <a:t>27</a:t>
             </a:fld>
             <a:endParaRPr lang="en-US" dirty="0"/>
           </a:p>
@@ -2980,7 +2982,7 @@
             <a:fld id="{3EBA5BD7-F043-4D1B-AA17-CD412FC534DE}" type="slidenum">
               <a:rPr lang="en-US" smtClean="0"/>
               <a:pPr/>
-              <a:t>27</a:t>
+              <a:t>28</a:t>
             </a:fld>
             <a:endParaRPr lang="en-US" dirty="0"/>
           </a:p>
@@ -11841,6 +11843,726 @@
       </p:grpSpPr>
       <p:sp>
         <p:nvSpPr>
+          <p:cNvPr id="2" name="Slide Number Placeholder 1">
+            <a:extLst>
+              <a:ext uri="{FF2B5EF4-FFF2-40B4-BE49-F238E27FC236}">
+                <a16:creationId xmlns:a16="http://schemas.microsoft.com/office/drawing/2014/main" id="{CCAABC86-82E0-F099-701A-D4347B605385}"/>
+              </a:ext>
+            </a:extLst>
+          </p:cNvPr>
+          <p:cNvSpPr>
+            <a:spLocks noGrp="1"/>
+          </p:cNvSpPr>
+          <p:nvPr>
+            <p:ph type="sldNum" sz="quarter" idx="5"/>
+          </p:nvPr>
+        </p:nvSpPr>
+        <p:spPr/>
+        <p:txBody>
+          <a:bodyPr/>
+          <a:lstStyle/>
+          <a:p>
+            <a:fld id="{2BF067CD-8E6B-4360-9AA8-C5DF2A48A6D1}" type="slidenum">
+              <a:rPr lang="en-US" noProof="0" smtClean="0"/>
+              <a:pPr/>
+              <a:t>13</a:t>
+            </a:fld>
+            <a:endParaRPr lang="en-US" noProof="0" dirty="0"/>
+          </a:p>
+        </p:txBody>
+      </p:sp>
+      <p:sp>
+        <p:nvSpPr>
+          <p:cNvPr id="4" name="Title 3">
+            <a:extLst>
+              <a:ext uri="{FF2B5EF4-FFF2-40B4-BE49-F238E27FC236}">
+                <a16:creationId xmlns:a16="http://schemas.microsoft.com/office/drawing/2014/main" id="{67B6A643-676D-3506-B008-B24B36AA34F1}"/>
+              </a:ext>
+            </a:extLst>
+          </p:cNvPr>
+          <p:cNvSpPr>
+            <a:spLocks noGrp="1"/>
+          </p:cNvSpPr>
+          <p:nvPr>
+            <p:ph type="title"/>
+          </p:nvPr>
+        </p:nvSpPr>
+        <p:spPr/>
+        <p:txBody>
+          <a:bodyPr>
+            <a:normAutofit fontScale="90000"/>
+          </a:bodyPr>
+          <a:lstStyle/>
+          <a:p>
+            <a:r>
+              <a:rPr lang="bg-BG" dirty="0"/>
+              <a:t>Роли в екипа по етапите на жизнения цикъл на ИС </a:t>
+            </a:r>
+            <a:endParaRPr lang="en-BG" dirty="0"/>
+          </a:p>
+        </p:txBody>
+      </p:sp>
+      <p:sp>
+        <p:nvSpPr>
+          <p:cNvPr id="7" name="Text Placeholder 6">
+            <a:extLst>
+              <a:ext uri="{FF2B5EF4-FFF2-40B4-BE49-F238E27FC236}">
+                <a16:creationId xmlns:a16="http://schemas.microsoft.com/office/drawing/2014/main" id="{FBFEFCDD-E454-D1E7-D67F-EE67BB2A7ACE}"/>
+              </a:ext>
+            </a:extLst>
+          </p:cNvPr>
+          <p:cNvSpPr>
+            <a:spLocks noGrp="1"/>
+          </p:cNvSpPr>
+          <p:nvPr>
+            <p:ph type="body" sz="quarter" idx="10"/>
+          </p:nvPr>
+        </p:nvSpPr>
+        <p:spPr/>
+        <p:txBody>
+          <a:bodyPr>
+            <a:normAutofit fontScale="92500" lnSpcReduction="20000"/>
+          </a:bodyPr>
+          <a:lstStyle/>
+          <a:p>
+            <a:r>
+              <a:rPr lang="bg-BG" sz="3200" b="1" dirty="0">
+                <a:solidFill>
+                  <a:schemeClr val="bg1"/>
+                </a:solidFill>
+              </a:rPr>
+              <a:t>Събиране и анализ на изисквания</a:t>
+            </a:r>
+          </a:p>
+          <a:p>
+            <a:pPr lvl="1"/>
+            <a:r>
+              <a:rPr lang="bg-BG" sz="3000" b="1" dirty="0"/>
+              <a:t>Бизнес анализатор </a:t>
+            </a:r>
+            <a:r>
+              <a:rPr lang="en-US" sz="3000" dirty="0"/>
+              <a:t>(Business Analyst)</a:t>
+            </a:r>
+            <a:endParaRPr lang="bg-BG" sz="3000" dirty="0"/>
+          </a:p>
+          <a:p>
+            <a:r>
+              <a:rPr lang="bg-BG" sz="3200" b="1" dirty="0">
+                <a:solidFill>
+                  <a:schemeClr val="bg1"/>
+                </a:solidFill>
+              </a:rPr>
+              <a:t>Проектиране</a:t>
+            </a:r>
+          </a:p>
+          <a:p>
+            <a:pPr lvl="1"/>
+            <a:r>
+              <a:rPr lang="bg-BG" sz="3000" b="1" dirty="0"/>
+              <a:t>Софтуерен архитект </a:t>
+            </a:r>
+            <a:r>
+              <a:rPr lang="en-US" sz="3000" dirty="0"/>
+              <a:t>(Software Architect)</a:t>
+            </a:r>
+          </a:p>
+          <a:p>
+            <a:r>
+              <a:rPr lang="bg-BG" sz="3200" b="1" dirty="0">
+                <a:solidFill>
+                  <a:schemeClr val="bg1"/>
+                </a:solidFill>
+              </a:rPr>
+              <a:t>Имплементация</a:t>
+            </a:r>
+          </a:p>
+          <a:p>
+            <a:pPr lvl="1"/>
+            <a:r>
+              <a:rPr lang="bg-BG" sz="3000" b="1" dirty="0"/>
+              <a:t>Софтуерен разработчик </a:t>
+            </a:r>
+            <a:r>
+              <a:rPr lang="en-US" sz="3000" dirty="0"/>
+              <a:t>(Software Developer)</a:t>
+            </a:r>
+          </a:p>
+          <a:p>
+            <a:r>
+              <a:rPr lang="bg-BG" sz="3200" b="1" dirty="0">
+                <a:solidFill>
+                  <a:schemeClr val="bg1"/>
+                </a:solidFill>
+              </a:rPr>
+              <a:t>Тестване</a:t>
+            </a:r>
+          </a:p>
+          <a:p>
+            <a:pPr lvl="1"/>
+            <a:r>
+              <a:rPr lang="bg-BG" sz="3000" b="1" dirty="0"/>
+              <a:t>Тест инженер </a:t>
+            </a:r>
+            <a:r>
+              <a:rPr lang="en-US" sz="3000" dirty="0"/>
+              <a:t>(QA Engineer)</a:t>
+            </a:r>
+            <a:endParaRPr lang="bg-BG" sz="3000" dirty="0"/>
+          </a:p>
+          <a:p>
+            <a:r>
+              <a:rPr lang="bg-BG" sz="3200" b="1" dirty="0">
+                <a:solidFill>
+                  <a:schemeClr val="bg1"/>
+                </a:solidFill>
+              </a:rPr>
+              <a:t>Внедряване и поддръжка</a:t>
+            </a:r>
+          </a:p>
+          <a:p>
+            <a:pPr lvl="1"/>
+            <a:r>
+              <a:rPr lang="en-GB" sz="3000" b="1" dirty="0"/>
+              <a:t>DevOps </a:t>
+            </a:r>
+            <a:r>
+              <a:rPr lang="bg-BG" sz="3000" b="1" dirty="0"/>
+              <a:t>инженер </a:t>
+            </a:r>
+            <a:r>
+              <a:rPr lang="bg-BG" sz="3000" dirty="0"/>
+              <a:t>(</a:t>
+            </a:r>
+            <a:r>
+              <a:rPr lang="en-GB" sz="3000" dirty="0"/>
+              <a:t>DevOps Engineer)</a:t>
+            </a:r>
+            <a:endParaRPr lang="bg-BG" sz="3000" dirty="0"/>
+          </a:p>
+          <a:p>
+            <a:pPr lvl="1"/>
+            <a:endParaRPr lang="bg-BG" sz="3000" dirty="0"/>
+          </a:p>
+          <a:p>
+            <a:pPr marL="442912" lvl="1" indent="0">
+              <a:buNone/>
+            </a:pPr>
+            <a:endParaRPr lang="en-BG" sz="3000" dirty="0"/>
+          </a:p>
+        </p:txBody>
+      </p:sp>
+    </p:spTree>
+    <p:extLst>
+      <p:ext uri="{BB962C8B-B14F-4D97-AF65-F5344CB8AC3E}">
+        <p14:creationId xmlns:p14="http://schemas.microsoft.com/office/powerpoint/2010/main" val="1330113325"/>
+      </p:ext>
+    </p:extLst>
+  </p:cSld>
+  <p:clrMapOvr>
+    <a:masterClrMapping/>
+  </p:clrMapOvr>
+  <mc:AlternateContent xmlns:mc="http://schemas.openxmlformats.org/markup-compatibility/2006" xmlns:p14="http://schemas.microsoft.com/office/powerpoint/2010/main">
+    <mc:Choice Requires="p14">
+      <p:transition spd="slow" p14:dur="2000" advClick="0" advTm="5000"/>
+    </mc:Choice>
+    <mc:Fallback xmlns="">
+      <p:transition spd="slow" advClick="0" advTm="5000"/>
+    </mc:Fallback>
+  </mc:AlternateContent>
+  <p:timing>
+    <p:tnLst>
+      <p:par>
+        <p:cTn id="1" dur="indefinite" restart="never" nodeType="tmRoot">
+          <p:childTnLst>
+            <p:seq concurrent="1" nextAc="seek">
+              <p:cTn id="2" dur="indefinite" nodeType="mainSeq">
+                <p:childTnLst>
+                  <p:par>
+                    <p:cTn id="3" fill="hold">
+                      <p:stCondLst>
+                        <p:cond delay="indefinite"/>
+                      </p:stCondLst>
+                      <p:childTnLst>
+                        <p:par>
+                          <p:cTn id="4" fill="hold">
+                            <p:stCondLst>
+                              <p:cond delay="0"/>
+                            </p:stCondLst>
+                            <p:childTnLst>
+                              <p:par>
+                                <p:cTn id="5" presetID="1" presetClass="entr" presetSubtype="0" fill="hold" nodeType="clickEffect">
+                                  <p:stCondLst>
+                                    <p:cond delay="0"/>
+                                  </p:stCondLst>
+                                  <p:childTnLst>
+                                    <p:set>
+                                      <p:cBhvr>
+                                        <p:cTn id="6" dur="1" fill="hold">
+                                          <p:stCondLst>
+                                            <p:cond delay="0"/>
+                                          </p:stCondLst>
+                                        </p:cTn>
+                                        <p:tgtEl>
+                                          <p:spTgt spid="7">
+                                            <p:txEl>
+                                              <p:pRg st="1" end="1"/>
+                                            </p:txEl>
+                                          </p:spTgt>
+                                        </p:tgtEl>
+                                        <p:attrNameLst>
+                                          <p:attrName>style.visibility</p:attrName>
+                                        </p:attrNameLst>
+                                      </p:cBhvr>
+                                      <p:to>
+                                        <p:strVal val="visible"/>
+                                      </p:to>
+                                    </p:set>
+                                  </p:childTnLst>
+                                </p:cTn>
+                              </p:par>
+                            </p:childTnLst>
+                          </p:cTn>
+                        </p:par>
+                      </p:childTnLst>
+                    </p:cTn>
+                  </p:par>
+                  <p:par>
+                    <p:cTn id="7" fill="hold">
+                      <p:stCondLst>
+                        <p:cond delay="indefinite"/>
+                      </p:stCondLst>
+                      <p:childTnLst>
+                        <p:par>
+                          <p:cTn id="8" fill="hold">
+                            <p:stCondLst>
+                              <p:cond delay="0"/>
+                            </p:stCondLst>
+                            <p:childTnLst>
+                              <p:par>
+                                <p:cTn id="9" presetID="1" presetClass="entr" presetSubtype="0" fill="hold" nodeType="clickEffect">
+                                  <p:stCondLst>
+                                    <p:cond delay="0"/>
+                                  </p:stCondLst>
+                                  <p:childTnLst>
+                                    <p:set>
+                                      <p:cBhvr>
+                                        <p:cTn id="10" dur="1" fill="hold">
+                                          <p:stCondLst>
+                                            <p:cond delay="0"/>
+                                          </p:stCondLst>
+                                        </p:cTn>
+                                        <p:tgtEl>
+                                          <p:spTgt spid="7">
+                                            <p:txEl>
+                                              <p:pRg st="2" end="2"/>
+                                            </p:txEl>
+                                          </p:spTgt>
+                                        </p:tgtEl>
+                                        <p:attrNameLst>
+                                          <p:attrName>style.visibility</p:attrName>
+                                        </p:attrNameLst>
+                                      </p:cBhvr>
+                                      <p:to>
+                                        <p:strVal val="visible"/>
+                                      </p:to>
+                                    </p:set>
+                                  </p:childTnLst>
+                                </p:cTn>
+                              </p:par>
+                            </p:childTnLst>
+                          </p:cTn>
+                        </p:par>
+                      </p:childTnLst>
+                    </p:cTn>
+                  </p:par>
+                  <p:par>
+                    <p:cTn id="11" fill="hold">
+                      <p:stCondLst>
+                        <p:cond delay="indefinite"/>
+                      </p:stCondLst>
+                      <p:childTnLst>
+                        <p:par>
+                          <p:cTn id="12" fill="hold">
+                            <p:stCondLst>
+                              <p:cond delay="0"/>
+                            </p:stCondLst>
+                            <p:childTnLst>
+                              <p:par>
+                                <p:cTn id="13" presetID="1" presetClass="entr" presetSubtype="0" fill="hold" nodeType="clickEffect">
+                                  <p:stCondLst>
+                                    <p:cond delay="0"/>
+                                  </p:stCondLst>
+                                  <p:childTnLst>
+                                    <p:set>
+                                      <p:cBhvr>
+                                        <p:cTn id="14" dur="1" fill="hold">
+                                          <p:stCondLst>
+                                            <p:cond delay="0"/>
+                                          </p:stCondLst>
+                                        </p:cTn>
+                                        <p:tgtEl>
+                                          <p:spTgt spid="7">
+                                            <p:txEl>
+                                              <p:pRg st="3" end="3"/>
+                                            </p:txEl>
+                                          </p:spTgt>
+                                        </p:tgtEl>
+                                        <p:attrNameLst>
+                                          <p:attrName>style.visibility</p:attrName>
+                                        </p:attrNameLst>
+                                      </p:cBhvr>
+                                      <p:to>
+                                        <p:strVal val="visible"/>
+                                      </p:to>
+                                    </p:set>
+                                  </p:childTnLst>
+                                </p:cTn>
+                              </p:par>
+                            </p:childTnLst>
+                          </p:cTn>
+                        </p:par>
+                      </p:childTnLst>
+                    </p:cTn>
+                  </p:par>
+                  <p:par>
+                    <p:cTn id="15" fill="hold">
+                      <p:stCondLst>
+                        <p:cond delay="indefinite"/>
+                      </p:stCondLst>
+                      <p:childTnLst>
+                        <p:par>
+                          <p:cTn id="16" fill="hold">
+                            <p:stCondLst>
+                              <p:cond delay="0"/>
+                            </p:stCondLst>
+                            <p:childTnLst>
+                              <p:par>
+                                <p:cTn id="17" presetID="1" presetClass="entr" presetSubtype="0" fill="hold" nodeType="clickEffect">
+                                  <p:stCondLst>
+                                    <p:cond delay="0"/>
+                                  </p:stCondLst>
+                                  <p:childTnLst>
+                                    <p:set>
+                                      <p:cBhvr>
+                                        <p:cTn id="18" dur="1" fill="hold">
+                                          <p:stCondLst>
+                                            <p:cond delay="0"/>
+                                          </p:stCondLst>
+                                        </p:cTn>
+                                        <p:tgtEl>
+                                          <p:spTgt spid="7">
+                                            <p:txEl>
+                                              <p:pRg st="4" end="4"/>
+                                            </p:txEl>
+                                          </p:spTgt>
+                                        </p:tgtEl>
+                                        <p:attrNameLst>
+                                          <p:attrName>style.visibility</p:attrName>
+                                        </p:attrNameLst>
+                                      </p:cBhvr>
+                                      <p:to>
+                                        <p:strVal val="visible"/>
+                                      </p:to>
+                                    </p:set>
+                                  </p:childTnLst>
+                                </p:cTn>
+                              </p:par>
+                            </p:childTnLst>
+                          </p:cTn>
+                        </p:par>
+                      </p:childTnLst>
+                    </p:cTn>
+                  </p:par>
+                  <p:par>
+                    <p:cTn id="19" fill="hold">
+                      <p:stCondLst>
+                        <p:cond delay="indefinite"/>
+                      </p:stCondLst>
+                      <p:childTnLst>
+                        <p:par>
+                          <p:cTn id="20" fill="hold">
+                            <p:stCondLst>
+                              <p:cond delay="0"/>
+                            </p:stCondLst>
+                            <p:childTnLst>
+                              <p:par>
+                                <p:cTn id="21" presetID="1" presetClass="entr" presetSubtype="0" fill="hold" nodeType="clickEffect">
+                                  <p:stCondLst>
+                                    <p:cond delay="0"/>
+                                  </p:stCondLst>
+                                  <p:childTnLst>
+                                    <p:set>
+                                      <p:cBhvr>
+                                        <p:cTn id="22" dur="1" fill="hold">
+                                          <p:stCondLst>
+                                            <p:cond delay="0"/>
+                                          </p:stCondLst>
+                                        </p:cTn>
+                                        <p:tgtEl>
+                                          <p:spTgt spid="7">
+                                            <p:txEl>
+                                              <p:pRg st="5" end="5"/>
+                                            </p:txEl>
+                                          </p:spTgt>
+                                        </p:tgtEl>
+                                        <p:attrNameLst>
+                                          <p:attrName>style.visibility</p:attrName>
+                                        </p:attrNameLst>
+                                      </p:cBhvr>
+                                      <p:to>
+                                        <p:strVal val="visible"/>
+                                      </p:to>
+                                    </p:set>
+                                  </p:childTnLst>
+                                </p:cTn>
+                              </p:par>
+                            </p:childTnLst>
+                          </p:cTn>
+                        </p:par>
+                      </p:childTnLst>
+                    </p:cTn>
+                  </p:par>
+                  <p:par>
+                    <p:cTn id="23" fill="hold">
+                      <p:stCondLst>
+                        <p:cond delay="indefinite"/>
+                      </p:stCondLst>
+                      <p:childTnLst>
+                        <p:par>
+                          <p:cTn id="24" fill="hold">
+                            <p:stCondLst>
+                              <p:cond delay="0"/>
+                            </p:stCondLst>
+                            <p:childTnLst>
+                              <p:par>
+                                <p:cTn id="25" presetID="1" presetClass="entr" presetSubtype="0" fill="hold" nodeType="clickEffect">
+                                  <p:stCondLst>
+                                    <p:cond delay="0"/>
+                                  </p:stCondLst>
+                                  <p:childTnLst>
+                                    <p:set>
+                                      <p:cBhvr>
+                                        <p:cTn id="26" dur="1" fill="hold">
+                                          <p:stCondLst>
+                                            <p:cond delay="0"/>
+                                          </p:stCondLst>
+                                        </p:cTn>
+                                        <p:tgtEl>
+                                          <p:spTgt spid="7">
+                                            <p:txEl>
+                                              <p:pRg st="6" end="6"/>
+                                            </p:txEl>
+                                          </p:spTgt>
+                                        </p:tgtEl>
+                                        <p:attrNameLst>
+                                          <p:attrName>style.visibility</p:attrName>
+                                        </p:attrNameLst>
+                                      </p:cBhvr>
+                                      <p:to>
+                                        <p:strVal val="visible"/>
+                                      </p:to>
+                                    </p:set>
+                                  </p:childTnLst>
+                                </p:cTn>
+                              </p:par>
+                            </p:childTnLst>
+                          </p:cTn>
+                        </p:par>
+                      </p:childTnLst>
+                    </p:cTn>
+                  </p:par>
+                  <p:par>
+                    <p:cTn id="27" fill="hold">
+                      <p:stCondLst>
+                        <p:cond delay="indefinite"/>
+                      </p:stCondLst>
+                      <p:childTnLst>
+                        <p:par>
+                          <p:cTn id="28" fill="hold">
+                            <p:stCondLst>
+                              <p:cond delay="0"/>
+                            </p:stCondLst>
+                            <p:childTnLst>
+                              <p:par>
+                                <p:cTn id="29" presetID="1" presetClass="entr" presetSubtype="0" fill="hold" nodeType="clickEffect">
+                                  <p:stCondLst>
+                                    <p:cond delay="0"/>
+                                  </p:stCondLst>
+                                  <p:childTnLst>
+                                    <p:set>
+                                      <p:cBhvr>
+                                        <p:cTn id="30" dur="1" fill="hold">
+                                          <p:stCondLst>
+                                            <p:cond delay="0"/>
+                                          </p:stCondLst>
+                                        </p:cTn>
+                                        <p:tgtEl>
+                                          <p:spTgt spid="7">
+                                            <p:txEl>
+                                              <p:pRg st="7" end="7"/>
+                                            </p:txEl>
+                                          </p:spTgt>
+                                        </p:tgtEl>
+                                        <p:attrNameLst>
+                                          <p:attrName>style.visibility</p:attrName>
+                                        </p:attrNameLst>
+                                      </p:cBhvr>
+                                      <p:to>
+                                        <p:strVal val="visible"/>
+                                      </p:to>
+                                    </p:set>
+                                  </p:childTnLst>
+                                </p:cTn>
+                              </p:par>
+                            </p:childTnLst>
+                          </p:cTn>
+                        </p:par>
+                      </p:childTnLst>
+                    </p:cTn>
+                  </p:par>
+                  <p:par>
+                    <p:cTn id="31" fill="hold">
+                      <p:stCondLst>
+                        <p:cond delay="indefinite"/>
+                      </p:stCondLst>
+                      <p:childTnLst>
+                        <p:par>
+                          <p:cTn id="32" fill="hold">
+                            <p:stCondLst>
+                              <p:cond delay="0"/>
+                            </p:stCondLst>
+                            <p:childTnLst>
+                              <p:par>
+                                <p:cTn id="33" presetID="1" presetClass="entr" presetSubtype="0" fill="hold" nodeType="clickEffect">
+                                  <p:stCondLst>
+                                    <p:cond delay="0"/>
+                                  </p:stCondLst>
+                                  <p:childTnLst>
+                                    <p:set>
+                                      <p:cBhvr>
+                                        <p:cTn id="34" dur="1" fill="hold">
+                                          <p:stCondLst>
+                                            <p:cond delay="0"/>
+                                          </p:stCondLst>
+                                        </p:cTn>
+                                        <p:tgtEl>
+                                          <p:spTgt spid="7">
+                                            <p:txEl>
+                                              <p:pRg st="8" end="8"/>
+                                            </p:txEl>
+                                          </p:spTgt>
+                                        </p:tgtEl>
+                                        <p:attrNameLst>
+                                          <p:attrName>style.visibility</p:attrName>
+                                        </p:attrNameLst>
+                                      </p:cBhvr>
+                                      <p:to>
+                                        <p:strVal val="visible"/>
+                                      </p:to>
+                                    </p:set>
+                                  </p:childTnLst>
+                                </p:cTn>
+                              </p:par>
+                            </p:childTnLst>
+                          </p:cTn>
+                        </p:par>
+                      </p:childTnLst>
+                    </p:cTn>
+                  </p:par>
+                  <p:par>
+                    <p:cTn id="35" fill="hold">
+                      <p:stCondLst>
+                        <p:cond delay="indefinite"/>
+                      </p:stCondLst>
+                      <p:childTnLst>
+                        <p:par>
+                          <p:cTn id="36" fill="hold">
+                            <p:stCondLst>
+                              <p:cond delay="0"/>
+                            </p:stCondLst>
+                            <p:childTnLst>
+                              <p:par>
+                                <p:cTn id="37" presetID="1" presetClass="entr" presetSubtype="0" fill="hold" nodeType="clickEffect">
+                                  <p:stCondLst>
+                                    <p:cond delay="0"/>
+                                  </p:stCondLst>
+                                  <p:childTnLst>
+                                    <p:set>
+                                      <p:cBhvr>
+                                        <p:cTn id="38" dur="1" fill="hold">
+                                          <p:stCondLst>
+                                            <p:cond delay="0"/>
+                                          </p:stCondLst>
+                                        </p:cTn>
+                                        <p:tgtEl>
+                                          <p:spTgt spid="7">
+                                            <p:txEl>
+                                              <p:pRg st="9" end="9"/>
+                                            </p:txEl>
+                                          </p:spTgt>
+                                        </p:tgtEl>
+                                        <p:attrNameLst>
+                                          <p:attrName>style.visibility</p:attrName>
+                                        </p:attrNameLst>
+                                      </p:cBhvr>
+                                      <p:to>
+                                        <p:strVal val="visible"/>
+                                      </p:to>
+                                    </p:set>
+                                  </p:childTnLst>
+                                </p:cTn>
+                              </p:par>
+                            </p:childTnLst>
+                          </p:cTn>
+                        </p:par>
+                      </p:childTnLst>
+                    </p:cTn>
+                  </p:par>
+                </p:childTnLst>
+              </p:cTn>
+              <p:prevCondLst>
+                <p:cond evt="onPrev" delay="0">
+                  <p:tgtEl>
+                    <p:sldTgt/>
+                  </p:tgtEl>
+                </p:cond>
+              </p:prevCondLst>
+              <p:nextCondLst>
+                <p:cond evt="onNext" delay="0">
+                  <p:tgtEl>
+                    <p:sldTgt/>
+                  </p:tgtEl>
+                </p:cond>
+              </p:nextCondLst>
+            </p:seq>
+          </p:childTnLst>
+        </p:cTn>
+      </p:par>
+    </p:tnLst>
+  </p:timing>
+</p:sld>
+</file>
+
+<file path=ppt/slides/slide14.xml><?xml version="1.0" encoding="utf-8"?>
+<p:sld xmlns:a="http://schemas.openxmlformats.org/drawingml/2006/main" xmlns:r="http://schemas.openxmlformats.org/officeDocument/2006/relationships" xmlns:p="http://schemas.openxmlformats.org/presentationml/2006/main">
+  <p:cSld>
+    <p:spTree>
+      <p:nvGrpSpPr>
+        <p:cNvPr id="1" name=""/>
+        <p:cNvGrpSpPr/>
+        <p:nvPr/>
+      </p:nvGrpSpPr>
+      <p:grpSpPr>
+        <a:xfrm>
+          <a:off x="0" y="0"/>
+          <a:ext cx="0" cy="0"/>
+          <a:chOff x="0" y="0"/>
+          <a:chExt cx="0" cy="0"/>
+        </a:xfrm>
+      </p:grpSpPr>
+      <p:sp>
+        <p:nvSpPr>
           <p:cNvPr id="9" name="Slide Number">
             <a:extLst>
               <a:ext uri="{FF2B5EF4-FFF2-40B4-BE49-F238E27FC236}">
@@ -11867,7 +12589,7 @@
             <a:fld id="{2BF067CD-8E6B-4360-9AA8-C5DF2A48A6D1}" type="slidenum">
               <a:rPr lang="en-US" smtClean="0"/>
               <a:pPr/>
-              <a:t>13</a:t>
+              <a:t>14</a:t>
             </a:fld>
             <a:endParaRPr lang="en-US" dirty="0"/>
           </a:p>
@@ -12497,7 +13219,7 @@
 </p:sld>
 </file>
 
-<file path=ppt/slides/slide14.xml><?xml version="1.0" encoding="utf-8"?>
+<file path=ppt/slides/slide15.xml><?xml version="1.0" encoding="utf-8"?>
 <p:sld xmlns:a="http://schemas.openxmlformats.org/drawingml/2006/main" xmlns:r="http://schemas.openxmlformats.org/officeDocument/2006/relationships" xmlns:p="http://schemas.openxmlformats.org/presentationml/2006/main">
   <p:cSld>
     <p:spTree>
@@ -12647,7 +13369,7 @@
 </p:sld>
 </file>
 
-<file path=ppt/slides/slide15.xml><?xml version="1.0" encoding="utf-8"?>
+<file path=ppt/slides/slide16.xml><?xml version="1.0" encoding="utf-8"?>
 <p:sld xmlns:a="http://schemas.openxmlformats.org/drawingml/2006/main" xmlns:r="http://schemas.openxmlformats.org/officeDocument/2006/relationships" xmlns:p="http://schemas.openxmlformats.org/presentationml/2006/main">
   <p:cSld>
     <p:spTree>
@@ -12697,7 +13419,7 @@
             <a:fld id="{2BF067CD-8E6B-4360-9AA8-C5DF2A48A6D1}" type="slidenum">
               <a:rPr lang="en-US" smtClean="0"/>
               <a:pPr/>
-              <a:t>15</a:t>
+              <a:t>16</a:t>
             </a:fld>
             <a:endParaRPr lang="en-US" dirty="0"/>
           </a:p>
@@ -13295,7 +14017,7 @@
 </p:sld>
 </file>
 
-<file path=ppt/slides/slide16.xml><?xml version="1.0" encoding="utf-8"?>
+<file path=ppt/slides/slide17.xml><?xml version="1.0" encoding="utf-8"?>
 <p:sld xmlns:a="http://schemas.openxmlformats.org/drawingml/2006/main" xmlns:r="http://schemas.openxmlformats.org/officeDocument/2006/relationships" xmlns:p="http://schemas.openxmlformats.org/presentationml/2006/main">
   <p:cSld>
     <p:spTree>
@@ -13345,7 +14067,7 @@
             <a:fld id="{2BF067CD-8E6B-4360-9AA8-C5DF2A48A6D1}" type="slidenum">
               <a:rPr lang="en-US" smtClean="0"/>
               <a:pPr/>
-              <a:t>16</a:t>
+              <a:t>17</a:t>
             </a:fld>
             <a:endParaRPr lang="en-US" dirty="0"/>
           </a:p>
@@ -13607,7 +14329,7 @@
 </p:sld>
 </file>
 
-<file path=ppt/slides/slide17.xml><?xml version="1.0" encoding="utf-8"?>
+<file path=ppt/slides/slide18.xml><?xml version="1.0" encoding="utf-8"?>
 <p:sld xmlns:a="http://schemas.openxmlformats.org/drawingml/2006/main" xmlns:r="http://schemas.openxmlformats.org/officeDocument/2006/relationships" xmlns:p="http://schemas.openxmlformats.org/presentationml/2006/main">
   <p:cSld>
     <p:spTree>
@@ -13648,7 +14370,7 @@
             <a:fld id="{2BF067CD-8E6B-4360-9AA8-C5DF2A48A6D1}" type="slidenum">
               <a:rPr lang="en-US" noProof="0" smtClean="0"/>
               <a:pPr/>
-              <a:t>17</a:t>
+              <a:t>18</a:t>
             </a:fld>
             <a:endParaRPr lang="en-US" noProof="0" dirty="0"/>
           </a:p>
@@ -14176,7 +14898,7 @@
 </p:sld>
 </file>
 
-<file path=ppt/slides/slide18.xml><?xml version="1.0" encoding="utf-8"?>
+<file path=ppt/slides/slide19.xml><?xml version="1.0" encoding="utf-8"?>
 <p:sld xmlns:a="http://schemas.openxmlformats.org/drawingml/2006/main" xmlns:r="http://schemas.openxmlformats.org/officeDocument/2006/relationships" xmlns:p="http://schemas.openxmlformats.org/presentationml/2006/main">
   <p:cSld>
     <p:spTree>
@@ -14217,7 +14939,7 @@
             <a:fld id="{2BF067CD-8E6B-4360-9AA8-C5DF2A48A6D1}" type="slidenum">
               <a:rPr lang="en-US" noProof="0" smtClean="0"/>
               <a:pPr/>
-              <a:t>18</a:t>
+              <a:t>19</a:t>
             </a:fld>
             <a:endParaRPr lang="en-US" noProof="0" dirty="0"/>
           </a:p>
@@ -14722,415 +15444,6 @@
     </p:tnLst>
     <p:bldLst>
       <p:bldP spid="9" grpId="0" animBg="1"/>
-    </p:bldLst>
-  </p:timing>
-</p:sld>
-</file>
-
-<file path=ppt/slides/slide19.xml><?xml version="1.0" encoding="utf-8"?>
-<p:sld xmlns:a="http://schemas.openxmlformats.org/drawingml/2006/main" xmlns:r="http://schemas.openxmlformats.org/officeDocument/2006/relationships" xmlns:p="http://schemas.openxmlformats.org/presentationml/2006/main">
-  <p:cSld>
-    <p:spTree>
-      <p:nvGrpSpPr>
-        <p:cNvPr id="1" name=""/>
-        <p:cNvGrpSpPr/>
-        <p:nvPr/>
-      </p:nvGrpSpPr>
-      <p:grpSpPr>
-        <a:xfrm>
-          <a:off x="0" y="0"/>
-          <a:ext cx="0" cy="0"/>
-          <a:chOff x="0" y="0"/>
-          <a:chExt cx="0" cy="0"/>
-        </a:xfrm>
-      </p:grpSpPr>
-      <p:sp>
-        <p:nvSpPr>
-          <p:cNvPr id="2" name="Slide Number Placeholder 1">
-            <a:extLst>
-              <a:ext uri="{FF2B5EF4-FFF2-40B4-BE49-F238E27FC236}">
-                <a16:creationId xmlns:a16="http://schemas.microsoft.com/office/drawing/2014/main" id="{EB88288B-96D1-3F7A-CB54-585DF773331B}"/>
-              </a:ext>
-            </a:extLst>
-          </p:cNvPr>
-          <p:cNvSpPr>
-            <a:spLocks noGrp="1"/>
-          </p:cNvSpPr>
-          <p:nvPr>
-            <p:ph type="sldNum" sz="quarter" idx="5"/>
-          </p:nvPr>
-        </p:nvSpPr>
-        <p:spPr/>
-        <p:txBody>
-          <a:bodyPr/>
-          <a:lstStyle/>
-          <a:p>
-            <a:fld id="{2BF067CD-8E6B-4360-9AA8-C5DF2A48A6D1}" type="slidenum">
-              <a:rPr lang="en-US" noProof="0" smtClean="0"/>
-              <a:pPr/>
-              <a:t>19</a:t>
-            </a:fld>
-            <a:endParaRPr lang="en-US" noProof="0" dirty="0"/>
-          </a:p>
-        </p:txBody>
-      </p:sp>
-      <p:sp>
-        <p:nvSpPr>
-          <p:cNvPr id="3" name="Text Placeholder 2">
-            <a:extLst>
-              <a:ext uri="{FF2B5EF4-FFF2-40B4-BE49-F238E27FC236}">
-                <a16:creationId xmlns:a16="http://schemas.microsoft.com/office/drawing/2014/main" id="{53E390B3-3061-012B-2061-2BC785C3B300}"/>
-              </a:ext>
-            </a:extLst>
-          </p:cNvPr>
-          <p:cNvSpPr>
-            <a:spLocks noGrp="1"/>
-          </p:cNvSpPr>
-          <p:nvPr>
-            <p:ph type="body" sz="quarter" idx="10"/>
-          </p:nvPr>
-        </p:nvSpPr>
-        <p:spPr/>
-        <p:txBody>
-          <a:bodyPr/>
-          <a:lstStyle/>
-          <a:p>
-            <a:r>
-              <a:rPr lang="bg-BG" dirty="0"/>
-              <a:t>Добавяме </a:t>
-            </a:r>
-            <a:r>
-              <a:rPr lang="bg-BG" b="1" dirty="0">
-                <a:solidFill>
-                  <a:schemeClr val="bg1"/>
-                </a:solidFill>
-              </a:rPr>
-              <a:t>имейлите</a:t>
-            </a:r>
-            <a:r>
-              <a:rPr lang="bg-BG" dirty="0"/>
-              <a:t> на хората, които ще са в </a:t>
-            </a:r>
-            <a:r>
-              <a:rPr lang="bg-BG" b="1" dirty="0"/>
-              <a:t>екипа ни</a:t>
-            </a:r>
-            <a:endParaRPr lang="en-BG" b="1" dirty="0"/>
-          </a:p>
-        </p:txBody>
-      </p:sp>
-      <p:sp>
-        <p:nvSpPr>
-          <p:cNvPr id="4" name="Title 3">
-            <a:extLst>
-              <a:ext uri="{FF2B5EF4-FFF2-40B4-BE49-F238E27FC236}">
-                <a16:creationId xmlns:a16="http://schemas.microsoft.com/office/drawing/2014/main" id="{5BCC80A8-F674-2190-4D59-8C27BDB6D083}"/>
-              </a:ext>
-            </a:extLst>
-          </p:cNvPr>
-          <p:cNvSpPr>
-            <a:spLocks noGrp="1"/>
-          </p:cNvSpPr>
-          <p:nvPr>
-            <p:ph type="title"/>
-          </p:nvPr>
-        </p:nvSpPr>
-        <p:spPr/>
-        <p:txBody>
-          <a:bodyPr/>
-          <a:lstStyle/>
-          <a:p>
-            <a:r>
-              <a:rPr lang="bg-BG" dirty="0"/>
-              <a:t>Създаване на проект в </a:t>
-            </a:r>
-            <a:r>
-              <a:rPr lang="en-US" dirty="0"/>
-              <a:t>Asana (3)</a:t>
-            </a:r>
-            <a:endParaRPr lang="en-BG" dirty="0"/>
-          </a:p>
-        </p:txBody>
-      </p:sp>
-      <p:pic>
-        <p:nvPicPr>
-          <p:cNvPr id="7" name="Picture 6">
-            <a:extLst>
-              <a:ext uri="{FF2B5EF4-FFF2-40B4-BE49-F238E27FC236}">
-                <a16:creationId xmlns:a16="http://schemas.microsoft.com/office/drawing/2014/main" id="{113F38EC-4B87-9695-21A8-FC871BC382CB}"/>
-              </a:ext>
-            </a:extLst>
-          </p:cNvPr>
-          <p:cNvPicPr>
-            <a:picLocks noChangeAspect="1"/>
-          </p:cNvPicPr>
-          <p:nvPr/>
-        </p:nvPicPr>
-        <p:blipFill>
-          <a:blip r:embed="rId2">
-            <a:extLst>
-              <a:ext uri="{28A0092B-C50C-407E-A947-70E740481C1C}">
-                <a14:useLocalDpi xmlns:a14="http://schemas.microsoft.com/office/drawing/2010/main" val="0"/>
-              </a:ext>
-            </a:extLst>
-          </a:blip>
-          <a:stretch>
-            <a:fillRect/>
-          </a:stretch>
-        </p:blipFill>
-        <p:spPr>
-          <a:xfrm>
-            <a:off x="291000" y="2010978"/>
-            <a:ext cx="3780000" cy="4445428"/>
-          </a:xfrm>
-          <a:prstGeom prst="rect">
-            <a:avLst/>
-          </a:prstGeom>
-          <a:ln>
-            <a:solidFill>
-              <a:schemeClr val="bg2">
-                <a:lumMod val="75000"/>
-              </a:schemeClr>
-            </a:solidFill>
-          </a:ln>
-        </p:spPr>
-      </p:pic>
-      <p:pic>
-        <p:nvPicPr>
-          <p:cNvPr id="10" name="Picture 9">
-            <a:extLst>
-              <a:ext uri="{FF2B5EF4-FFF2-40B4-BE49-F238E27FC236}">
-                <a16:creationId xmlns:a16="http://schemas.microsoft.com/office/drawing/2014/main" id="{093C8CB5-BAF0-23F9-1B76-C1DA73186DAF}"/>
-              </a:ext>
-            </a:extLst>
-          </p:cNvPr>
-          <p:cNvPicPr>
-            <a:picLocks noChangeAspect="1"/>
-          </p:cNvPicPr>
-          <p:nvPr/>
-        </p:nvPicPr>
-        <p:blipFill>
-          <a:blip r:embed="rId3">
-            <a:extLst>
-              <a:ext uri="{28A0092B-C50C-407E-A947-70E740481C1C}">
-                <a14:useLocalDpi xmlns:a14="http://schemas.microsoft.com/office/drawing/2010/main" val="0"/>
-              </a:ext>
-            </a:extLst>
-          </a:blip>
-          <a:stretch>
-            <a:fillRect/>
-          </a:stretch>
-        </p:blipFill>
-        <p:spPr>
-          <a:xfrm>
-            <a:off x="5058051" y="2968384"/>
-            <a:ext cx="6950447" cy="2530616"/>
-          </a:xfrm>
-          <a:prstGeom prst="rect">
-            <a:avLst/>
-          </a:prstGeom>
-          <a:ln>
-            <a:solidFill>
-              <a:schemeClr val="bg2">
-                <a:lumMod val="75000"/>
-              </a:schemeClr>
-            </a:solidFill>
-          </a:ln>
-        </p:spPr>
-      </p:pic>
-      <p:sp>
-        <p:nvSpPr>
-          <p:cNvPr id="11" name="Arrow: Right 10">
-            <a:extLst>
-              <a:ext uri="{FF2B5EF4-FFF2-40B4-BE49-F238E27FC236}">
-                <a16:creationId xmlns:a16="http://schemas.microsoft.com/office/drawing/2014/main" id="{76904110-4122-9B2A-4D37-0B6F1A519A75}"/>
-              </a:ext>
-            </a:extLst>
-          </p:cNvPr>
-          <p:cNvSpPr/>
-          <p:nvPr/>
-        </p:nvSpPr>
-        <p:spPr>
-          <a:xfrm>
-            <a:off x="4085937" y="3960508"/>
-            <a:ext cx="1024441" cy="698928"/>
-          </a:xfrm>
-          <a:prstGeom prst="rightArrow">
-            <a:avLst/>
-          </a:prstGeom>
-          <a:solidFill>
-            <a:schemeClr val="tx1"/>
-          </a:solidFill>
-          <a:ln>
-            <a:solidFill>
-              <a:schemeClr val="tx1"/>
-            </a:solidFill>
-          </a:ln>
-        </p:spPr>
-        <p:style>
-          <a:lnRef idx="2">
-            <a:schemeClr val="accent1">
-              <a:shade val="50000"/>
-            </a:schemeClr>
-          </a:lnRef>
-          <a:fillRef idx="1">
-            <a:schemeClr val="accent1"/>
-          </a:fillRef>
-          <a:effectRef idx="0">
-            <a:schemeClr val="accent1"/>
-          </a:effectRef>
-          <a:fontRef idx="minor">
-            <a:schemeClr val="lt1"/>
-          </a:fontRef>
-        </p:style>
-        <p:txBody>
-          <a:bodyPr rtlCol="0" anchor="ctr"/>
-          <a:lstStyle/>
-          <a:p>
-            <a:pPr algn="ctr"/>
-            <a:endParaRPr lang="en-US" sz="2799"/>
-          </a:p>
-        </p:txBody>
-      </p:sp>
-    </p:spTree>
-    <p:extLst>
-      <p:ext uri="{BB962C8B-B14F-4D97-AF65-F5344CB8AC3E}">
-        <p14:creationId xmlns:p14="http://schemas.microsoft.com/office/powerpoint/2010/main" val="3400329019"/>
-      </p:ext>
-    </p:extLst>
-  </p:cSld>
-  <p:clrMapOvr>
-    <a:masterClrMapping/>
-  </p:clrMapOvr>
-  <mc:AlternateContent xmlns:mc="http://schemas.openxmlformats.org/markup-compatibility/2006" xmlns:p14="http://schemas.microsoft.com/office/powerpoint/2010/main">
-    <mc:Choice Requires="p14">
-      <p:transition spd="slow" p14:dur="2000" advClick="0" advTm="5000"/>
-    </mc:Choice>
-    <mc:Fallback xmlns="">
-      <p:transition spd="slow" advClick="0" advTm="5000"/>
-    </mc:Fallback>
-  </mc:AlternateContent>
-  <p:timing>
-    <p:tnLst>
-      <p:par>
-        <p:cTn id="1" dur="indefinite" restart="never" nodeType="tmRoot">
-          <p:childTnLst>
-            <p:seq concurrent="1" nextAc="seek">
-              <p:cTn id="2" dur="indefinite" nodeType="mainSeq">
-                <p:childTnLst>
-                  <p:par>
-                    <p:cTn id="3" fill="hold">
-                      <p:stCondLst>
-                        <p:cond delay="indefinite"/>
-                      </p:stCondLst>
-                      <p:childTnLst>
-                        <p:par>
-                          <p:cTn id="4" fill="hold">
-                            <p:stCondLst>
-                              <p:cond delay="0"/>
-                            </p:stCondLst>
-                            <p:childTnLst>
-                              <p:par>
-                                <p:cTn id="5" presetID="1" presetClass="entr" presetSubtype="0" fill="hold" grpId="0" nodeType="clickEffect">
-                                  <p:stCondLst>
-                                    <p:cond delay="0"/>
-                                  </p:stCondLst>
-                                  <p:childTnLst>
-                                    <p:set>
-                                      <p:cBhvr>
-                                        <p:cTn id="6" dur="1" fill="hold">
-                                          <p:stCondLst>
-                                            <p:cond delay="0"/>
-                                          </p:stCondLst>
-                                        </p:cTn>
-                                        <p:tgtEl>
-                                          <p:spTgt spid="11"/>
-                                        </p:tgtEl>
-                                        <p:attrNameLst>
-                                          <p:attrName>style.visibility</p:attrName>
-                                        </p:attrNameLst>
-                                      </p:cBhvr>
-                                      <p:to>
-                                        <p:strVal val="visible"/>
-                                      </p:to>
-                                    </p:set>
-                                  </p:childTnLst>
-                                </p:cTn>
-                              </p:par>
-                            </p:childTnLst>
-                          </p:cTn>
-                        </p:par>
-                      </p:childTnLst>
-                    </p:cTn>
-                  </p:par>
-                  <p:par>
-                    <p:cTn id="7" fill="hold">
-                      <p:stCondLst>
-                        <p:cond delay="indefinite"/>
-                      </p:stCondLst>
-                      <p:childTnLst>
-                        <p:par>
-                          <p:cTn id="8" fill="hold">
-                            <p:stCondLst>
-                              <p:cond delay="0"/>
-                            </p:stCondLst>
-                            <p:childTnLst>
-                              <p:par>
-                                <p:cTn id="9" presetID="1" presetClass="entr" presetSubtype="0" fill="hold" nodeType="clickEffect">
-                                  <p:stCondLst>
-                                    <p:cond delay="0"/>
-                                  </p:stCondLst>
-                                  <p:childTnLst>
-                                    <p:set>
-                                      <p:cBhvr>
-                                        <p:cTn id="10" dur="1" fill="hold">
-                                          <p:stCondLst>
-                                            <p:cond delay="0"/>
-                                          </p:stCondLst>
-                                        </p:cTn>
-                                        <p:tgtEl>
-                                          <p:spTgt spid="10"/>
-                                        </p:tgtEl>
-                                        <p:attrNameLst>
-                                          <p:attrName>style.visibility</p:attrName>
-                                        </p:attrNameLst>
-                                      </p:cBhvr>
-                                      <p:to>
-                                        <p:strVal val="visible"/>
-                                      </p:to>
-                                    </p:set>
-                                  </p:childTnLst>
-                                </p:cTn>
-                              </p:par>
-                            </p:childTnLst>
-                          </p:cTn>
-                        </p:par>
-                      </p:childTnLst>
-                    </p:cTn>
-                  </p:par>
-                </p:childTnLst>
-              </p:cTn>
-              <p:prevCondLst>
-                <p:cond evt="onPrev" delay="0">
-                  <p:tgtEl>
-                    <p:sldTgt/>
-                  </p:tgtEl>
-                </p:cond>
-              </p:prevCondLst>
-              <p:nextCondLst>
-                <p:cond evt="onNext" delay="0">
-                  <p:tgtEl>
-                    <p:sldTgt/>
-                  </p:tgtEl>
-                </p:cond>
-              </p:nextCondLst>
-            </p:seq>
-          </p:childTnLst>
-        </p:cTn>
-      </p:par>
-    </p:tnLst>
-    <p:bldLst>
-      <p:bldP spid="11" grpId="0" animBg="1"/>
     </p:bldLst>
   </p:timing>
 </p:sld>
@@ -15760,7 +16073,7 @@
           <p:cNvPr id="2" name="Slide Number Placeholder 1">
             <a:extLst>
               <a:ext uri="{FF2B5EF4-FFF2-40B4-BE49-F238E27FC236}">
-                <a16:creationId xmlns:a16="http://schemas.microsoft.com/office/drawing/2014/main" id="{12F80D23-A424-3BBA-DC17-DF06A64F1ECE}"/>
+                <a16:creationId xmlns:a16="http://schemas.microsoft.com/office/drawing/2014/main" id="{EB88288B-96D1-3F7A-CB54-585DF773331B}"/>
               </a:ext>
             </a:extLst>
           </p:cNvPr>
@@ -15790,7 +16103,7 @@
           <p:cNvPr id="3" name="Text Placeholder 2">
             <a:extLst>
               <a:ext uri="{FF2B5EF4-FFF2-40B4-BE49-F238E27FC236}">
-                <a16:creationId xmlns:a16="http://schemas.microsoft.com/office/drawing/2014/main" id="{DD9BC1F1-D07A-E3A1-3917-A652E5A3C806}"/>
+                <a16:creationId xmlns:a16="http://schemas.microsoft.com/office/drawing/2014/main" id="{53E390B3-3061-012B-2061-2BC785C3B300}"/>
               </a:ext>
             </a:extLst>
           </p:cNvPr>
@@ -15803,94 +16116,30 @@
         </p:nvSpPr>
         <p:spPr/>
         <p:txBody>
-          <a:bodyPr>
-            <a:normAutofit/>
-          </a:bodyPr>
+          <a:bodyPr/>
           <a:lstStyle/>
           <a:p>
             <a:r>
-              <a:rPr lang="bg-BG" sz="3200" dirty="0"/>
-              <a:t>Добавяме още една </a:t>
-            </a:r>
-            <a:r>
-              <a:rPr lang="bg-BG" sz="3200" b="1" dirty="0">
+              <a:rPr lang="bg-BG" dirty="0"/>
+              <a:t>Добавяме </a:t>
+            </a:r>
+            <a:r>
+              <a:rPr lang="bg-BG" b="1" dirty="0">
                 <a:solidFill>
                   <a:schemeClr val="bg1"/>
                 </a:solidFill>
               </a:rPr>
-              <a:t>секция</a:t>
-            </a:r>
-            <a:r>
-              <a:rPr lang="bg-BG" sz="3200" dirty="0"/>
-              <a:t> за </a:t>
-            </a:r>
-            <a:r>
-              <a:rPr lang="bg-BG" sz="3200" b="1" dirty="0"/>
-              <a:t>етапа</a:t>
-            </a:r>
-            <a:r>
-              <a:rPr lang="bg-BG" sz="3200" dirty="0"/>
-              <a:t> на </a:t>
-            </a:r>
-            <a:r>
-              <a:rPr lang="bg-BG" sz="3200" b="1" dirty="0"/>
-              <a:t>приключване</a:t>
-            </a:r>
-          </a:p>
-          <a:p>
-            <a:r>
-              <a:rPr lang="bg-BG" sz="3200" dirty="0"/>
-              <a:t>Кликаме върху </a:t>
-            </a:r>
-            <a:r>
-              <a:rPr lang="en-US" sz="3200" b="1" dirty="0"/>
-              <a:t>[</a:t>
-            </a:r>
-            <a:r>
-              <a:rPr lang="en-US" sz="3200" b="1" dirty="0">
-                <a:solidFill>
-                  <a:schemeClr val="bg1"/>
-                </a:solidFill>
-              </a:rPr>
-              <a:t>Add section</a:t>
-            </a:r>
-            <a:r>
-              <a:rPr lang="en-US" sz="3200" b="1" dirty="0"/>
-              <a:t>]</a:t>
-            </a:r>
-            <a:r>
-              <a:rPr lang="bg-BG" sz="3200" b="1" dirty="0"/>
-              <a:t> </a:t>
-            </a:r>
-            <a:r>
-              <a:rPr lang="bg-BG" sz="3200" dirty="0"/>
-              <a:t>и задаваме </a:t>
-            </a:r>
-            <a:r>
-              <a:rPr lang="bg-BG" sz="3200" b="1" dirty="0"/>
-              <a:t>име</a:t>
-            </a:r>
-            <a:r>
-              <a:rPr lang="bg-BG" sz="3200" dirty="0"/>
-              <a:t> </a:t>
-            </a:r>
-            <a:r>
-              <a:rPr lang="en-US" sz="3200" dirty="0"/>
-              <a:t>"</a:t>
-            </a:r>
-            <a:r>
-              <a:rPr lang="bg-BG" sz="3200" b="1" dirty="0">
-                <a:solidFill>
-                  <a:schemeClr val="bg1"/>
-                </a:solidFill>
-              </a:rPr>
-              <a:t>Приключване</a:t>
-            </a:r>
-            <a:r>
-              <a:rPr lang="en-US" sz="3200" b="1" dirty="0"/>
-              <a:t>"</a:t>
-            </a:r>
-            <a:endParaRPr lang="bg-BG" sz="3200" b="1" dirty="0"/>
+              <a:t>имейлите</a:t>
+            </a:r>
+            <a:r>
+              <a:rPr lang="bg-BG" dirty="0"/>
+              <a:t> на хората, които ще са в </a:t>
+            </a:r>
+            <a:r>
+              <a:rPr lang="bg-BG" b="1" dirty="0"/>
+              <a:t>екипа ни</a:t>
+            </a:r>
+            <a:endParaRPr lang="en-BG" b="1" dirty="0"/>
           </a:p>
         </p:txBody>
       </p:sp>
@@ -15899,7 +16148,7 @@
           <p:cNvPr id="4" name="Title 3">
             <a:extLst>
               <a:ext uri="{FF2B5EF4-FFF2-40B4-BE49-F238E27FC236}">
-                <a16:creationId xmlns:a16="http://schemas.microsoft.com/office/drawing/2014/main" id="{1119440C-1B02-0263-30BE-1DB3DDE9E53C}"/>
+                <a16:creationId xmlns:a16="http://schemas.microsoft.com/office/drawing/2014/main" id="{5BCC80A8-F674-2190-4D59-8C27BDB6D083}"/>
               </a:ext>
             </a:extLst>
           </p:cNvPr>
@@ -15917,7 +16166,11 @@
           <a:p>
             <a:r>
               <a:rPr lang="bg-BG" dirty="0"/>
-              <a:t>Добавяне на секция</a:t>
+              <a:t>Създаване на проект в </a:t>
+            </a:r>
+            <a:r>
+              <a:rPr lang="en-US" dirty="0"/>
+              <a:t>Asana (3)</a:t>
             </a:r>
             <a:endParaRPr lang="en-BG" dirty="0"/>
           </a:p>
@@ -15925,10 +16178,10 @@
       </p:sp>
       <p:pic>
         <p:nvPicPr>
-          <p:cNvPr id="6" name="Picture 5">
+          <p:cNvPr id="7" name="Picture 6">
             <a:extLst>
               <a:ext uri="{FF2B5EF4-FFF2-40B4-BE49-F238E27FC236}">
-                <a16:creationId xmlns:a16="http://schemas.microsoft.com/office/drawing/2014/main" id="{4137C44E-1BA1-1475-6DD4-56534B274AF6}"/>
+                <a16:creationId xmlns:a16="http://schemas.microsoft.com/office/drawing/2014/main" id="{113F38EC-4B87-9695-21A8-FC871BC382CB}"/>
               </a:ext>
             </a:extLst>
           </p:cNvPr>
@@ -15951,8 +16204,8 @@
         </p:blipFill>
         <p:spPr>
           <a:xfrm>
-            <a:off x="291000" y="2511355"/>
-            <a:ext cx="4372030" cy="4020044"/>
+            <a:off x="291000" y="2010978"/>
+            <a:ext cx="3780000" cy="4445428"/>
           </a:xfrm>
           <a:prstGeom prst="rect">
             <a:avLst/>
@@ -15968,10 +16221,10 @@
       </p:pic>
       <p:pic>
         <p:nvPicPr>
-          <p:cNvPr id="8" name="Picture 7">
+          <p:cNvPr id="10" name="Picture 9">
             <a:extLst>
               <a:ext uri="{FF2B5EF4-FFF2-40B4-BE49-F238E27FC236}">
-                <a16:creationId xmlns:a16="http://schemas.microsoft.com/office/drawing/2014/main" id="{37CF353F-F132-39C2-FCEE-AAB114CC4188}"/>
+                <a16:creationId xmlns:a16="http://schemas.microsoft.com/office/drawing/2014/main" id="{093C8CB5-BAF0-23F9-1B76-C1DA73186DAF}"/>
               </a:ext>
             </a:extLst>
           </p:cNvPr>
@@ -15994,8 +16247,8 @@
         </p:blipFill>
         <p:spPr>
           <a:xfrm>
-            <a:off x="5568970" y="2443742"/>
-            <a:ext cx="6332030" cy="4087657"/>
+            <a:off x="5058051" y="2968384"/>
+            <a:ext cx="6950447" cy="2530616"/>
           </a:xfrm>
           <a:prstGeom prst="rect">
             <a:avLst/>
@@ -16011,10 +16264,10 @@
       </p:pic>
       <p:sp>
         <p:nvSpPr>
-          <p:cNvPr id="9" name="Arrow: Right 10">
+          <p:cNvPr id="11" name="Arrow: Right 10">
             <a:extLst>
               <a:ext uri="{FF2B5EF4-FFF2-40B4-BE49-F238E27FC236}">
-                <a16:creationId xmlns:a16="http://schemas.microsoft.com/office/drawing/2014/main" id="{DB3D6EAB-9E1A-BBD9-064F-8402BB7FF3A7}"/>
+                <a16:creationId xmlns:a16="http://schemas.microsoft.com/office/drawing/2014/main" id="{76904110-4122-9B2A-4D37-0B6F1A519A75}"/>
               </a:ext>
             </a:extLst>
           </p:cNvPr>
@@ -16023,7 +16276,7 @@
         </p:nvSpPr>
         <p:spPr>
           <a:xfrm>
-            <a:off x="4663030" y="4138106"/>
+            <a:off x="4085937" y="3960508"/>
             <a:ext cx="1024441" cy="698928"/>
           </a:xfrm>
           <a:prstGeom prst="rightArrow">
@@ -16066,7 +16319,7 @@
     </p:spTree>
     <p:extLst>
       <p:ext uri="{BB962C8B-B14F-4D97-AF65-F5344CB8AC3E}">
-        <p14:creationId xmlns:p14="http://schemas.microsoft.com/office/powerpoint/2010/main" val="4153607583"/>
+        <p14:creationId xmlns:p14="http://schemas.microsoft.com/office/powerpoint/2010/main" val="3400329019"/>
       </p:ext>
     </p:extLst>
   </p:cSld>
@@ -16102,7 +16355,7 @@
                             </p:stCondLst>
                             <p:childTnLst>
                               <p:par>
-                                <p:cTn id="5" presetID="1" presetClass="entr" presetSubtype="0" fill="hold" nodeType="clickEffect">
+                                <p:cTn id="5" presetID="1" presetClass="entr" presetSubtype="0" fill="hold" grpId="0" nodeType="clickEffect">
                                   <p:stCondLst>
                                     <p:cond delay="0"/>
                                   </p:stCondLst>
@@ -16115,7 +16368,7 @@
                                           </p:stCondLst>
                                         </p:cTn>
                                         <p:tgtEl>
-                                          <p:spTgt spid="6"/>
+                                          <p:spTgt spid="11"/>
                                         </p:tgtEl>
                                         <p:attrNameLst>
                                           <p:attrName>style.visibility</p:attrName>
@@ -16160,101 +16413,7 @@
                                           </p:stCondLst>
                                         </p:cTn>
                                         <p:tgtEl>
-                                          <p:spTgt spid="3">
-                                            <p:txEl>
-                                              <p:pRg st="1" end="1"/>
-                                            </p:txEl>
-                                          </p:spTgt>
-                                        </p:tgtEl>
-                                        <p:attrNameLst>
-                                          <p:attrName>style.visibility</p:attrName>
-                                        </p:attrNameLst>
-                                      </p:cBhvr>
-                                      <p:to>
-                                        <p:strVal val="visible"/>
-                                      </p:to>
-                                    </p:set>
-                                  </p:childTnLst>
-                                </p:cTn>
-                              </p:par>
-                            </p:childTnLst>
-                          </p:cTn>
-                        </p:par>
-                      </p:childTnLst>
-                    </p:cTn>
-                  </p:par>
-                  <p:par>
-                    <p:cTn id="11" fill="hold">
-                      <p:stCondLst>
-                        <p:cond delay="indefinite"/>
-                      </p:stCondLst>
-                      <p:childTnLst>
-                        <p:par>
-                          <p:cTn id="12" fill="hold">
-                            <p:stCondLst>
-                              <p:cond delay="0"/>
-                            </p:stCondLst>
-                            <p:childTnLst>
-                              <p:par>
-                                <p:cTn id="13" presetID="1" presetClass="entr" presetSubtype="0" fill="hold" grpId="0" nodeType="clickEffect">
-                                  <p:stCondLst>
-                                    <p:cond delay="0"/>
-                                  </p:stCondLst>
-                                  <p:childTnLst>
-                                    <p:set>
-                                      <p:cBhvr>
-                                        <p:cTn id="14" dur="1" fill="hold">
-                                          <p:stCondLst>
-                                            <p:cond delay="0"/>
-                                          </p:stCondLst>
-                                        </p:cTn>
-                                        <p:tgtEl>
-                                          <p:spTgt spid="9"/>
-                                        </p:tgtEl>
-                                        <p:attrNameLst>
-                                          <p:attrName>style.visibility</p:attrName>
-                                        </p:attrNameLst>
-                                      </p:cBhvr>
-                                      <p:to>
-                                        <p:strVal val="visible"/>
-                                      </p:to>
-                                    </p:set>
-                                  </p:childTnLst>
-                                </p:cTn>
-                              </p:par>
-                            </p:childTnLst>
-                          </p:cTn>
-                        </p:par>
-                      </p:childTnLst>
-                    </p:cTn>
-                  </p:par>
-                  <p:par>
-                    <p:cTn id="15" fill="hold">
-                      <p:stCondLst>
-                        <p:cond delay="indefinite"/>
-                      </p:stCondLst>
-                      <p:childTnLst>
-                        <p:par>
-                          <p:cTn id="16" fill="hold">
-                            <p:stCondLst>
-                              <p:cond delay="0"/>
-                            </p:stCondLst>
-                            <p:childTnLst>
-                              <p:par>
-                                <p:cTn id="17" presetID="1" presetClass="entr" presetSubtype="0" fill="hold" nodeType="clickEffect">
-                                  <p:stCondLst>
-                                    <p:cond delay="0"/>
-                                  </p:stCondLst>
-                                  <p:childTnLst>
-                                    <p:set>
-                                      <p:cBhvr>
-                                        <p:cTn id="18" dur="1" fill="hold">
-                                          <p:stCondLst>
-                                            <p:cond delay="0"/>
-                                          </p:stCondLst>
-                                        </p:cTn>
-                                        <p:tgtEl>
-                                          <p:spTgt spid="8"/>
+                                          <p:spTgt spid="10"/>
                                         </p:tgtEl>
                                         <p:attrNameLst>
                                           <p:attrName>style.visibility</p:attrName>
@@ -16295,7 +16454,7 @@
       </p:par>
     </p:tnLst>
     <p:bldLst>
-      <p:bldP spid="9" grpId="0" animBg="1"/>
+      <p:bldP spid="11" grpId="0" animBg="1"/>
     </p:bldLst>
   </p:timing>
 </p:sld>
@@ -16373,31 +16532,69 @@
           <a:p>
             <a:r>
               <a:rPr lang="bg-BG" sz="3200" dirty="0"/>
+              <a:t>Добавяме още една </a:t>
+            </a:r>
+            <a:r>
+              <a:rPr lang="bg-BG" sz="3200" b="1" dirty="0">
+                <a:solidFill>
+                  <a:schemeClr val="bg1"/>
+                </a:solidFill>
+              </a:rPr>
+              <a:t>секция</a:t>
+            </a:r>
+            <a:r>
+              <a:rPr lang="bg-BG" sz="3200" dirty="0"/>
+              <a:t> за </a:t>
+            </a:r>
+            <a:r>
+              <a:rPr lang="bg-BG" sz="3200" b="1" dirty="0"/>
+              <a:t>етапа</a:t>
+            </a:r>
+            <a:r>
+              <a:rPr lang="bg-BG" sz="3200" dirty="0"/>
+              <a:t> на </a:t>
+            </a:r>
+            <a:r>
+              <a:rPr lang="bg-BG" sz="3200" b="1" dirty="0"/>
+              <a:t>приключване</a:t>
+            </a:r>
+          </a:p>
+          <a:p>
+            <a:r>
+              <a:rPr lang="bg-BG" sz="3200" dirty="0"/>
               <a:t>Кликаме върху </a:t>
             </a:r>
             <a:r>
+              <a:rPr lang="en-US" sz="3200" b="1" dirty="0"/>
+              <a:t>[</a:t>
+            </a:r>
+            <a:r>
+              <a:rPr lang="en-US" sz="3200" b="1" dirty="0">
+                <a:solidFill>
+                  <a:schemeClr val="bg1"/>
+                </a:solidFill>
+              </a:rPr>
+              <a:t>Add section</a:t>
+            </a:r>
+            <a:r>
+              <a:rPr lang="en-US" sz="3200" b="1" dirty="0"/>
+              <a:t>]</a:t>
+            </a:r>
+            <a:r>
               <a:rPr lang="bg-BG" sz="3200" b="1" dirty="0"/>
-              <a:t>борда</a:t>
+              <a:t> </a:t>
             </a:r>
             <a:r>
               <a:rPr lang="bg-BG" sz="3200" dirty="0"/>
-              <a:t> в секцията </a:t>
+              <a:t>и задаваме </a:t>
             </a:r>
             <a:r>
               <a:rPr lang="bg-BG" sz="3200" b="1" dirty="0"/>
-              <a:t>Планиране</a:t>
+              <a:t>име</a:t>
             </a:r>
             <a:r>
               <a:rPr lang="bg-BG" sz="3200" dirty="0"/>
-              <a:t> и задаваме име на </a:t>
-            </a:r>
-            <a:r>
-              <a:rPr lang="bg-BG" sz="3200" b="1" dirty="0"/>
-              <a:t>задачата</a:t>
-            </a:r>
-            <a:r>
-              <a:rPr lang="bg-BG" sz="3200" dirty="0"/>
-              <a:t>, например </a:t>
+              <a:t> </a:t>
             </a:r>
             <a:r>
               <a:rPr lang="en-US" sz="3200" dirty="0"/>
@@ -16409,57 +16606,13 @@
                   <a:schemeClr val="bg1"/>
                 </a:solidFill>
               </a:rPr>
-              <a:t>Избор на технологии</a:t>
+              <a:t>Приключване</a:t>
             </a:r>
             <a:r>
               <a:rPr lang="en-US" sz="3200" b="1" dirty="0"/>
               <a:t>"</a:t>
             </a:r>
-          </a:p>
-          <a:p>
-            <a:r>
-              <a:rPr lang="bg-BG" sz="3200" dirty="0"/>
-              <a:t>Кликаме върху </a:t>
-            </a:r>
-            <a:r>
-              <a:rPr lang="bg-BG" sz="3200" b="1" dirty="0"/>
-              <a:t>новата задача </a:t>
-            </a:r>
-            <a:r>
-              <a:rPr lang="en-US" sz="3000" dirty="0">
-                <a:sym typeface="Wingdings" panose="05000000000000000000" pitchFamily="2" charset="2"/>
-              </a:rPr>
-              <a:t></a:t>
-            </a:r>
-            <a:r>
-              <a:rPr lang="en-US" sz="3200" dirty="0"/>
-              <a:t> </a:t>
-            </a:r>
-            <a:r>
-              <a:rPr lang="bg-BG" sz="3200" dirty="0"/>
-              <a:t>отваря</a:t>
-            </a:r>
-            <a:r>
-              <a:rPr lang="en-US" sz="3200" dirty="0"/>
-              <a:t> </a:t>
-            </a:r>
-            <a:r>
-              <a:rPr lang="bg-BG" sz="3200" dirty="0"/>
-              <a:t>ни се прозорец, в който може да я </a:t>
-            </a:r>
-            <a:r>
-              <a:rPr lang="bg-BG" sz="3200" b="1" dirty="0">
-                <a:solidFill>
-                  <a:schemeClr val="bg1"/>
-                </a:solidFill>
-              </a:rPr>
-              <a:t>редактираме</a:t>
-            </a:r>
-            <a:endParaRPr lang="en-BG" sz="3200" b="1" dirty="0">
-              <a:solidFill>
-                <a:schemeClr val="bg1"/>
-              </a:solidFill>
-            </a:endParaRPr>
+            <a:endParaRPr lang="bg-BG" sz="3200" b="1" dirty="0"/>
           </a:p>
         </p:txBody>
       </p:sp>
@@ -16486,7 +16639,7 @@
           <a:p>
             <a:r>
               <a:rPr lang="bg-BG" dirty="0"/>
-              <a:t>Добавяне на задача</a:t>
+              <a:t>Добавяне на секция</a:t>
             </a:r>
             <a:endParaRPr lang="en-BG" dirty="0"/>
           </a:p>
@@ -16497,7 +16650,7 @@
           <p:cNvPr id="6" name="Picture 5">
             <a:extLst>
               <a:ext uri="{FF2B5EF4-FFF2-40B4-BE49-F238E27FC236}">
-                <a16:creationId xmlns:a16="http://schemas.microsoft.com/office/drawing/2014/main" id="{3378878F-8D2D-3661-C466-2F5AC48B2C4D}"/>
+                <a16:creationId xmlns:a16="http://schemas.microsoft.com/office/drawing/2014/main" id="{4137C44E-1BA1-1475-6DD4-56534B274AF6}"/>
               </a:ext>
             </a:extLst>
           </p:cNvPr>
@@ -16520,8 +16673,8 @@
         </p:blipFill>
         <p:spPr>
           <a:xfrm>
-            <a:off x="171065" y="4464000"/>
-            <a:ext cx="5154417" cy="702875"/>
+            <a:off x="291000" y="2511355"/>
+            <a:ext cx="4372030" cy="4020044"/>
           </a:xfrm>
           <a:prstGeom prst="rect">
             <a:avLst/>
@@ -16540,7 +16693,7 @@
           <p:cNvPr id="8" name="Picture 7">
             <a:extLst>
               <a:ext uri="{FF2B5EF4-FFF2-40B4-BE49-F238E27FC236}">
-                <a16:creationId xmlns:a16="http://schemas.microsoft.com/office/drawing/2014/main" id="{9DFCEF18-0776-D1A7-49D4-495E808B748D}"/>
+                <a16:creationId xmlns:a16="http://schemas.microsoft.com/office/drawing/2014/main" id="{37CF353F-F132-39C2-FCEE-AAB114CC4188}"/>
               </a:ext>
             </a:extLst>
           </p:cNvPr>
@@ -16563,8 +16716,8 @@
         </p:blipFill>
         <p:spPr>
           <a:xfrm>
-            <a:off x="6012255" y="3017521"/>
-            <a:ext cx="5740775" cy="3707370"/>
+            <a:off x="5568970" y="2443742"/>
+            <a:ext cx="6332030" cy="4087657"/>
           </a:xfrm>
           <a:prstGeom prst="rect">
             <a:avLst/>
@@ -16583,7 +16736,7 @@
           <p:cNvPr id="9" name="Arrow: Right 10">
             <a:extLst>
               <a:ext uri="{FF2B5EF4-FFF2-40B4-BE49-F238E27FC236}">
-                <a16:creationId xmlns:a16="http://schemas.microsoft.com/office/drawing/2014/main" id="{A4BAB0D5-35A3-DB44-A09E-C1FEAA7D1CF5}"/>
+                <a16:creationId xmlns:a16="http://schemas.microsoft.com/office/drawing/2014/main" id="{DB3D6EAB-9E1A-BBD9-064F-8402BB7FF3A7}"/>
               </a:ext>
             </a:extLst>
           </p:cNvPr>
@@ -16592,7 +16745,7 @@
         </p:nvSpPr>
         <p:spPr>
           <a:xfrm>
-            <a:off x="5169974" y="4467947"/>
+            <a:off x="4663030" y="4138106"/>
             <a:ext cx="1024441" cy="698928"/>
           </a:xfrm>
           <a:prstGeom prst="rightArrow">
@@ -16635,7 +16788,7 @@
     </p:spTree>
     <p:extLst>
       <p:ext uri="{BB962C8B-B14F-4D97-AF65-F5344CB8AC3E}">
-        <p14:creationId xmlns:p14="http://schemas.microsoft.com/office/powerpoint/2010/main" val="3623936213"/>
+        <p14:creationId xmlns:p14="http://schemas.microsoft.com/office/powerpoint/2010/main" val="4153607583"/>
       </p:ext>
     </p:extLst>
   </p:cSld>
@@ -16912,6 +17065,575 @@
               <a:rPr lang="en-US" noProof="0" smtClean="0"/>
               <a:pPr/>
               <a:t>22</a:t>
+            </a:fld>
+            <a:endParaRPr lang="en-US" noProof="0" dirty="0"/>
+          </a:p>
+        </p:txBody>
+      </p:sp>
+      <p:sp>
+        <p:nvSpPr>
+          <p:cNvPr id="3" name="Text Placeholder 2">
+            <a:extLst>
+              <a:ext uri="{FF2B5EF4-FFF2-40B4-BE49-F238E27FC236}">
+                <a16:creationId xmlns:a16="http://schemas.microsoft.com/office/drawing/2014/main" id="{DD9BC1F1-D07A-E3A1-3917-A652E5A3C806}"/>
+              </a:ext>
+            </a:extLst>
+          </p:cNvPr>
+          <p:cNvSpPr>
+            <a:spLocks noGrp="1"/>
+          </p:cNvSpPr>
+          <p:nvPr>
+            <p:ph type="body" sz="quarter" idx="10"/>
+          </p:nvPr>
+        </p:nvSpPr>
+        <p:spPr/>
+        <p:txBody>
+          <a:bodyPr>
+            <a:normAutofit/>
+          </a:bodyPr>
+          <a:lstStyle/>
+          <a:p>
+            <a:r>
+              <a:rPr lang="bg-BG" sz="3200" dirty="0"/>
+              <a:t>Кликаме върху </a:t>
+            </a:r>
+            <a:r>
+              <a:rPr lang="bg-BG" sz="3200" b="1" dirty="0"/>
+              <a:t>борда</a:t>
+            </a:r>
+            <a:r>
+              <a:rPr lang="bg-BG" sz="3200" dirty="0"/>
+              <a:t> в секцията </a:t>
+            </a:r>
+            <a:r>
+              <a:rPr lang="bg-BG" sz="3200" b="1" dirty="0"/>
+              <a:t>Планиране</a:t>
+            </a:r>
+            <a:r>
+              <a:rPr lang="bg-BG" sz="3200" dirty="0"/>
+              <a:t> и задаваме име на </a:t>
+            </a:r>
+            <a:r>
+              <a:rPr lang="bg-BG" sz="3200" b="1" dirty="0"/>
+              <a:t>задачата</a:t>
+            </a:r>
+            <a:r>
+              <a:rPr lang="bg-BG" sz="3200" dirty="0"/>
+              <a:t>, например </a:t>
+            </a:r>
+            <a:r>
+              <a:rPr lang="en-US" sz="3200" dirty="0"/>
+              <a:t>"</a:t>
+            </a:r>
+            <a:r>
+              <a:rPr lang="bg-BG" sz="3200" b="1" dirty="0">
+                <a:solidFill>
+                  <a:schemeClr val="bg1"/>
+                </a:solidFill>
+              </a:rPr>
+              <a:t>Избор на технологии</a:t>
+            </a:r>
+            <a:r>
+              <a:rPr lang="en-US" sz="3200" b="1" dirty="0"/>
+              <a:t>"</a:t>
+            </a:r>
+          </a:p>
+          <a:p>
+            <a:r>
+              <a:rPr lang="bg-BG" sz="3200" dirty="0"/>
+              <a:t>Кликаме върху </a:t>
+            </a:r>
+            <a:r>
+              <a:rPr lang="bg-BG" sz="3200" b="1" dirty="0"/>
+              <a:t>новата задача </a:t>
+            </a:r>
+            <a:r>
+              <a:rPr lang="en-US" sz="3000" dirty="0">
+                <a:sym typeface="Wingdings" panose="05000000000000000000" pitchFamily="2" charset="2"/>
+              </a:rPr>
+              <a:t></a:t>
+            </a:r>
+            <a:r>
+              <a:rPr lang="en-US" sz="3200" dirty="0"/>
+              <a:t> </a:t>
+            </a:r>
+            <a:r>
+              <a:rPr lang="bg-BG" sz="3200" dirty="0"/>
+              <a:t>отваря</a:t>
+            </a:r>
+            <a:r>
+              <a:rPr lang="en-US" sz="3200" dirty="0"/>
+              <a:t> </a:t>
+            </a:r>
+            <a:r>
+              <a:rPr lang="bg-BG" sz="3200" dirty="0"/>
+              <a:t>ни се прозорец, в който може да я </a:t>
+            </a:r>
+            <a:r>
+              <a:rPr lang="bg-BG" sz="3200" b="1" dirty="0">
+                <a:solidFill>
+                  <a:schemeClr val="bg1"/>
+                </a:solidFill>
+              </a:rPr>
+              <a:t>редактираме</a:t>
+            </a:r>
+            <a:endParaRPr lang="en-BG" sz="3200" b="1" dirty="0">
+              <a:solidFill>
+                <a:schemeClr val="bg1"/>
+              </a:solidFill>
+            </a:endParaRPr>
+          </a:p>
+        </p:txBody>
+      </p:sp>
+      <p:sp>
+        <p:nvSpPr>
+          <p:cNvPr id="4" name="Title 3">
+            <a:extLst>
+              <a:ext uri="{FF2B5EF4-FFF2-40B4-BE49-F238E27FC236}">
+                <a16:creationId xmlns:a16="http://schemas.microsoft.com/office/drawing/2014/main" id="{1119440C-1B02-0263-30BE-1DB3DDE9E53C}"/>
+              </a:ext>
+            </a:extLst>
+          </p:cNvPr>
+          <p:cNvSpPr>
+            <a:spLocks noGrp="1"/>
+          </p:cNvSpPr>
+          <p:nvPr>
+            <p:ph type="title"/>
+          </p:nvPr>
+        </p:nvSpPr>
+        <p:spPr/>
+        <p:txBody>
+          <a:bodyPr/>
+          <a:lstStyle/>
+          <a:p>
+            <a:r>
+              <a:rPr lang="bg-BG" dirty="0"/>
+              <a:t>Добавяне на задача</a:t>
+            </a:r>
+            <a:endParaRPr lang="en-BG" dirty="0"/>
+          </a:p>
+        </p:txBody>
+      </p:sp>
+      <p:pic>
+        <p:nvPicPr>
+          <p:cNvPr id="6" name="Picture 5">
+            <a:extLst>
+              <a:ext uri="{FF2B5EF4-FFF2-40B4-BE49-F238E27FC236}">
+                <a16:creationId xmlns:a16="http://schemas.microsoft.com/office/drawing/2014/main" id="{3378878F-8D2D-3661-C466-2F5AC48B2C4D}"/>
+              </a:ext>
+            </a:extLst>
+          </p:cNvPr>
+          <p:cNvPicPr>
+            <a:picLocks noChangeAspect="1"/>
+          </p:cNvPicPr>
+          <p:nvPr/>
+        </p:nvPicPr>
+        <p:blipFill>
+          <a:blip r:embed="rId2">
+            <a:extLst>
+              <a:ext uri="{28A0092B-C50C-407E-A947-70E740481C1C}">
+                <a14:useLocalDpi xmlns:a14="http://schemas.microsoft.com/office/drawing/2010/main" val="0"/>
+              </a:ext>
+            </a:extLst>
+          </a:blip>
+          <a:stretch>
+            <a:fillRect/>
+          </a:stretch>
+        </p:blipFill>
+        <p:spPr>
+          <a:xfrm>
+            <a:off x="171065" y="4464000"/>
+            <a:ext cx="5154417" cy="702875"/>
+          </a:xfrm>
+          <a:prstGeom prst="rect">
+            <a:avLst/>
+          </a:prstGeom>
+          <a:ln>
+            <a:solidFill>
+              <a:schemeClr val="bg2">
+                <a:lumMod val="75000"/>
+              </a:schemeClr>
+            </a:solidFill>
+          </a:ln>
+        </p:spPr>
+      </p:pic>
+      <p:pic>
+        <p:nvPicPr>
+          <p:cNvPr id="8" name="Picture 7">
+            <a:extLst>
+              <a:ext uri="{FF2B5EF4-FFF2-40B4-BE49-F238E27FC236}">
+                <a16:creationId xmlns:a16="http://schemas.microsoft.com/office/drawing/2014/main" id="{9DFCEF18-0776-D1A7-49D4-495E808B748D}"/>
+              </a:ext>
+            </a:extLst>
+          </p:cNvPr>
+          <p:cNvPicPr>
+            <a:picLocks noChangeAspect="1"/>
+          </p:cNvPicPr>
+          <p:nvPr/>
+        </p:nvPicPr>
+        <p:blipFill>
+          <a:blip r:embed="rId3">
+            <a:extLst>
+              <a:ext uri="{28A0092B-C50C-407E-A947-70E740481C1C}">
+                <a14:useLocalDpi xmlns:a14="http://schemas.microsoft.com/office/drawing/2010/main" val="0"/>
+              </a:ext>
+            </a:extLst>
+          </a:blip>
+          <a:stretch>
+            <a:fillRect/>
+          </a:stretch>
+        </p:blipFill>
+        <p:spPr>
+          <a:xfrm>
+            <a:off x="6012255" y="3017521"/>
+            <a:ext cx="5740775" cy="3707370"/>
+          </a:xfrm>
+          <a:prstGeom prst="rect">
+            <a:avLst/>
+          </a:prstGeom>
+          <a:ln>
+            <a:solidFill>
+              <a:schemeClr val="bg2">
+                <a:lumMod val="75000"/>
+              </a:schemeClr>
+            </a:solidFill>
+          </a:ln>
+        </p:spPr>
+      </p:pic>
+      <p:sp>
+        <p:nvSpPr>
+          <p:cNvPr id="9" name="Arrow: Right 10">
+            <a:extLst>
+              <a:ext uri="{FF2B5EF4-FFF2-40B4-BE49-F238E27FC236}">
+                <a16:creationId xmlns:a16="http://schemas.microsoft.com/office/drawing/2014/main" id="{A4BAB0D5-35A3-DB44-A09E-C1FEAA7D1CF5}"/>
+              </a:ext>
+            </a:extLst>
+          </p:cNvPr>
+          <p:cNvSpPr/>
+          <p:nvPr/>
+        </p:nvSpPr>
+        <p:spPr>
+          <a:xfrm>
+            <a:off x="5169974" y="4467947"/>
+            <a:ext cx="1024441" cy="698928"/>
+          </a:xfrm>
+          <a:prstGeom prst="rightArrow">
+            <a:avLst/>
+          </a:prstGeom>
+          <a:solidFill>
+            <a:schemeClr val="tx1"/>
+          </a:solidFill>
+          <a:ln>
+            <a:solidFill>
+              <a:schemeClr val="tx1"/>
+            </a:solidFill>
+          </a:ln>
+        </p:spPr>
+        <p:style>
+          <a:lnRef idx="2">
+            <a:schemeClr val="accent1">
+              <a:shade val="50000"/>
+            </a:schemeClr>
+          </a:lnRef>
+          <a:fillRef idx="1">
+            <a:schemeClr val="accent1"/>
+          </a:fillRef>
+          <a:effectRef idx="0">
+            <a:schemeClr val="accent1"/>
+          </a:effectRef>
+          <a:fontRef idx="minor">
+            <a:schemeClr val="lt1"/>
+          </a:fontRef>
+        </p:style>
+        <p:txBody>
+          <a:bodyPr rtlCol="0" anchor="ctr"/>
+          <a:lstStyle/>
+          <a:p>
+            <a:pPr algn="ctr"/>
+            <a:endParaRPr lang="en-US" sz="2799"/>
+          </a:p>
+        </p:txBody>
+      </p:sp>
+    </p:spTree>
+    <p:extLst>
+      <p:ext uri="{BB962C8B-B14F-4D97-AF65-F5344CB8AC3E}">
+        <p14:creationId xmlns:p14="http://schemas.microsoft.com/office/powerpoint/2010/main" val="3623936213"/>
+      </p:ext>
+    </p:extLst>
+  </p:cSld>
+  <p:clrMapOvr>
+    <a:masterClrMapping/>
+  </p:clrMapOvr>
+  <mc:AlternateContent xmlns:mc="http://schemas.openxmlformats.org/markup-compatibility/2006" xmlns:p14="http://schemas.microsoft.com/office/powerpoint/2010/main">
+    <mc:Choice Requires="p14">
+      <p:transition spd="slow" p14:dur="2000" advClick="0" advTm="5000"/>
+    </mc:Choice>
+    <mc:Fallback xmlns="">
+      <p:transition spd="slow" advClick="0" advTm="5000"/>
+    </mc:Fallback>
+  </mc:AlternateContent>
+  <p:timing>
+    <p:tnLst>
+      <p:par>
+        <p:cTn id="1" dur="indefinite" restart="never" nodeType="tmRoot">
+          <p:childTnLst>
+            <p:seq concurrent="1" nextAc="seek">
+              <p:cTn id="2" dur="indefinite" nodeType="mainSeq">
+                <p:childTnLst>
+                  <p:par>
+                    <p:cTn id="3" fill="hold">
+                      <p:stCondLst>
+                        <p:cond delay="indefinite"/>
+                      </p:stCondLst>
+                      <p:childTnLst>
+                        <p:par>
+                          <p:cTn id="4" fill="hold">
+                            <p:stCondLst>
+                              <p:cond delay="0"/>
+                            </p:stCondLst>
+                            <p:childTnLst>
+                              <p:par>
+                                <p:cTn id="5" presetID="1" presetClass="entr" presetSubtype="0" fill="hold" nodeType="clickEffect">
+                                  <p:stCondLst>
+                                    <p:cond delay="0"/>
+                                  </p:stCondLst>
+                                  <p:childTnLst>
+                                    <p:set>
+                                      <p:cBhvr>
+                                        <p:cTn id="6" dur="1" fill="hold">
+                                          <p:stCondLst>
+                                            <p:cond delay="0"/>
+                                          </p:stCondLst>
+                                        </p:cTn>
+                                        <p:tgtEl>
+                                          <p:spTgt spid="6"/>
+                                        </p:tgtEl>
+                                        <p:attrNameLst>
+                                          <p:attrName>style.visibility</p:attrName>
+                                        </p:attrNameLst>
+                                      </p:cBhvr>
+                                      <p:to>
+                                        <p:strVal val="visible"/>
+                                      </p:to>
+                                    </p:set>
+                                  </p:childTnLst>
+                                </p:cTn>
+                              </p:par>
+                            </p:childTnLst>
+                          </p:cTn>
+                        </p:par>
+                      </p:childTnLst>
+                    </p:cTn>
+                  </p:par>
+                  <p:par>
+                    <p:cTn id="7" fill="hold">
+                      <p:stCondLst>
+                        <p:cond delay="indefinite"/>
+                      </p:stCondLst>
+                      <p:childTnLst>
+                        <p:par>
+                          <p:cTn id="8" fill="hold">
+                            <p:stCondLst>
+                              <p:cond delay="0"/>
+                            </p:stCondLst>
+                            <p:childTnLst>
+                              <p:par>
+                                <p:cTn id="9" presetID="1" presetClass="entr" presetSubtype="0" fill="hold" nodeType="clickEffect">
+                                  <p:stCondLst>
+                                    <p:cond delay="0"/>
+                                  </p:stCondLst>
+                                  <p:childTnLst>
+                                    <p:set>
+                                      <p:cBhvr>
+                                        <p:cTn id="10" dur="1" fill="hold">
+                                          <p:stCondLst>
+                                            <p:cond delay="0"/>
+                                          </p:stCondLst>
+                                        </p:cTn>
+                                        <p:tgtEl>
+                                          <p:spTgt spid="3">
+                                            <p:txEl>
+                                              <p:pRg st="1" end="1"/>
+                                            </p:txEl>
+                                          </p:spTgt>
+                                        </p:tgtEl>
+                                        <p:attrNameLst>
+                                          <p:attrName>style.visibility</p:attrName>
+                                        </p:attrNameLst>
+                                      </p:cBhvr>
+                                      <p:to>
+                                        <p:strVal val="visible"/>
+                                      </p:to>
+                                    </p:set>
+                                  </p:childTnLst>
+                                </p:cTn>
+                              </p:par>
+                            </p:childTnLst>
+                          </p:cTn>
+                        </p:par>
+                      </p:childTnLst>
+                    </p:cTn>
+                  </p:par>
+                  <p:par>
+                    <p:cTn id="11" fill="hold">
+                      <p:stCondLst>
+                        <p:cond delay="indefinite"/>
+                      </p:stCondLst>
+                      <p:childTnLst>
+                        <p:par>
+                          <p:cTn id="12" fill="hold">
+                            <p:stCondLst>
+                              <p:cond delay="0"/>
+                            </p:stCondLst>
+                            <p:childTnLst>
+                              <p:par>
+                                <p:cTn id="13" presetID="1" presetClass="entr" presetSubtype="0" fill="hold" grpId="0" nodeType="clickEffect">
+                                  <p:stCondLst>
+                                    <p:cond delay="0"/>
+                                  </p:stCondLst>
+                                  <p:childTnLst>
+                                    <p:set>
+                                      <p:cBhvr>
+                                        <p:cTn id="14" dur="1" fill="hold">
+                                          <p:stCondLst>
+                                            <p:cond delay="0"/>
+                                          </p:stCondLst>
+                                        </p:cTn>
+                                        <p:tgtEl>
+                                          <p:spTgt spid="9"/>
+                                        </p:tgtEl>
+                                        <p:attrNameLst>
+                                          <p:attrName>style.visibility</p:attrName>
+                                        </p:attrNameLst>
+                                      </p:cBhvr>
+                                      <p:to>
+                                        <p:strVal val="visible"/>
+                                      </p:to>
+                                    </p:set>
+                                  </p:childTnLst>
+                                </p:cTn>
+                              </p:par>
+                            </p:childTnLst>
+                          </p:cTn>
+                        </p:par>
+                      </p:childTnLst>
+                    </p:cTn>
+                  </p:par>
+                  <p:par>
+                    <p:cTn id="15" fill="hold">
+                      <p:stCondLst>
+                        <p:cond delay="indefinite"/>
+                      </p:stCondLst>
+                      <p:childTnLst>
+                        <p:par>
+                          <p:cTn id="16" fill="hold">
+                            <p:stCondLst>
+                              <p:cond delay="0"/>
+                            </p:stCondLst>
+                            <p:childTnLst>
+                              <p:par>
+                                <p:cTn id="17" presetID="1" presetClass="entr" presetSubtype="0" fill="hold" nodeType="clickEffect">
+                                  <p:stCondLst>
+                                    <p:cond delay="0"/>
+                                  </p:stCondLst>
+                                  <p:childTnLst>
+                                    <p:set>
+                                      <p:cBhvr>
+                                        <p:cTn id="18" dur="1" fill="hold">
+                                          <p:stCondLst>
+                                            <p:cond delay="0"/>
+                                          </p:stCondLst>
+                                        </p:cTn>
+                                        <p:tgtEl>
+                                          <p:spTgt spid="8"/>
+                                        </p:tgtEl>
+                                        <p:attrNameLst>
+                                          <p:attrName>style.visibility</p:attrName>
+                                        </p:attrNameLst>
+                                      </p:cBhvr>
+                                      <p:to>
+                                        <p:strVal val="visible"/>
+                                      </p:to>
+                                    </p:set>
+                                  </p:childTnLst>
+                                </p:cTn>
+                              </p:par>
+                            </p:childTnLst>
+                          </p:cTn>
+                        </p:par>
+                      </p:childTnLst>
+                    </p:cTn>
+                  </p:par>
+                </p:childTnLst>
+              </p:cTn>
+              <p:prevCondLst>
+                <p:cond evt="onPrev" delay="0">
+                  <p:tgtEl>
+                    <p:sldTgt/>
+                  </p:tgtEl>
+                </p:cond>
+              </p:prevCondLst>
+              <p:nextCondLst>
+                <p:cond evt="onNext" delay="0">
+                  <p:tgtEl>
+                    <p:sldTgt/>
+                  </p:tgtEl>
+                </p:cond>
+              </p:nextCondLst>
+            </p:seq>
+          </p:childTnLst>
+        </p:cTn>
+      </p:par>
+    </p:tnLst>
+    <p:bldLst>
+      <p:bldP spid="9" grpId="0" animBg="1"/>
+    </p:bldLst>
+  </p:timing>
+</p:sld>
+</file>
+
+<file path=ppt/slides/slide23.xml><?xml version="1.0" encoding="utf-8"?>
+<p:sld xmlns:a="http://schemas.openxmlformats.org/drawingml/2006/main" xmlns:r="http://schemas.openxmlformats.org/officeDocument/2006/relationships" xmlns:p="http://schemas.openxmlformats.org/presentationml/2006/main">
+  <p:cSld>
+    <p:spTree>
+      <p:nvGrpSpPr>
+        <p:cNvPr id="1" name=""/>
+        <p:cNvGrpSpPr/>
+        <p:nvPr/>
+      </p:nvGrpSpPr>
+      <p:grpSpPr>
+        <a:xfrm>
+          <a:off x="0" y="0"/>
+          <a:ext cx="0" cy="0"/>
+          <a:chOff x="0" y="0"/>
+          <a:chExt cx="0" cy="0"/>
+        </a:xfrm>
+      </p:grpSpPr>
+      <p:sp>
+        <p:nvSpPr>
+          <p:cNvPr id="2" name="Slide Number Placeholder 1">
+            <a:extLst>
+              <a:ext uri="{FF2B5EF4-FFF2-40B4-BE49-F238E27FC236}">
+                <a16:creationId xmlns:a16="http://schemas.microsoft.com/office/drawing/2014/main" id="{12F80D23-A424-3BBA-DC17-DF06A64F1ECE}"/>
+              </a:ext>
+            </a:extLst>
+          </p:cNvPr>
+          <p:cNvSpPr>
+            <a:spLocks noGrp="1"/>
+          </p:cNvSpPr>
+          <p:nvPr>
+            <p:ph type="sldNum" sz="quarter" idx="5"/>
+          </p:nvPr>
+        </p:nvSpPr>
+        <p:spPr/>
+        <p:txBody>
+          <a:bodyPr/>
+          <a:lstStyle/>
+          <a:p>
+            <a:fld id="{2BF067CD-8E6B-4360-9AA8-C5DF2A48A6D1}" type="slidenum">
+              <a:rPr lang="en-US" noProof="0" smtClean="0"/>
+              <a:pPr/>
+              <a:t>23</a:t>
             </a:fld>
             <a:endParaRPr lang="en-US" noProof="0" dirty="0"/>
           </a:p>
@@ -17745,7 +18467,7 @@
 </p:sld>
 </file>
 
-<file path=ppt/slides/slide23.xml><?xml version="1.0" encoding="utf-8"?>
+<file path=ppt/slides/slide24.xml><?xml version="1.0" encoding="utf-8"?>
 <p:sld xmlns:a="http://schemas.openxmlformats.org/drawingml/2006/main" xmlns:r="http://schemas.openxmlformats.org/officeDocument/2006/relationships" xmlns:p="http://schemas.openxmlformats.org/presentationml/2006/main">
   <p:cSld>
     <p:spTree>
@@ -17786,7 +18508,7 @@
             <a:fld id="{2BF067CD-8E6B-4360-9AA8-C5DF2A48A6D1}" type="slidenum">
               <a:rPr lang="en-US" noProof="0" smtClean="0"/>
               <a:pPr/>
-              <a:t>23</a:t>
+              <a:t>24</a:t>
             </a:fld>
             <a:endParaRPr lang="en-US" noProof="0" dirty="0"/>
           </a:p>
@@ -18101,7 +18823,7 @@
 </p:sld>
 </file>
 
-<file path=ppt/slides/slide24.xml><?xml version="1.0" encoding="utf-8"?>
+<file path=ppt/slides/slide25.xml><?xml version="1.0" encoding="utf-8"?>
 <p:sld xmlns:a="http://schemas.openxmlformats.org/drawingml/2006/main" xmlns:r="http://schemas.openxmlformats.org/officeDocument/2006/relationships" xmlns:p="http://schemas.openxmlformats.org/presentationml/2006/main">
   <p:cSld>
     <p:spTree>
@@ -18142,7 +18864,7 @@
             <a:fld id="{2BF067CD-8E6B-4360-9AA8-C5DF2A48A6D1}" type="slidenum">
               <a:rPr lang="en-US" noProof="0" smtClean="0"/>
               <a:pPr/>
-              <a:t>24</a:t>
+              <a:t>25</a:t>
             </a:fld>
             <a:endParaRPr lang="en-US" noProof="0" dirty="0"/>
           </a:p>
@@ -18240,7 +18962,7 @@
 </p:sld>
 </file>
 
-<file path=ppt/slides/slide25.xml><?xml version="1.0" encoding="utf-8"?>
+<file path=ppt/slides/slide26.xml><?xml version="1.0" encoding="utf-8"?>
 <p:sld xmlns:a="http://schemas.openxmlformats.org/drawingml/2006/main" xmlns:r="http://schemas.openxmlformats.org/officeDocument/2006/relationships" xmlns:p="http://schemas.openxmlformats.org/presentationml/2006/main">
   <p:cSld>
     <p:spTree>
@@ -18952,7 +19674,7 @@
             <a:fld id="{2BF067CD-8E6B-4360-9AA8-C5DF2A48A6D1}" type="slidenum">
               <a:rPr lang="en-US" noProof="0" smtClean="0"/>
               <a:pPr/>
-              <a:t>25</a:t>
+              <a:t>26</a:t>
             </a:fld>
             <a:endParaRPr lang="en-US" noProof="0" dirty="0"/>
           </a:p>
@@ -19303,7 +20025,7 @@
 </p:sld>
 </file>
 
-<file path=ppt/slides/slide26.xml><?xml version="1.0" encoding="utf-8"?>
+<file path=ppt/slides/slide27.xml><?xml version="1.0" encoding="utf-8"?>
 <p:sld xmlns:a="http://schemas.openxmlformats.org/drawingml/2006/main" xmlns:r="http://schemas.openxmlformats.org/officeDocument/2006/relationships" xmlns:p="http://schemas.openxmlformats.org/presentationml/2006/main">
   <p:cSld>
     <p:spTree>
@@ -19493,7 +20215,7 @@
 </p:sld>
 </file>
 
-<file path=ppt/slides/slide27.xml><?xml version="1.0" encoding="utf-8"?>
+<file path=ppt/slides/slide28.xml><?xml version="1.0" encoding="utf-8"?>
 <p:sld xmlns:a="http://schemas.openxmlformats.org/drawingml/2006/main" xmlns:r="http://schemas.openxmlformats.org/officeDocument/2006/relationships" xmlns:p="http://schemas.openxmlformats.org/presentationml/2006/main" show="0">
   <p:cSld>
     <p:spTree>
@@ -19546,7 +20268,7 @@
             <a:fld id="{2BF067CD-8E6B-4360-9AA8-C5DF2A48A6D1}" type="slidenum">
               <a:rPr lang="en-US" smtClean="0"/>
               <a:pPr/>
-              <a:t>27</a:t>
+              <a:t>28</a:t>
             </a:fld>
             <a:endParaRPr lang="en-US" dirty="0"/>
           </a:p>
@@ -21960,11 +22682,11 @@
   <p:clrMapOvr>
     <a:masterClrMapping/>
   </p:clrMapOvr>
-  <mc:AlternateContent xmlns:mc="http://schemas.openxmlformats.org/markup-compatibility/2006">
-    <mc:Choice xmlns:p14="http://schemas.microsoft.com/office/powerpoint/2010/main" Requires="p14">
+  <mc:AlternateContent xmlns:mc="http://schemas.openxmlformats.org/markup-compatibility/2006" xmlns:p14="http://schemas.microsoft.com/office/powerpoint/2010/main">
+    <mc:Choice Requires="p14">
       <p:transition spd="slow" p14:dur="2000" advClick="0" advTm="5000"/>
     </mc:Choice>
-    <mc:Fallback>
+    <mc:Fallback xmlns="">
       <p:transition spd="slow" advClick="0" advTm="5000"/>
     </mc:Fallback>
   </mc:AlternateContent>

--- a/Courses/Software-Sciences/IT-Module-4-Problem-Solving-with-ICT/02-Sequential-Models/02-Sequential-Models.pptx
+++ b/Courses/Software-Sciences/IT-Module-4-Problem-Solving-with-ICT/02-Sequential-Models/02-Sequential-Models.pptx
@@ -330,7 +330,7 @@
           <a:p>
             <a:fld id="{4E087215-0C8F-4762-A664-737A353EC9A4}" type="datetimeFigureOut">
               <a:rPr lang="bg-BG" smtClean="0"/>
-              <a:t>2.09.25 г.</a:t>
+              <a:t>4.09.25 г.</a:t>
             </a:fld>
             <a:endParaRPr lang="bg-BG"/>
           </a:p>
@@ -526,7 +526,7 @@
           <a:p>
             <a:fld id="{72D84649-876A-46C9-8472-14CB09C070D8}" type="datetimeFigureOut">
               <a:rPr lang="en-US" smtClean="0"/>
-              <a:t>9/2/25</a:t>
+              <a:t>9/4/25</a:t>
             </a:fld>
             <a:endParaRPr lang="en-US"/>
           </a:p>
@@ -10191,8 +10191,8 @@
         </p:blipFill>
         <p:spPr>
           <a:xfrm>
-            <a:off x="572403" y="3055226"/>
-            <a:ext cx="1897168" cy="850875"/>
+            <a:off x="572403" y="3056137"/>
+            <a:ext cx="1897168" cy="849053"/>
           </a:xfrm>
           <a:prstGeom prst="rect">
             <a:avLst/>
